--- a/Презентація.pptx
+++ b/Презентація.pptx
@@ -4,16 +4,24 @@
   <p:sldMasterIdLst>
     <p:sldMasterId id="2147483648" r:id="rId1"/>
   </p:sldMasterIdLst>
+  <p:notesMasterIdLst>
+    <p:notesMasterId r:id="rId16"/>
+  </p:notesMasterIdLst>
   <p:sldIdLst>
     <p:sldId id="256" r:id="rId2"/>
-    <p:sldId id="257" r:id="rId3"/>
-    <p:sldId id="258" r:id="rId4"/>
-    <p:sldId id="259" r:id="rId5"/>
-    <p:sldId id="260" r:id="rId6"/>
-    <p:sldId id="261" r:id="rId7"/>
-    <p:sldId id="262" r:id="rId8"/>
-    <p:sldId id="263" r:id="rId9"/>
-    <p:sldId id="264" r:id="rId10"/>
+    <p:sldId id="267" r:id="rId3"/>
+    <p:sldId id="257" r:id="rId4"/>
+    <p:sldId id="268" r:id="rId5"/>
+    <p:sldId id="258" r:id="rId6"/>
+    <p:sldId id="259" r:id="rId7"/>
+    <p:sldId id="260" r:id="rId8"/>
+    <p:sldId id="265" r:id="rId9"/>
+    <p:sldId id="266" r:id="rId10"/>
+    <p:sldId id="261" r:id="rId11"/>
+    <p:sldId id="262" r:id="rId12"/>
+    <p:sldId id="263" r:id="rId13"/>
+    <p:sldId id="269" r:id="rId14"/>
+    <p:sldId id="270" r:id="rId15"/>
   </p:sldIdLst>
   <p:sldSz cx="12192000" cy="6858000"/>
   <p:notesSz cx="6858000" cy="9144000"/>
@@ -120,6 +128,524 @@
 </p:presentation>
 </file>
 
+<file path=ppt/notesMasters/notesMaster1.xml><?xml version="1.0" encoding="utf-8"?>
+<p:notesMaster xmlns:a="http://schemas.openxmlformats.org/drawingml/2006/main" xmlns:r="http://schemas.openxmlformats.org/officeDocument/2006/relationships" xmlns:p="http://schemas.openxmlformats.org/presentationml/2006/main">
+  <p:cSld>
+    <p:bg>
+      <p:bgRef idx="1001">
+        <a:schemeClr val="bg1"/>
+      </p:bgRef>
+    </p:bg>
+    <p:spTree>
+      <p:nvGrpSpPr>
+        <p:cNvPr id="1" name=""/>
+        <p:cNvGrpSpPr/>
+        <p:nvPr/>
+      </p:nvGrpSpPr>
+      <p:grpSpPr>
+        <a:xfrm>
+          <a:off x="0" y="0"/>
+          <a:ext cx="0" cy="0"/>
+          <a:chOff x="0" y="0"/>
+          <a:chExt cx="0" cy="0"/>
+        </a:xfrm>
+      </p:grpSpPr>
+      <p:sp>
+        <p:nvSpPr>
+          <p:cNvPr id="2" name="Верхний колонтитул 1"/>
+          <p:cNvSpPr>
+            <a:spLocks noGrp="1"/>
+          </p:cNvSpPr>
+          <p:nvPr>
+            <p:ph type="hdr" sz="quarter"/>
+          </p:nvPr>
+        </p:nvSpPr>
+        <p:spPr>
+          <a:xfrm>
+            <a:off x="0" y="0"/>
+            <a:ext cx="2971800" cy="458788"/>
+          </a:xfrm>
+          <a:prstGeom prst="rect">
+            <a:avLst/>
+          </a:prstGeom>
+        </p:spPr>
+        <p:txBody>
+          <a:bodyPr vert="horz" lIns="91440" tIns="45720" rIns="91440" bIns="45720" rtlCol="0"/>
+          <a:lstStyle>
+            <a:lvl1pPr algn="l">
+              <a:defRPr sz="1200"/>
+            </a:lvl1pPr>
+          </a:lstStyle>
+          <a:p>
+            <a:endParaRPr lang="uk-UA"/>
+          </a:p>
+        </p:txBody>
+      </p:sp>
+      <p:sp>
+        <p:nvSpPr>
+          <p:cNvPr id="3" name="Дата 2"/>
+          <p:cNvSpPr>
+            <a:spLocks noGrp="1"/>
+          </p:cNvSpPr>
+          <p:nvPr>
+            <p:ph type="dt" idx="1"/>
+          </p:nvPr>
+        </p:nvSpPr>
+        <p:spPr>
+          <a:xfrm>
+            <a:off x="3884613" y="0"/>
+            <a:ext cx="2971800" cy="458788"/>
+          </a:xfrm>
+          <a:prstGeom prst="rect">
+            <a:avLst/>
+          </a:prstGeom>
+        </p:spPr>
+        <p:txBody>
+          <a:bodyPr vert="horz" lIns="91440" tIns="45720" rIns="91440" bIns="45720" rtlCol="0"/>
+          <a:lstStyle>
+            <a:lvl1pPr algn="r">
+              <a:defRPr sz="1200"/>
+            </a:lvl1pPr>
+          </a:lstStyle>
+          <a:p>
+            <a:fld id="{B80BAA6B-438D-4836-8BDD-36FEE869305C}" type="datetimeFigureOut">
+              <a:rPr lang="uk-UA" smtClean="0"/>
+              <a:t>16.07.2025</a:t>
+            </a:fld>
+            <a:endParaRPr lang="uk-UA"/>
+          </a:p>
+        </p:txBody>
+      </p:sp>
+      <p:sp>
+        <p:nvSpPr>
+          <p:cNvPr id="4" name="Образ слайда 3"/>
+          <p:cNvSpPr>
+            <a:spLocks noGrp="1" noRot="1" noChangeAspect="1"/>
+          </p:cNvSpPr>
+          <p:nvPr>
+            <p:ph type="sldImg" idx="2"/>
+          </p:nvPr>
+        </p:nvSpPr>
+        <p:spPr>
+          <a:xfrm>
+            <a:off x="685800" y="1143000"/>
+            <a:ext cx="5486400" cy="3086100"/>
+          </a:xfrm>
+          <a:prstGeom prst="rect">
+            <a:avLst/>
+          </a:prstGeom>
+          <a:noFill/>
+          <a:ln w="12700">
+            <a:solidFill>
+              <a:prstClr val="black"/>
+            </a:solidFill>
+          </a:ln>
+        </p:spPr>
+        <p:txBody>
+          <a:bodyPr vert="horz" lIns="91440" tIns="45720" rIns="91440" bIns="45720" rtlCol="0" anchor="ctr"/>
+          <a:lstStyle/>
+          <a:p>
+            <a:endParaRPr lang="uk-UA"/>
+          </a:p>
+        </p:txBody>
+      </p:sp>
+      <p:sp>
+        <p:nvSpPr>
+          <p:cNvPr id="5" name="Заметки 4"/>
+          <p:cNvSpPr>
+            <a:spLocks noGrp="1"/>
+          </p:cNvSpPr>
+          <p:nvPr>
+            <p:ph type="body" sz="quarter" idx="3"/>
+          </p:nvPr>
+        </p:nvSpPr>
+        <p:spPr>
+          <a:xfrm>
+            <a:off x="685800" y="4400550"/>
+            <a:ext cx="5486400" cy="3600450"/>
+          </a:xfrm>
+          <a:prstGeom prst="rect">
+            <a:avLst/>
+          </a:prstGeom>
+        </p:spPr>
+        <p:txBody>
+          <a:bodyPr vert="horz" lIns="91440" tIns="45720" rIns="91440" bIns="45720" rtlCol="0"/>
+          <a:lstStyle/>
+          <a:p>
+            <a:pPr lvl="0"/>
+            <a:r>
+              <a:rPr lang="ru-RU" smtClean="0"/>
+              <a:t>Образец текста</a:t>
+            </a:r>
+          </a:p>
+          <a:p>
+            <a:pPr lvl="1"/>
+            <a:r>
+              <a:rPr lang="ru-RU" smtClean="0"/>
+              <a:t>Второй уровень</a:t>
+            </a:r>
+          </a:p>
+          <a:p>
+            <a:pPr lvl="2"/>
+            <a:r>
+              <a:rPr lang="ru-RU" smtClean="0"/>
+              <a:t>Третий уровень</a:t>
+            </a:r>
+          </a:p>
+          <a:p>
+            <a:pPr lvl="3"/>
+            <a:r>
+              <a:rPr lang="ru-RU" smtClean="0"/>
+              <a:t>Четвертый уровень</a:t>
+            </a:r>
+          </a:p>
+          <a:p>
+            <a:pPr lvl="4"/>
+            <a:r>
+              <a:rPr lang="ru-RU" smtClean="0"/>
+              <a:t>Пятый уровень</a:t>
+            </a:r>
+            <a:endParaRPr lang="uk-UA"/>
+          </a:p>
+        </p:txBody>
+      </p:sp>
+      <p:sp>
+        <p:nvSpPr>
+          <p:cNvPr id="6" name="Нижний колонтитул 5"/>
+          <p:cNvSpPr>
+            <a:spLocks noGrp="1"/>
+          </p:cNvSpPr>
+          <p:nvPr>
+            <p:ph type="ftr" sz="quarter" idx="4"/>
+          </p:nvPr>
+        </p:nvSpPr>
+        <p:spPr>
+          <a:xfrm>
+            <a:off x="0" y="8685213"/>
+            <a:ext cx="2971800" cy="458787"/>
+          </a:xfrm>
+          <a:prstGeom prst="rect">
+            <a:avLst/>
+          </a:prstGeom>
+        </p:spPr>
+        <p:txBody>
+          <a:bodyPr vert="horz" lIns="91440" tIns="45720" rIns="91440" bIns="45720" rtlCol="0" anchor="b"/>
+          <a:lstStyle>
+            <a:lvl1pPr algn="l">
+              <a:defRPr sz="1200"/>
+            </a:lvl1pPr>
+          </a:lstStyle>
+          <a:p>
+            <a:endParaRPr lang="uk-UA"/>
+          </a:p>
+        </p:txBody>
+      </p:sp>
+      <p:sp>
+        <p:nvSpPr>
+          <p:cNvPr id="7" name="Номер слайда 6"/>
+          <p:cNvSpPr>
+            <a:spLocks noGrp="1"/>
+          </p:cNvSpPr>
+          <p:nvPr>
+            <p:ph type="sldNum" sz="quarter" idx="5"/>
+          </p:nvPr>
+        </p:nvSpPr>
+        <p:spPr>
+          <a:xfrm>
+            <a:off x="3884613" y="8685213"/>
+            <a:ext cx="2971800" cy="458787"/>
+          </a:xfrm>
+          <a:prstGeom prst="rect">
+            <a:avLst/>
+          </a:prstGeom>
+        </p:spPr>
+        <p:txBody>
+          <a:bodyPr vert="horz" lIns="91440" tIns="45720" rIns="91440" bIns="45720" rtlCol="0" anchor="b"/>
+          <a:lstStyle>
+            <a:lvl1pPr algn="r">
+              <a:defRPr sz="1200"/>
+            </a:lvl1pPr>
+          </a:lstStyle>
+          <a:p>
+            <a:fld id="{7BD7421D-4F04-4D14-983B-F38D3FB24166}" type="slidenum">
+              <a:rPr lang="uk-UA" smtClean="0"/>
+              <a:t>‹#›</a:t>
+            </a:fld>
+            <a:endParaRPr lang="uk-UA"/>
+          </a:p>
+        </p:txBody>
+      </p:sp>
+    </p:spTree>
+    <p:extLst>
+      <p:ext uri="{BB962C8B-B14F-4D97-AF65-F5344CB8AC3E}">
+        <p14:creationId xmlns:p14="http://schemas.microsoft.com/office/powerpoint/2010/main" val="3251715799"/>
+      </p:ext>
+    </p:extLst>
+  </p:cSld>
+  <p:clrMap bg1="lt1" tx1="dk1" bg2="lt2" tx2="dk2" accent1="accent1" accent2="accent2" accent3="accent3" accent4="accent4" accent5="accent5" accent6="accent6" hlink="hlink" folHlink="folHlink"/>
+  <p:notesStyle>
+    <a:lvl1pPr marL="0" algn="l" defTabSz="914400" rtl="0" eaLnBrk="1" latinLnBrk="0" hangingPunct="1">
+      <a:defRPr sz="1200" kern="1200">
+        <a:solidFill>
+          <a:schemeClr val="tx1"/>
+        </a:solidFill>
+        <a:latin typeface="+mn-lt"/>
+        <a:ea typeface="+mn-ea"/>
+        <a:cs typeface="+mn-cs"/>
+      </a:defRPr>
+    </a:lvl1pPr>
+    <a:lvl2pPr marL="457200" algn="l" defTabSz="914400" rtl="0" eaLnBrk="1" latinLnBrk="0" hangingPunct="1">
+      <a:defRPr sz="1200" kern="1200">
+        <a:solidFill>
+          <a:schemeClr val="tx1"/>
+        </a:solidFill>
+        <a:latin typeface="+mn-lt"/>
+        <a:ea typeface="+mn-ea"/>
+        <a:cs typeface="+mn-cs"/>
+      </a:defRPr>
+    </a:lvl2pPr>
+    <a:lvl3pPr marL="914400" algn="l" defTabSz="914400" rtl="0" eaLnBrk="1" latinLnBrk="0" hangingPunct="1">
+      <a:defRPr sz="1200" kern="1200">
+        <a:solidFill>
+          <a:schemeClr val="tx1"/>
+        </a:solidFill>
+        <a:latin typeface="+mn-lt"/>
+        <a:ea typeface="+mn-ea"/>
+        <a:cs typeface="+mn-cs"/>
+      </a:defRPr>
+    </a:lvl3pPr>
+    <a:lvl4pPr marL="1371600" algn="l" defTabSz="914400" rtl="0" eaLnBrk="1" latinLnBrk="0" hangingPunct="1">
+      <a:defRPr sz="1200" kern="1200">
+        <a:solidFill>
+          <a:schemeClr val="tx1"/>
+        </a:solidFill>
+        <a:latin typeface="+mn-lt"/>
+        <a:ea typeface="+mn-ea"/>
+        <a:cs typeface="+mn-cs"/>
+      </a:defRPr>
+    </a:lvl4pPr>
+    <a:lvl5pPr marL="1828800" algn="l" defTabSz="914400" rtl="0" eaLnBrk="1" latinLnBrk="0" hangingPunct="1">
+      <a:defRPr sz="1200" kern="1200">
+        <a:solidFill>
+          <a:schemeClr val="tx1"/>
+        </a:solidFill>
+        <a:latin typeface="+mn-lt"/>
+        <a:ea typeface="+mn-ea"/>
+        <a:cs typeface="+mn-cs"/>
+      </a:defRPr>
+    </a:lvl5pPr>
+    <a:lvl6pPr marL="2286000" algn="l" defTabSz="914400" rtl="0" eaLnBrk="1" latinLnBrk="0" hangingPunct="1">
+      <a:defRPr sz="1200" kern="1200">
+        <a:solidFill>
+          <a:schemeClr val="tx1"/>
+        </a:solidFill>
+        <a:latin typeface="+mn-lt"/>
+        <a:ea typeface="+mn-ea"/>
+        <a:cs typeface="+mn-cs"/>
+      </a:defRPr>
+    </a:lvl6pPr>
+    <a:lvl7pPr marL="2743200" algn="l" defTabSz="914400" rtl="0" eaLnBrk="1" latinLnBrk="0" hangingPunct="1">
+      <a:defRPr sz="1200" kern="1200">
+        <a:solidFill>
+          <a:schemeClr val="tx1"/>
+        </a:solidFill>
+        <a:latin typeface="+mn-lt"/>
+        <a:ea typeface="+mn-ea"/>
+        <a:cs typeface="+mn-cs"/>
+      </a:defRPr>
+    </a:lvl7pPr>
+    <a:lvl8pPr marL="3200400" algn="l" defTabSz="914400" rtl="0" eaLnBrk="1" latinLnBrk="0" hangingPunct="1">
+      <a:defRPr sz="1200" kern="1200">
+        <a:solidFill>
+          <a:schemeClr val="tx1"/>
+        </a:solidFill>
+        <a:latin typeface="+mn-lt"/>
+        <a:ea typeface="+mn-ea"/>
+        <a:cs typeface="+mn-cs"/>
+      </a:defRPr>
+    </a:lvl8pPr>
+    <a:lvl9pPr marL="3657600" algn="l" defTabSz="914400" rtl="0" eaLnBrk="1" latinLnBrk="0" hangingPunct="1">
+      <a:defRPr sz="1200" kern="1200">
+        <a:solidFill>
+          <a:schemeClr val="tx1"/>
+        </a:solidFill>
+        <a:latin typeface="+mn-lt"/>
+        <a:ea typeface="+mn-ea"/>
+        <a:cs typeface="+mn-cs"/>
+      </a:defRPr>
+    </a:lvl9pPr>
+  </p:notesStyle>
+</p:notesMaster>
+</file>
+
+<file path=ppt/notesSlides/notesSlide1.xml><?xml version="1.0" encoding="utf-8"?>
+<p:notes xmlns:a="http://schemas.openxmlformats.org/drawingml/2006/main" xmlns:r="http://schemas.openxmlformats.org/officeDocument/2006/relationships" xmlns:p="http://schemas.openxmlformats.org/presentationml/2006/main">
+  <p:cSld>
+    <p:spTree>
+      <p:nvGrpSpPr>
+        <p:cNvPr id="1" name=""/>
+        <p:cNvGrpSpPr/>
+        <p:nvPr/>
+      </p:nvGrpSpPr>
+      <p:grpSpPr>
+        <a:xfrm>
+          <a:off x="0" y="0"/>
+          <a:ext cx="0" cy="0"/>
+          <a:chOff x="0" y="0"/>
+          <a:chExt cx="0" cy="0"/>
+        </a:xfrm>
+      </p:grpSpPr>
+      <p:sp>
+        <p:nvSpPr>
+          <p:cNvPr id="2" name="Образ слайда 1"/>
+          <p:cNvSpPr>
+            <a:spLocks noGrp="1" noRot="1" noChangeAspect="1"/>
+          </p:cNvSpPr>
+          <p:nvPr>
+            <p:ph type="sldImg"/>
+          </p:nvPr>
+        </p:nvSpPr>
+        <p:spPr/>
+      </p:sp>
+      <p:sp>
+        <p:nvSpPr>
+          <p:cNvPr id="3" name="Заметки 2"/>
+          <p:cNvSpPr>
+            <a:spLocks noGrp="1"/>
+          </p:cNvSpPr>
+          <p:nvPr>
+            <p:ph type="body" idx="1"/>
+          </p:nvPr>
+        </p:nvSpPr>
+        <p:spPr/>
+        <p:txBody>
+          <a:bodyPr/>
+          <a:lstStyle/>
+          <a:p>
+            <a:endParaRPr lang="uk-UA" dirty="0"/>
+          </a:p>
+        </p:txBody>
+      </p:sp>
+      <p:sp>
+        <p:nvSpPr>
+          <p:cNvPr id="4" name="Номер слайда 3"/>
+          <p:cNvSpPr>
+            <a:spLocks noGrp="1"/>
+          </p:cNvSpPr>
+          <p:nvPr>
+            <p:ph type="sldNum" sz="quarter" idx="10"/>
+          </p:nvPr>
+        </p:nvSpPr>
+        <p:spPr/>
+        <p:txBody>
+          <a:bodyPr/>
+          <a:lstStyle/>
+          <a:p>
+            <a:fld id="{7BD7421D-4F04-4D14-983B-F38D3FB24166}" type="slidenum">
+              <a:rPr lang="uk-UA" smtClean="0"/>
+              <a:t>1</a:t>
+            </a:fld>
+            <a:endParaRPr lang="uk-UA"/>
+          </a:p>
+        </p:txBody>
+      </p:sp>
+    </p:spTree>
+    <p:extLst>
+      <p:ext uri="{BB962C8B-B14F-4D97-AF65-F5344CB8AC3E}">
+        <p14:creationId xmlns:p14="http://schemas.microsoft.com/office/powerpoint/2010/main" val="1034567570"/>
+      </p:ext>
+    </p:extLst>
+  </p:cSld>
+  <p:clrMapOvr>
+    <a:masterClrMapping/>
+  </p:clrMapOvr>
+</p:notes>
+</file>
+
+<file path=ppt/notesSlides/notesSlide2.xml><?xml version="1.0" encoding="utf-8"?>
+<p:notes xmlns:a="http://schemas.openxmlformats.org/drawingml/2006/main" xmlns:r="http://schemas.openxmlformats.org/officeDocument/2006/relationships" xmlns:p="http://schemas.openxmlformats.org/presentationml/2006/main">
+  <p:cSld>
+    <p:spTree>
+      <p:nvGrpSpPr>
+        <p:cNvPr id="1" name=""/>
+        <p:cNvGrpSpPr/>
+        <p:nvPr/>
+      </p:nvGrpSpPr>
+      <p:grpSpPr>
+        <a:xfrm>
+          <a:off x="0" y="0"/>
+          <a:ext cx="0" cy="0"/>
+          <a:chOff x="0" y="0"/>
+          <a:chExt cx="0" cy="0"/>
+        </a:xfrm>
+      </p:grpSpPr>
+      <p:sp>
+        <p:nvSpPr>
+          <p:cNvPr id="2" name="Образ слайда 1"/>
+          <p:cNvSpPr>
+            <a:spLocks noGrp="1" noRot="1" noChangeAspect="1"/>
+          </p:cNvSpPr>
+          <p:nvPr>
+            <p:ph type="sldImg"/>
+          </p:nvPr>
+        </p:nvSpPr>
+        <p:spPr/>
+      </p:sp>
+      <p:sp>
+        <p:nvSpPr>
+          <p:cNvPr id="3" name="Заметки 2"/>
+          <p:cNvSpPr>
+            <a:spLocks noGrp="1"/>
+          </p:cNvSpPr>
+          <p:nvPr>
+            <p:ph type="body" idx="1"/>
+          </p:nvPr>
+        </p:nvSpPr>
+        <p:spPr/>
+        <p:txBody>
+          <a:bodyPr/>
+          <a:lstStyle/>
+          <a:p>
+            <a:endParaRPr lang="uk-UA" dirty="0"/>
+          </a:p>
+        </p:txBody>
+      </p:sp>
+      <p:sp>
+        <p:nvSpPr>
+          <p:cNvPr id="4" name="Номер слайда 3"/>
+          <p:cNvSpPr>
+            <a:spLocks noGrp="1"/>
+          </p:cNvSpPr>
+          <p:nvPr>
+            <p:ph type="sldNum" sz="quarter" idx="10"/>
+          </p:nvPr>
+        </p:nvSpPr>
+        <p:spPr/>
+        <p:txBody>
+          <a:bodyPr/>
+          <a:lstStyle/>
+          <a:p>
+            <a:fld id="{7BD7421D-4F04-4D14-983B-F38D3FB24166}" type="slidenum">
+              <a:rPr lang="uk-UA" smtClean="0"/>
+              <a:t>2</a:t>
+            </a:fld>
+            <a:endParaRPr lang="uk-UA"/>
+          </a:p>
+        </p:txBody>
+      </p:sp>
+    </p:spTree>
+    <p:extLst>
+      <p:ext uri="{BB962C8B-B14F-4D97-AF65-F5344CB8AC3E}">
+        <p14:creationId xmlns:p14="http://schemas.microsoft.com/office/powerpoint/2010/main" val="2843622010"/>
+      </p:ext>
+    </p:extLst>
+  </p:cSld>
+  <p:clrMapOvr>
+    <a:masterClrMapping/>
+  </p:clrMapOvr>
+</p:notes>
+</file>
+
 <file path=ppt/slideLayouts/slideLayout1.xml><?xml version="1.0" encoding="utf-8"?>
 <p:sldLayout xmlns:a="http://schemas.openxmlformats.org/drawingml/2006/main" xmlns:r="http://schemas.openxmlformats.org/officeDocument/2006/relationships" xmlns:p="http://schemas.openxmlformats.org/presentationml/2006/main" type="title" preserve="1">
   <p:cSld name="Титульний слайд">
@@ -321,7 +847,7 @@
           <a:p>
             <a:fld id="{933AA933-D9F3-4007-81E2-5431A621602F}" type="slidenum">
               <a:rPr lang="uk-UA" smtClean="0"/>
-              <a:t>‹№›</a:t>
+              <a:t>‹#›</a:t>
             </a:fld>
             <a:endParaRPr lang="uk-UA"/>
           </a:p>
@@ -519,7 +1045,7 @@
           <a:p>
             <a:fld id="{933AA933-D9F3-4007-81E2-5431A621602F}" type="slidenum">
               <a:rPr lang="uk-UA" smtClean="0"/>
-              <a:t>‹№›</a:t>
+              <a:t>‹#›</a:t>
             </a:fld>
             <a:endParaRPr lang="uk-UA"/>
           </a:p>
@@ -727,7 +1253,7 @@
           <a:p>
             <a:fld id="{933AA933-D9F3-4007-81E2-5431A621602F}" type="slidenum">
               <a:rPr lang="uk-UA" smtClean="0"/>
-              <a:t>‹№›</a:t>
+              <a:t>‹#›</a:t>
             </a:fld>
             <a:endParaRPr lang="uk-UA"/>
           </a:p>
@@ -925,7 +1451,7 @@
           <a:p>
             <a:fld id="{933AA933-D9F3-4007-81E2-5431A621602F}" type="slidenum">
               <a:rPr lang="uk-UA" smtClean="0"/>
-              <a:t>‹№›</a:t>
+              <a:t>‹#›</a:t>
             </a:fld>
             <a:endParaRPr lang="uk-UA"/>
           </a:p>
@@ -1200,7 +1726,7 @@
           <a:p>
             <a:fld id="{933AA933-D9F3-4007-81E2-5431A621602F}" type="slidenum">
               <a:rPr lang="uk-UA" smtClean="0"/>
-              <a:t>‹№›</a:t>
+              <a:t>‹#›</a:t>
             </a:fld>
             <a:endParaRPr lang="uk-UA"/>
           </a:p>
@@ -1465,7 +1991,7 @@
           <a:p>
             <a:fld id="{933AA933-D9F3-4007-81E2-5431A621602F}" type="slidenum">
               <a:rPr lang="uk-UA" smtClean="0"/>
-              <a:t>‹№›</a:t>
+              <a:t>‹#›</a:t>
             </a:fld>
             <a:endParaRPr lang="uk-UA"/>
           </a:p>
@@ -1877,7 +2403,7 @@
           <a:p>
             <a:fld id="{933AA933-D9F3-4007-81E2-5431A621602F}" type="slidenum">
               <a:rPr lang="uk-UA" smtClean="0"/>
-              <a:t>‹№›</a:t>
+              <a:t>‹#›</a:t>
             </a:fld>
             <a:endParaRPr lang="uk-UA"/>
           </a:p>
@@ -2018,7 +2544,7 @@
           <a:p>
             <a:fld id="{933AA933-D9F3-4007-81E2-5431A621602F}" type="slidenum">
               <a:rPr lang="uk-UA" smtClean="0"/>
-              <a:t>‹№›</a:t>
+              <a:t>‹#›</a:t>
             </a:fld>
             <a:endParaRPr lang="uk-UA"/>
           </a:p>
@@ -2131,7 +2657,7 @@
           <a:p>
             <a:fld id="{933AA933-D9F3-4007-81E2-5431A621602F}" type="slidenum">
               <a:rPr lang="uk-UA" smtClean="0"/>
-              <a:t>‹№›</a:t>
+              <a:t>‹#›</a:t>
             </a:fld>
             <a:endParaRPr lang="uk-UA"/>
           </a:p>
@@ -2442,7 +2968,7 @@
           <a:p>
             <a:fld id="{933AA933-D9F3-4007-81E2-5431A621602F}" type="slidenum">
               <a:rPr lang="uk-UA" smtClean="0"/>
-              <a:t>‹№›</a:t>
+              <a:t>‹#›</a:t>
             </a:fld>
             <a:endParaRPr lang="uk-UA"/>
           </a:p>
@@ -2730,7 +3256,7 @@
           <a:p>
             <a:fld id="{933AA933-D9F3-4007-81E2-5431A621602F}" type="slidenum">
               <a:rPr lang="uk-UA" smtClean="0"/>
-              <a:t>‹№›</a:t>
+              <a:t>‹#›</a:t>
             </a:fld>
             <a:endParaRPr lang="uk-UA"/>
           </a:p>
@@ -3007,7 +3533,7 @@
           <a:p>
             <a:fld id="{933AA933-D9F3-4007-81E2-5431A621602F}" type="slidenum">
               <a:rPr lang="uk-UA" smtClean="0"/>
-              <a:t>‹№›</a:t>
+              <a:t>‹#›</a:t>
             </a:fld>
             <a:endParaRPr lang="uk-UA"/>
           </a:p>
@@ -3350,7 +3876,7 @@
                 <a16:creationId xmlns:a16="http://schemas.microsoft.com/office/drawing/2014/main" id="{081EA652-8C6A-4E69-BEB9-170809474553}"/>
               </a:ext>
               <a:ext uri="{C183D7F6-B498-43B3-948B-1728B52AA6E4}">
-                <adec:decorative xmlns:adec="http://schemas.microsoft.com/office/drawing/2017/decorative" val="1"/>
+                <adec:decorative xmlns="" xmlns:adec="http://schemas.microsoft.com/office/drawing/2017/decorative" val="1"/>
               </a:ext>
             </a:extLst>
           </p:cNvPr>
@@ -3410,7 +3936,7 @@
                 <a16:creationId xmlns:a16="http://schemas.microsoft.com/office/drawing/2014/main" id="{5298780A-33B9-4EA2-8F67-DE68AD62841B}"/>
               </a:ext>
               <a:ext uri="{C183D7F6-B498-43B3-948B-1728B52AA6E4}">
-                <adec:decorative xmlns:adec="http://schemas.microsoft.com/office/drawing/2017/decorative" val="1"/>
+                <adec:decorative xmlns="" xmlns:adec="http://schemas.microsoft.com/office/drawing/2017/decorative" val="1"/>
               </a:ext>
             </a:extLst>
           </p:cNvPr>
@@ -3473,7 +3999,7 @@
                 <a16:creationId xmlns:a16="http://schemas.microsoft.com/office/drawing/2014/main" id="{7F488E8B-4E1E-4402-8935-D4E6C02615C7}"/>
               </a:ext>
               <a:ext uri="{C183D7F6-B498-43B3-948B-1728B52AA6E4}">
-                <adec:decorative xmlns:adec="http://schemas.microsoft.com/office/drawing/2017/decorative" val="1"/>
+                <adec:decorative xmlns="" xmlns:adec="http://schemas.microsoft.com/office/drawing/2017/decorative" val="1"/>
               </a:ext>
             </a:extLst>
           </p:cNvPr>
@@ -3555,7 +4081,7 @@
         </p:spPr>
         <p:txBody>
           <a:bodyPr vert="horz" lIns="91440" tIns="45720" rIns="91440" bIns="45720" rtlCol="0" anchor="ctr">
-            <a:normAutofit/>
+            <a:normAutofit fontScale="90000"/>
           </a:bodyPr>
           <a:lstStyle/>
           <a:p>
@@ -3613,69 +4139,76 @@
         </p:nvSpPr>
         <p:spPr>
           <a:xfrm>
-            <a:off x="1285240" y="2969469"/>
-            <a:ext cx="8074815" cy="2800395"/>
+            <a:off x="891805" y="4558572"/>
+            <a:ext cx="4909352" cy="1140892"/>
           </a:xfrm>
         </p:spPr>
         <p:txBody>
           <a:bodyPr vert="horz" lIns="91440" tIns="45720" rIns="91440" bIns="45720" rtlCol="0" anchor="t">
-            <a:normAutofit/>
+            <a:normAutofit fontScale="77500" lnSpcReduction="20000"/>
           </a:bodyPr>
           <a:lstStyle/>
           <a:p>
-            <a:pPr indent="-228600" algn="l">
-              <a:buFont typeface="Arial" panose="020B0604020202020204" pitchFamily="34" charset="0"/>
-              <a:buChar char="•"/>
-            </a:pPr>
-            <a:r>
-              <a:rPr lang="en-US"/>
-              <a:t>Учасники:</a:t>
-            </a:r>
-            <a:br>
-              <a:rPr lang="en-US"/>
-            </a:br>
-            <a:r>
-              <a:rPr lang="en-US"/>
-              <a:t>Київський Єгор Юрійович - </a:t>
-            </a:r>
-            <a:r>
-              <a:rPr lang="en-US" dirty="0"/>
-              <a:t>GitHub:</a:t>
-            </a:r>
-            <a:r>
-              <a:rPr lang="en-US"/>
-              <a:t> </a:t>
-            </a:r>
-            <a:r>
-              <a:rPr lang="en-US" dirty="0"/>
-              <a:t>WhyTile</a:t>
-            </a:r>
-            <a:br>
-              <a:rPr lang="en-US" dirty="0"/>
-            </a:br>
-            <a:r>
-              <a:rPr lang="en-US"/>
-              <a:t>Гаврилюк Олександр Олегович – </a:t>
-            </a:r>
-            <a:r>
-              <a:rPr lang="en-US" dirty="0"/>
-              <a:t>GitHub: DES-S-S</a:t>
-            </a:r>
-            <a:br>
-              <a:rPr lang="en-US" dirty="0"/>
-            </a:br>
-            <a:r>
-              <a:rPr lang="en-US"/>
-              <a:t>Теслюк Богдан Вікторович – </a:t>
-            </a:r>
-            <a:r>
-              <a:rPr lang="en-US" dirty="0"/>
-              <a:t>GitHub: </a:t>
-            </a:r>
-            <a:r>
-              <a:rPr lang="en-US"/>
-              <a:t>TesliukBohdan</a:t>
-            </a:r>
+            <a:pPr algn="l"/>
+            <a:r>
+              <a:rPr lang="uk-UA" sz="1600" dirty="0" smtClean="0"/>
+              <a:t>Робота студентів 1 курсу </a:t>
+            </a:r>
+          </a:p>
+          <a:p>
+            <a:pPr algn="l"/>
+            <a:r>
+              <a:rPr lang="uk-UA" sz="1600" dirty="0" smtClean="0"/>
+              <a:t>Національного Університету Біоресурсів і Природокористування України</a:t>
+            </a:r>
+          </a:p>
+          <a:p>
+            <a:pPr algn="l"/>
+            <a:r>
+              <a:rPr lang="uk-UA" sz="1600" dirty="0" smtClean="0"/>
+              <a:t>Факультету </a:t>
+            </a:r>
+            <a:r>
+              <a:rPr lang="en-US" sz="1600" dirty="0" smtClean="0"/>
+              <a:t>“</a:t>
+            </a:r>
+            <a:r>
+              <a:rPr lang="uk-UA" sz="1600" dirty="0" smtClean="0"/>
+              <a:t>Інформаційних технологій</a:t>
+            </a:r>
+            <a:r>
+              <a:rPr lang="en-US" sz="1600" dirty="0" smtClean="0"/>
+              <a:t>”</a:t>
+            </a:r>
+            <a:endParaRPr lang="uk-UA" sz="1600" dirty="0" smtClean="0"/>
+          </a:p>
+          <a:p>
+            <a:pPr algn="l"/>
+            <a:r>
+              <a:rPr lang="uk-UA" sz="1600" dirty="0" smtClean="0"/>
+              <a:t>Спеціальності 122 </a:t>
+            </a:r>
+            <a:r>
+              <a:rPr lang="en-US" sz="1600" dirty="0" smtClean="0"/>
+              <a:t>“</a:t>
+            </a:r>
+            <a:r>
+              <a:rPr lang="uk-UA" sz="1600" dirty="0" smtClean="0"/>
+              <a:t>комп’ютерні науки</a:t>
+            </a:r>
+            <a:r>
+              <a:rPr lang="en-US" sz="1600" dirty="0" smtClean="0"/>
+              <a:t>”</a:t>
+            </a:r>
+            <a:endParaRPr lang="uk-UA" sz="1600" dirty="0" smtClean="0"/>
+          </a:p>
+          <a:p>
+            <a:pPr algn="l"/>
+            <a:endParaRPr lang="uk-UA" dirty="0" smtClean="0"/>
+          </a:p>
+          <a:p>
+            <a:pPr algn="l"/>
+            <a:endParaRPr lang="en-US" dirty="0"/>
           </a:p>
         </p:txBody>
       </p:sp>
@@ -3683,6 +4216,2115 @@
     <p:extLst>
       <p:ext uri="{BB962C8B-B14F-4D97-AF65-F5344CB8AC3E}">
         <p14:creationId xmlns:p14="http://schemas.microsoft.com/office/powerpoint/2010/main" val="1580331230"/>
+      </p:ext>
+    </p:extLst>
+  </p:cSld>
+  <p:clrMapOvr>
+    <a:masterClrMapping/>
+  </p:clrMapOvr>
+</p:sld>
+</file>
+
+<file path=ppt/slides/slide10.xml><?xml version="1.0" encoding="utf-8"?>
+<p:sld xmlns:a="http://schemas.openxmlformats.org/drawingml/2006/main" xmlns:r="http://schemas.openxmlformats.org/officeDocument/2006/relationships" xmlns:p="http://schemas.openxmlformats.org/presentationml/2006/main">
+  <p:cSld>
+    <p:bg>
+      <p:bgPr>
+        <a:solidFill>
+          <a:schemeClr val="bg1"/>
+        </a:solidFill>
+        <a:effectLst/>
+      </p:bgPr>
+    </p:bg>
+    <p:spTree>
+      <p:nvGrpSpPr>
+        <p:cNvPr id="1" name=""/>
+        <p:cNvGrpSpPr/>
+        <p:nvPr/>
+      </p:nvGrpSpPr>
+      <p:grpSpPr>
+        <a:xfrm>
+          <a:off x="0" y="0"/>
+          <a:ext cx="0" cy="0"/>
+          <a:chOff x="0" y="0"/>
+          <a:chExt cx="0" cy="0"/>
+        </a:xfrm>
+      </p:grpSpPr>
+      <p:sp useBgFill="1">
+        <p:nvSpPr>
+          <p:cNvPr id="10" name="Rectangle 9">
+            <a:extLst>
+              <a:ext uri="{FF2B5EF4-FFF2-40B4-BE49-F238E27FC236}">
+                <a16:creationId xmlns:a16="http://schemas.microsoft.com/office/drawing/2014/main" id="{081EA652-8C6A-4E69-BEB9-170809474553}"/>
+              </a:ext>
+              <a:ext uri="{C183D7F6-B498-43B3-948B-1728B52AA6E4}">
+                <adec:decorative xmlns="" xmlns:adec="http://schemas.microsoft.com/office/drawing/2017/decorative" val="1"/>
+              </a:ext>
+            </a:extLst>
+          </p:cNvPr>
+          <p:cNvSpPr>
+            <a:spLocks noGrp="1" noRot="1" noChangeAspect="1" noMove="1" noResize="1" noEditPoints="1" noAdjustHandles="1" noChangeArrowheads="1" noChangeShapeType="1" noTextEdit="1"/>
+          </p:cNvSpPr>
+          <p:nvPr>
+            <p:extLst>
+              <p:ext uri="{386F3935-93C4-4BCD-93E2-E3B085C9AB24}">
+                <p16:designElem xmlns:p16="http://schemas.microsoft.com/office/powerpoint/2015/main" val="1"/>
+              </p:ext>
+            </p:extLst>
+          </p:nvPr>
+        </p:nvSpPr>
+        <p:spPr>
+          <a:xfrm>
+            <a:off x="0" y="0"/>
+            <a:ext cx="12192000" cy="6858000"/>
+          </a:xfrm>
+          <a:prstGeom prst="rect">
+            <a:avLst/>
+          </a:prstGeom>
+          <a:ln>
+            <a:noFill/>
+          </a:ln>
+        </p:spPr>
+        <p:style>
+          <a:lnRef idx="2">
+            <a:schemeClr val="accent1">
+              <a:shade val="50000"/>
+            </a:schemeClr>
+          </a:lnRef>
+          <a:fillRef idx="1">
+            <a:schemeClr val="accent1"/>
+          </a:fillRef>
+          <a:effectRef idx="0">
+            <a:schemeClr val="accent1"/>
+          </a:effectRef>
+          <a:fontRef idx="minor">
+            <a:schemeClr val="lt1"/>
+          </a:fontRef>
+        </p:style>
+        <p:txBody>
+          <a:bodyPr rtlCol="0" anchor="ctr"/>
+          <a:lstStyle/>
+          <a:p>
+            <a:pPr algn="ctr"/>
+            <a:endParaRPr lang="en-US"/>
+          </a:p>
+        </p:txBody>
+      </p:sp>
+      <p:sp>
+        <p:nvSpPr>
+          <p:cNvPr id="12" name="Right Triangle 11">
+            <a:extLst>
+              <a:ext uri="{FF2B5EF4-FFF2-40B4-BE49-F238E27FC236}">
+                <a16:creationId xmlns:a16="http://schemas.microsoft.com/office/drawing/2014/main" id="{5298780A-33B9-4EA2-8F67-DE68AD62841B}"/>
+              </a:ext>
+              <a:ext uri="{C183D7F6-B498-43B3-948B-1728B52AA6E4}">
+                <adec:decorative xmlns="" xmlns:adec="http://schemas.microsoft.com/office/drawing/2017/decorative" val="1"/>
+              </a:ext>
+            </a:extLst>
+          </p:cNvPr>
+          <p:cNvSpPr>
+            <a:spLocks noGrp="1" noRot="1" noChangeAspect="1" noMove="1" noResize="1" noEditPoints="1" noAdjustHandles="1" noChangeArrowheads="1" noChangeShapeType="1" noTextEdit="1"/>
+          </p:cNvSpPr>
+          <p:nvPr>
+            <p:extLst>
+              <p:ext uri="{386F3935-93C4-4BCD-93E2-E3B085C9AB24}">
+                <p16:designElem xmlns:p16="http://schemas.microsoft.com/office/powerpoint/2015/main" val="1"/>
+              </p:ext>
+            </p:extLst>
+          </p:nvPr>
+        </p:nvSpPr>
+        <p:spPr>
+          <a:xfrm flipH="1">
+            <a:off x="8576720" y="3335867"/>
+            <a:ext cx="3291840" cy="3200400"/>
+          </a:xfrm>
+          <a:prstGeom prst="rtTriangle">
+            <a:avLst/>
+          </a:prstGeom>
+          <a:solidFill>
+            <a:schemeClr val="accent4"/>
+          </a:solidFill>
+          <a:ln>
+            <a:noFill/>
+          </a:ln>
+        </p:spPr>
+        <p:style>
+          <a:lnRef idx="2">
+            <a:schemeClr val="accent1">
+              <a:shade val="50000"/>
+            </a:schemeClr>
+          </a:lnRef>
+          <a:fillRef idx="1">
+            <a:schemeClr val="accent1"/>
+          </a:fillRef>
+          <a:effectRef idx="0">
+            <a:schemeClr val="accent1"/>
+          </a:effectRef>
+          <a:fontRef idx="minor">
+            <a:schemeClr val="lt1"/>
+          </a:fontRef>
+        </p:style>
+        <p:txBody>
+          <a:bodyPr rtlCol="0" anchor="ctr"/>
+          <a:lstStyle/>
+          <a:p>
+            <a:pPr algn="ctr"/>
+            <a:endParaRPr lang="en-US" dirty="0"/>
+          </a:p>
+        </p:txBody>
+      </p:sp>
+      <p:sp>
+        <p:nvSpPr>
+          <p:cNvPr id="14" name="Rectangle 13">
+            <a:extLst>
+              <a:ext uri="{FF2B5EF4-FFF2-40B4-BE49-F238E27FC236}">
+                <a16:creationId xmlns:a16="http://schemas.microsoft.com/office/drawing/2014/main" id="{7F488E8B-4E1E-4402-8935-D4E6C02615C7}"/>
+              </a:ext>
+              <a:ext uri="{C183D7F6-B498-43B3-948B-1728B52AA6E4}">
+                <adec:decorative xmlns="" xmlns:adec="http://schemas.microsoft.com/office/drawing/2017/decorative" val="1"/>
+              </a:ext>
+            </a:extLst>
+          </p:cNvPr>
+          <p:cNvSpPr>
+            <a:spLocks noGrp="1" noRot="1" noChangeAspect="1" noMove="1" noResize="1" noEditPoints="1" noAdjustHandles="1" noChangeArrowheads="1" noChangeShapeType="1" noTextEdit="1"/>
+          </p:cNvSpPr>
+          <p:nvPr>
+            <p:extLst>
+              <p:ext uri="{386F3935-93C4-4BCD-93E2-E3B085C9AB24}">
+                <p16:designElem xmlns:p16="http://schemas.microsoft.com/office/powerpoint/2015/main" val="1"/>
+              </p:ext>
+            </p:extLst>
+          </p:nvPr>
+        </p:nvSpPr>
+        <p:spPr>
+          <a:xfrm>
+            <a:off x="641774" y="623275"/>
+            <a:ext cx="10905053" cy="5607882"/>
+          </a:xfrm>
+          <a:prstGeom prst="rect">
+            <a:avLst/>
+          </a:prstGeom>
+          <a:noFill/>
+          <a:ln w="19050">
+            <a:solidFill>
+              <a:schemeClr val="tx1">
+                <a:lumMod val="75000"/>
+                <a:lumOff val="25000"/>
+              </a:schemeClr>
+            </a:solidFill>
+          </a:ln>
+        </p:spPr>
+        <p:style>
+          <a:lnRef idx="2">
+            <a:schemeClr val="accent1">
+              <a:shade val="50000"/>
+            </a:schemeClr>
+          </a:lnRef>
+          <a:fillRef idx="1">
+            <a:schemeClr val="accent1"/>
+          </a:fillRef>
+          <a:effectRef idx="0">
+            <a:schemeClr val="accent1"/>
+          </a:effectRef>
+          <a:fontRef idx="minor">
+            <a:schemeClr val="lt1"/>
+          </a:fontRef>
+        </p:style>
+        <p:txBody>
+          <a:bodyPr rtlCol="0" anchor="ctr"/>
+          <a:lstStyle/>
+          <a:p>
+            <a:pPr algn="ctr"/>
+            <a:endParaRPr lang="en-US"/>
+          </a:p>
+        </p:txBody>
+      </p:sp>
+      <p:sp>
+        <p:nvSpPr>
+          <p:cNvPr id="2" name="Заголовок 1">
+            <a:extLst>
+              <a:ext uri="{FF2B5EF4-FFF2-40B4-BE49-F238E27FC236}">
+                <a16:creationId xmlns:a16="http://schemas.microsoft.com/office/drawing/2014/main" id="{2EC89083-19DA-56A2-AC31-8DBCDA755784}"/>
+              </a:ext>
+            </a:extLst>
+          </p:cNvPr>
+          <p:cNvSpPr>
+            <a:spLocks noGrp="1"/>
+          </p:cNvSpPr>
+          <p:nvPr>
+            <p:ph type="title"/>
+          </p:nvPr>
+        </p:nvSpPr>
+        <p:spPr>
+          <a:xfrm>
+            <a:off x="1285240" y="623275"/>
+            <a:ext cx="10078177" cy="1618489"/>
+          </a:xfrm>
+        </p:spPr>
+        <p:txBody>
+          <a:bodyPr vert="horz" lIns="91440" tIns="45720" rIns="91440" bIns="45720" rtlCol="0" anchor="ctr">
+            <a:normAutofit/>
+          </a:bodyPr>
+          <a:lstStyle/>
+          <a:p>
+            <a:pPr marL="342900" indent="-342900"/>
+            <a:r>
+              <a:rPr lang="en-US" sz="5000" kern="1200" dirty="0" err="1">
+                <a:solidFill>
+                  <a:schemeClr val="tx1"/>
+                </a:solidFill>
+                <a:latin typeface="+mj-lt"/>
+                <a:ea typeface="+mj-ea"/>
+                <a:cs typeface="+mj-cs"/>
+              </a:rPr>
+              <a:t>Чому</a:t>
+            </a:r>
+            <a:r>
+              <a:rPr lang="en-US" sz="5000" kern="1200" dirty="0">
+                <a:solidFill>
+                  <a:schemeClr val="tx1"/>
+                </a:solidFill>
+                <a:latin typeface="+mj-lt"/>
+                <a:ea typeface="+mj-ea"/>
+                <a:cs typeface="+mj-cs"/>
+              </a:rPr>
+              <a:t> </a:t>
+            </a:r>
+            <a:r>
+              <a:rPr lang="en-US" sz="5000" kern="1200" dirty="0" err="1">
+                <a:solidFill>
+                  <a:schemeClr val="tx1"/>
+                </a:solidFill>
+                <a:latin typeface="+mj-lt"/>
+                <a:ea typeface="+mj-ea"/>
+                <a:cs typeface="+mj-cs"/>
+              </a:rPr>
+              <a:t>саме</a:t>
+            </a:r>
+            <a:r>
+              <a:rPr lang="en-US" sz="5000" kern="1200" dirty="0">
+                <a:solidFill>
+                  <a:schemeClr val="tx1"/>
+                </a:solidFill>
+                <a:latin typeface="+mj-lt"/>
+                <a:ea typeface="+mj-ea"/>
+                <a:cs typeface="+mj-cs"/>
+              </a:rPr>
+              <a:t> </a:t>
+            </a:r>
+            <a:r>
+              <a:rPr lang="en-US" sz="5000" kern="1200" dirty="0" err="1" smtClean="0">
+                <a:solidFill>
+                  <a:schemeClr val="tx1"/>
+                </a:solidFill>
+                <a:latin typeface="+mj-lt"/>
+                <a:ea typeface="+mj-ea"/>
+                <a:cs typeface="+mj-cs"/>
+              </a:rPr>
+              <a:t>цей</a:t>
+            </a:r>
+            <a:r>
+              <a:rPr lang="uk-UA" sz="5000" kern="1200" dirty="0" smtClean="0">
+                <a:solidFill>
+                  <a:schemeClr val="tx1"/>
+                </a:solidFill>
+                <a:latin typeface="+mj-lt"/>
+                <a:ea typeface="+mj-ea"/>
+                <a:cs typeface="+mj-cs"/>
+              </a:rPr>
+              <a:t> </a:t>
+            </a:r>
+            <a:r>
+              <a:rPr lang="en-US" sz="5000" kern="1200" dirty="0" err="1" smtClean="0">
+                <a:solidFill>
+                  <a:schemeClr val="tx1"/>
+                </a:solidFill>
+                <a:latin typeface="+mj-lt"/>
+                <a:ea typeface="+mj-ea"/>
+                <a:cs typeface="+mj-cs"/>
+              </a:rPr>
+              <a:t>функціонал</a:t>
+            </a:r>
+            <a:r>
+              <a:rPr lang="en-US" sz="5000" kern="1200" dirty="0">
+                <a:solidFill>
+                  <a:schemeClr val="tx1"/>
+                </a:solidFill>
+                <a:latin typeface="+mj-lt"/>
+                <a:ea typeface="+mj-ea"/>
+                <a:cs typeface="+mj-cs"/>
+              </a:rPr>
+              <a:t>?</a:t>
+            </a:r>
+          </a:p>
+        </p:txBody>
+      </p:sp>
+      <p:sp>
+        <p:nvSpPr>
+          <p:cNvPr id="5" name="TextBox 4">
+            <a:extLst>
+              <a:ext uri="{FF2B5EF4-FFF2-40B4-BE49-F238E27FC236}">
+                <a16:creationId xmlns:a16="http://schemas.microsoft.com/office/drawing/2014/main" id="{B868FBAC-1D11-4B43-A255-1692ACD89804}"/>
+              </a:ext>
+            </a:extLst>
+          </p:cNvPr>
+          <p:cNvSpPr txBox="1"/>
+          <p:nvPr/>
+        </p:nvSpPr>
+        <p:spPr>
+          <a:xfrm>
+            <a:off x="1285240" y="2969469"/>
+            <a:ext cx="8074815" cy="2800395"/>
+          </a:xfrm>
+          <a:prstGeom prst="rect">
+            <a:avLst/>
+          </a:prstGeom>
+        </p:spPr>
+        <p:txBody>
+          <a:bodyPr vert="horz" lIns="91440" tIns="45720" rIns="91440" bIns="45720" rtlCol="0" anchor="t">
+            <a:normAutofit fontScale="92500" lnSpcReduction="20000"/>
+          </a:bodyPr>
+          <a:lstStyle/>
+          <a:p>
+            <a:pPr>
+              <a:lnSpc>
+                <a:spcPct val="90000"/>
+              </a:lnSpc>
+              <a:spcAft>
+                <a:spcPts val="600"/>
+              </a:spcAft>
+            </a:pPr>
+            <a:r>
+              <a:rPr lang="en-US" sz="1900" dirty="0" err="1"/>
+              <a:t>Обраний</a:t>
+            </a:r>
+            <a:r>
+              <a:rPr lang="en-US" sz="1900" dirty="0"/>
+              <a:t> </a:t>
+            </a:r>
+            <a:r>
+              <a:rPr lang="en-US" sz="1900" dirty="0" err="1"/>
+              <a:t>функціонал</a:t>
+            </a:r>
+            <a:r>
+              <a:rPr lang="en-US" sz="1900" dirty="0"/>
+              <a:t> </a:t>
+            </a:r>
+            <a:r>
+              <a:rPr lang="en-US" sz="1900" dirty="0" err="1"/>
+              <a:t>реалізує</a:t>
+            </a:r>
+            <a:r>
+              <a:rPr lang="en-US" sz="1900" dirty="0"/>
+              <a:t> </a:t>
+            </a:r>
+            <a:r>
+              <a:rPr lang="en-US" sz="1900" dirty="0" err="1"/>
+              <a:t>найважливіші</a:t>
+            </a:r>
+            <a:r>
+              <a:rPr lang="en-US" sz="1900" dirty="0"/>
+              <a:t> </a:t>
+            </a:r>
+            <a:r>
+              <a:rPr lang="en-US" sz="1900" dirty="0" err="1"/>
+              <a:t>потреби</a:t>
+            </a:r>
+            <a:r>
+              <a:rPr lang="en-US" sz="1900" dirty="0"/>
+              <a:t> </a:t>
+            </a:r>
+            <a:r>
+              <a:rPr lang="en-US" sz="1900" dirty="0" err="1"/>
+              <a:t>як</a:t>
+            </a:r>
+            <a:r>
+              <a:rPr lang="en-US" sz="1900" dirty="0"/>
+              <a:t> </a:t>
+            </a:r>
+            <a:r>
+              <a:rPr lang="en-US" sz="1900" dirty="0" err="1"/>
+              <a:t>для</a:t>
+            </a:r>
+            <a:r>
+              <a:rPr lang="en-US" sz="1900" dirty="0"/>
+              <a:t> </a:t>
+            </a:r>
+            <a:r>
+              <a:rPr lang="en-US" sz="1900" dirty="0" err="1"/>
+              <a:t>шукачів</a:t>
+            </a:r>
+            <a:r>
+              <a:rPr lang="en-US" sz="1900" dirty="0"/>
+              <a:t> </a:t>
+            </a:r>
+            <a:r>
+              <a:rPr lang="en-US" sz="1900" dirty="0" err="1"/>
+              <a:t>роботи</a:t>
+            </a:r>
+            <a:r>
+              <a:rPr lang="en-US" sz="1900" dirty="0"/>
+              <a:t>, </a:t>
+            </a:r>
+            <a:r>
+              <a:rPr lang="en-US" sz="1900" dirty="0" err="1"/>
+              <a:t>так</a:t>
+            </a:r>
+            <a:r>
+              <a:rPr lang="en-US" sz="1900" dirty="0"/>
+              <a:t> і </a:t>
+            </a:r>
+            <a:r>
+              <a:rPr lang="en-US" sz="1900" dirty="0" err="1"/>
+              <a:t>для</a:t>
+            </a:r>
+            <a:r>
+              <a:rPr lang="en-US" sz="1900" dirty="0"/>
+              <a:t> </a:t>
+            </a:r>
+            <a:r>
+              <a:rPr lang="en-US" sz="1900" dirty="0" err="1"/>
+              <a:t>роботодавців</a:t>
+            </a:r>
+            <a:r>
+              <a:rPr lang="en-US" sz="1900" dirty="0"/>
+              <a:t>. </a:t>
+            </a:r>
+            <a:r>
+              <a:rPr lang="en-US" sz="1900" dirty="0" err="1"/>
+              <a:t>Кабінет</a:t>
+            </a:r>
+            <a:r>
+              <a:rPr lang="en-US" sz="1900" dirty="0"/>
+              <a:t> </a:t>
+            </a:r>
+            <a:r>
+              <a:rPr lang="en-US" sz="1900" dirty="0" err="1"/>
+              <a:t>користувача</a:t>
+            </a:r>
+            <a:r>
+              <a:rPr lang="en-US" sz="1900" dirty="0"/>
+              <a:t> </a:t>
+            </a:r>
+            <a:r>
+              <a:rPr lang="en-US" sz="1900" dirty="0" err="1"/>
+              <a:t>дозволяє</a:t>
+            </a:r>
+            <a:r>
+              <a:rPr lang="en-US" sz="1900" dirty="0"/>
+              <a:t> </a:t>
+            </a:r>
+            <a:r>
+              <a:rPr lang="en-US" sz="1900" dirty="0" err="1"/>
+              <a:t>зберігати</a:t>
+            </a:r>
+            <a:r>
+              <a:rPr lang="en-US" sz="1900" dirty="0"/>
+              <a:t> </a:t>
+            </a:r>
+            <a:r>
+              <a:rPr lang="en-US" sz="1900" dirty="0" err="1"/>
+              <a:t>особисту</a:t>
+            </a:r>
+            <a:r>
+              <a:rPr lang="en-US" sz="1900" dirty="0"/>
+              <a:t> </a:t>
+            </a:r>
+            <a:r>
+              <a:rPr lang="en-US" sz="1900" dirty="0" err="1"/>
+              <a:t>інформацію</a:t>
+            </a:r>
+            <a:r>
+              <a:rPr lang="en-US" sz="1900" dirty="0"/>
+              <a:t> </a:t>
+            </a:r>
+            <a:r>
+              <a:rPr lang="en-US" sz="1900" dirty="0" err="1"/>
+              <a:t>та</a:t>
+            </a:r>
+            <a:r>
+              <a:rPr lang="en-US" sz="1900" dirty="0"/>
+              <a:t> </a:t>
+            </a:r>
+            <a:r>
+              <a:rPr lang="en-US" sz="1900" dirty="0" err="1"/>
+              <a:t>редагувати</a:t>
+            </a:r>
+            <a:r>
+              <a:rPr lang="en-US" sz="1900" dirty="0"/>
+              <a:t> </a:t>
+            </a:r>
+            <a:r>
+              <a:rPr lang="en-US" sz="1900" dirty="0" err="1"/>
+              <a:t>профіль</a:t>
+            </a:r>
+            <a:r>
+              <a:rPr lang="en-US" sz="1900" dirty="0"/>
+              <a:t> - </a:t>
+            </a:r>
+            <a:r>
+              <a:rPr lang="en-US" sz="1900" dirty="0" err="1"/>
+              <a:t>це</a:t>
+            </a:r>
+            <a:r>
+              <a:rPr lang="en-US" sz="1900" dirty="0"/>
+              <a:t> </a:t>
+            </a:r>
+            <a:r>
+              <a:rPr lang="en-US" sz="1900" dirty="0" err="1"/>
+              <a:t>забезпечує</a:t>
+            </a:r>
+            <a:r>
+              <a:rPr lang="en-US" sz="1900" dirty="0"/>
+              <a:t> </a:t>
+            </a:r>
+            <a:r>
+              <a:rPr lang="en-US" sz="1900" dirty="0" err="1"/>
+              <a:t>зручність</a:t>
+            </a:r>
+            <a:r>
+              <a:rPr lang="en-US" sz="1900" dirty="0"/>
+              <a:t> і </a:t>
+            </a:r>
+            <a:r>
+              <a:rPr lang="en-US" sz="1900" dirty="0" err="1"/>
+              <a:t>персоналізацію</a:t>
+            </a:r>
+            <a:r>
+              <a:rPr lang="en-US" sz="1900" dirty="0"/>
+              <a:t>. </a:t>
+            </a:r>
+            <a:r>
+              <a:rPr lang="en-US" sz="1900" dirty="0" err="1"/>
+              <a:t>Загальна</a:t>
+            </a:r>
+            <a:r>
+              <a:rPr lang="en-US" sz="1900" dirty="0"/>
+              <a:t> </a:t>
+            </a:r>
+            <a:r>
+              <a:rPr lang="en-US" sz="1900" dirty="0" err="1"/>
+              <a:t>сторінка</a:t>
+            </a:r>
+            <a:r>
+              <a:rPr lang="en-US" sz="1900" dirty="0"/>
+              <a:t> </a:t>
+            </a:r>
+            <a:r>
+              <a:rPr lang="en-US" sz="1900" dirty="0" err="1"/>
+              <a:t>вакансій</a:t>
+            </a:r>
+            <a:r>
+              <a:rPr lang="en-US" sz="1900" dirty="0"/>
+              <a:t> </a:t>
+            </a:r>
+            <a:r>
+              <a:rPr lang="en-US" sz="1900" dirty="0" err="1"/>
+              <a:t>дає</a:t>
+            </a:r>
+            <a:r>
+              <a:rPr lang="en-US" sz="1900" dirty="0"/>
+              <a:t> </a:t>
+            </a:r>
+            <a:r>
+              <a:rPr lang="en-US" sz="1900" dirty="0" err="1"/>
+              <a:t>можливість</a:t>
+            </a:r>
+            <a:r>
+              <a:rPr lang="en-US" sz="1900" dirty="0"/>
+              <a:t> </a:t>
+            </a:r>
+            <a:r>
+              <a:rPr lang="en-US" sz="1900" dirty="0" err="1"/>
+              <a:t>швидко</a:t>
+            </a:r>
+            <a:r>
+              <a:rPr lang="en-US" sz="1900" dirty="0"/>
+              <a:t> </a:t>
+            </a:r>
+            <a:r>
+              <a:rPr lang="en-US" sz="1900" dirty="0" err="1"/>
+              <a:t>знайти</a:t>
+            </a:r>
+            <a:r>
+              <a:rPr lang="en-US" sz="1900" dirty="0"/>
+              <a:t> </a:t>
+            </a:r>
+            <a:r>
+              <a:rPr lang="en-US" sz="1900" dirty="0" err="1"/>
+              <a:t>потрібну</a:t>
+            </a:r>
+            <a:r>
+              <a:rPr lang="en-US" sz="1900" dirty="0"/>
+              <a:t> </a:t>
+            </a:r>
+            <a:r>
+              <a:rPr lang="en-US" sz="1900" dirty="0" err="1"/>
+              <a:t>роботу</a:t>
+            </a:r>
+            <a:r>
+              <a:rPr lang="en-US" sz="1900" dirty="0"/>
+              <a:t> </a:t>
+            </a:r>
+            <a:r>
+              <a:rPr lang="en-US" sz="1900" dirty="0" err="1"/>
+              <a:t>за</a:t>
+            </a:r>
+            <a:r>
+              <a:rPr lang="en-US" sz="1900" dirty="0"/>
+              <a:t> </a:t>
+            </a:r>
+            <a:r>
+              <a:rPr lang="en-US" sz="1900" dirty="0" err="1"/>
+              <a:t>різними</a:t>
+            </a:r>
+            <a:r>
+              <a:rPr lang="en-US" sz="1900" dirty="0"/>
+              <a:t> </a:t>
+            </a:r>
+            <a:r>
+              <a:rPr lang="en-US" sz="1900" dirty="0" err="1"/>
+              <a:t>критеріями</a:t>
+            </a:r>
+            <a:r>
+              <a:rPr lang="en-US" sz="1900" dirty="0"/>
+              <a:t> </a:t>
+            </a:r>
+            <a:r>
+              <a:rPr lang="en-US" sz="1900" dirty="0" err="1"/>
+              <a:t>що</a:t>
+            </a:r>
+            <a:r>
+              <a:rPr lang="en-US" sz="1900" dirty="0"/>
+              <a:t> </a:t>
+            </a:r>
+            <a:r>
+              <a:rPr lang="en-US" sz="1900" dirty="0" err="1"/>
+              <a:t>економить</a:t>
+            </a:r>
+            <a:r>
+              <a:rPr lang="en-US" sz="1900" dirty="0"/>
+              <a:t> </a:t>
+            </a:r>
+            <a:r>
+              <a:rPr lang="en-US" sz="1900" dirty="0" err="1"/>
+              <a:t>час</a:t>
+            </a:r>
+            <a:r>
+              <a:rPr lang="en-US" sz="1900" dirty="0"/>
+              <a:t> </a:t>
+            </a:r>
+            <a:r>
+              <a:rPr lang="en-US" sz="1900" dirty="0" err="1"/>
+              <a:t>користувачів</a:t>
+            </a:r>
+            <a:r>
+              <a:rPr lang="en-US" sz="1900" dirty="0"/>
+              <a:t> і </a:t>
+            </a:r>
+            <a:r>
+              <a:rPr lang="en-US" sz="1900" dirty="0" err="1"/>
+              <a:t>робить</a:t>
+            </a:r>
+            <a:r>
+              <a:rPr lang="en-US" sz="1900" dirty="0"/>
+              <a:t> </a:t>
+            </a:r>
+            <a:r>
+              <a:rPr lang="en-US" sz="1900" dirty="0" err="1"/>
+              <a:t>сайт</a:t>
+            </a:r>
+            <a:r>
+              <a:rPr lang="en-US" sz="1900" dirty="0"/>
+              <a:t> </a:t>
+            </a:r>
+            <a:r>
+              <a:rPr lang="en-US" sz="1900" dirty="0" err="1"/>
+              <a:t>ефективним</a:t>
+            </a:r>
+            <a:r>
+              <a:rPr lang="en-US" sz="1900" dirty="0"/>
+              <a:t>. </a:t>
+            </a:r>
+            <a:r>
+              <a:rPr lang="en-US" sz="1900" dirty="0" err="1"/>
+              <a:t>Створення</a:t>
+            </a:r>
+            <a:r>
+              <a:rPr lang="en-US" sz="1900" dirty="0"/>
+              <a:t> </a:t>
+            </a:r>
+            <a:r>
+              <a:rPr lang="en-US" sz="1900" dirty="0" err="1"/>
+              <a:t>власної</a:t>
+            </a:r>
+            <a:r>
+              <a:rPr lang="en-US" sz="1900" dirty="0"/>
+              <a:t> </a:t>
+            </a:r>
+            <a:r>
+              <a:rPr lang="en-US" sz="1900" dirty="0" err="1"/>
+              <a:t>вакансії</a:t>
+            </a:r>
+            <a:r>
+              <a:rPr lang="en-US" sz="1900" dirty="0"/>
+              <a:t> </a:t>
+            </a:r>
+            <a:r>
+              <a:rPr lang="en-US" sz="1900" dirty="0" err="1"/>
+              <a:t>дає</a:t>
+            </a:r>
+            <a:r>
+              <a:rPr lang="en-US" sz="1900" dirty="0"/>
+              <a:t> </a:t>
+            </a:r>
+            <a:r>
+              <a:rPr lang="en-US" sz="1900" dirty="0" err="1"/>
+              <a:t>змогу</a:t>
+            </a:r>
+            <a:r>
+              <a:rPr lang="en-US" sz="1900" dirty="0"/>
+              <a:t> </a:t>
+            </a:r>
+            <a:r>
+              <a:rPr lang="en-US" sz="1900" dirty="0" err="1"/>
+              <a:t>роботодавцям</a:t>
+            </a:r>
+            <a:r>
+              <a:rPr lang="en-US" sz="1900" dirty="0"/>
+              <a:t> </a:t>
+            </a:r>
+            <a:r>
+              <a:rPr lang="en-US" sz="1900" dirty="0" err="1"/>
+              <a:t>публікувати</a:t>
+            </a:r>
+            <a:r>
+              <a:rPr lang="en-US" sz="1900" dirty="0"/>
+              <a:t> </a:t>
+            </a:r>
+            <a:r>
+              <a:rPr lang="en-US" sz="1900" dirty="0" err="1"/>
+              <a:t>пропозиції</a:t>
+            </a:r>
+            <a:r>
+              <a:rPr lang="en-US" sz="1900" dirty="0"/>
+              <a:t> </a:t>
+            </a:r>
+            <a:r>
+              <a:rPr lang="en-US" sz="1900" dirty="0" err="1"/>
+              <a:t>про</a:t>
+            </a:r>
+            <a:r>
+              <a:rPr lang="en-US" sz="1900" dirty="0"/>
+              <a:t> </a:t>
+            </a:r>
+            <a:r>
+              <a:rPr lang="en-US" sz="1900" dirty="0" err="1"/>
+              <a:t>роботу</a:t>
+            </a:r>
+            <a:r>
+              <a:rPr lang="en-US" sz="1900" dirty="0"/>
+              <a:t> </a:t>
+            </a:r>
+            <a:r>
+              <a:rPr lang="en-US" sz="1900" dirty="0" err="1"/>
+              <a:t>без</a:t>
+            </a:r>
+            <a:r>
+              <a:rPr lang="en-US" sz="1900" dirty="0"/>
+              <a:t> </a:t>
+            </a:r>
+            <a:r>
+              <a:rPr lang="en-US" sz="1900" dirty="0" err="1"/>
+              <a:t>посередників</a:t>
+            </a:r>
+            <a:r>
+              <a:rPr lang="en-US" sz="1900" dirty="0"/>
+              <a:t>, </a:t>
+            </a:r>
+            <a:r>
+              <a:rPr lang="en-US" sz="1900" dirty="0" err="1"/>
+              <a:t>оперативно</a:t>
+            </a:r>
+            <a:r>
+              <a:rPr lang="en-US" sz="1900" dirty="0"/>
+              <a:t> </a:t>
+            </a:r>
+            <a:r>
+              <a:rPr lang="en-US" sz="1900" dirty="0" err="1"/>
+              <a:t>реагувати</a:t>
+            </a:r>
+            <a:r>
+              <a:rPr lang="en-US" sz="1900" dirty="0"/>
+              <a:t> </a:t>
+            </a:r>
+            <a:r>
+              <a:rPr lang="en-US" sz="1900" dirty="0" err="1"/>
+              <a:t>на</a:t>
+            </a:r>
+            <a:r>
+              <a:rPr lang="en-US" sz="1900" dirty="0"/>
+              <a:t> </a:t>
+            </a:r>
+            <a:r>
+              <a:rPr lang="en-US" sz="1900" dirty="0" err="1"/>
+              <a:t>ринок</a:t>
+            </a:r>
+            <a:r>
+              <a:rPr lang="en-US" sz="1900" dirty="0"/>
+              <a:t> </a:t>
+            </a:r>
+            <a:r>
+              <a:rPr lang="en-US" sz="1900" dirty="0" err="1"/>
+              <a:t>праці</a:t>
+            </a:r>
+            <a:r>
+              <a:rPr lang="en-US" sz="1900" dirty="0"/>
+              <a:t> </a:t>
+            </a:r>
+            <a:r>
+              <a:rPr lang="en-US" sz="1900" dirty="0" err="1"/>
+              <a:t>та</a:t>
+            </a:r>
+            <a:r>
+              <a:rPr lang="en-US" sz="1900" dirty="0"/>
+              <a:t> </a:t>
+            </a:r>
+            <a:r>
+              <a:rPr lang="en-US" sz="1900" dirty="0" err="1"/>
+              <a:t>знаходити</a:t>
+            </a:r>
+            <a:r>
+              <a:rPr lang="en-US" sz="1900" dirty="0"/>
+              <a:t> </a:t>
+            </a:r>
+            <a:r>
+              <a:rPr lang="en-US" sz="1900" dirty="0" err="1"/>
+              <a:t>кандидатів</a:t>
+            </a:r>
+            <a:r>
+              <a:rPr lang="en-US" sz="1900" dirty="0"/>
+              <a:t>, </a:t>
+            </a:r>
+            <a:r>
+              <a:rPr lang="en-US" sz="1900" dirty="0" err="1"/>
+              <a:t>які</a:t>
+            </a:r>
+            <a:r>
+              <a:rPr lang="en-US" sz="1900" dirty="0"/>
+              <a:t> </a:t>
+            </a:r>
+            <a:r>
+              <a:rPr lang="en-US" sz="1900" dirty="0" err="1"/>
+              <a:t>підходять</a:t>
+            </a:r>
+            <a:r>
+              <a:rPr lang="en-US" sz="1900" dirty="0"/>
+              <a:t> </a:t>
+            </a:r>
+            <a:r>
+              <a:rPr lang="en-US" sz="1900" dirty="0" err="1"/>
+              <a:t>саме</a:t>
+            </a:r>
+            <a:r>
+              <a:rPr lang="en-US" sz="1900" dirty="0"/>
+              <a:t> </a:t>
+            </a:r>
+            <a:r>
+              <a:rPr lang="en-US" sz="1900" dirty="0" err="1"/>
+              <a:t>їм</a:t>
+            </a:r>
+            <a:r>
+              <a:rPr lang="en-US" sz="1900" dirty="0"/>
+              <a:t>. </a:t>
+            </a:r>
+            <a:r>
+              <a:rPr lang="en-US" sz="1900" dirty="0" err="1"/>
+              <a:t>Такий</a:t>
+            </a:r>
+            <a:r>
+              <a:rPr lang="en-US" sz="1900" dirty="0"/>
+              <a:t> </a:t>
+            </a:r>
+            <a:r>
+              <a:rPr lang="en-US" sz="1900" dirty="0" err="1"/>
+              <a:t>набір</a:t>
+            </a:r>
+            <a:r>
+              <a:rPr lang="en-US" sz="1900" dirty="0"/>
+              <a:t> </a:t>
+            </a:r>
+            <a:r>
+              <a:rPr lang="en-US" sz="1900" dirty="0" err="1"/>
+              <a:t>функцій</a:t>
+            </a:r>
+            <a:r>
+              <a:rPr lang="en-US" sz="1900" dirty="0"/>
+              <a:t> є </a:t>
+            </a:r>
+            <a:r>
+              <a:rPr lang="en-US" sz="1900" dirty="0" err="1"/>
+              <a:t>базовим</a:t>
+            </a:r>
+            <a:r>
+              <a:rPr lang="en-US" sz="1900" dirty="0"/>
+              <a:t> і </a:t>
+            </a:r>
+            <a:r>
+              <a:rPr lang="en-US" sz="1900" dirty="0" err="1"/>
+              <a:t>необхідним</a:t>
+            </a:r>
+            <a:r>
+              <a:rPr lang="en-US" sz="1900" dirty="0"/>
+              <a:t> </a:t>
+            </a:r>
+            <a:r>
+              <a:rPr lang="en-US" sz="1900" dirty="0" err="1"/>
+              <a:t>для</a:t>
+            </a:r>
+            <a:r>
+              <a:rPr lang="en-US" sz="1900" dirty="0"/>
+              <a:t> </a:t>
+            </a:r>
+            <a:r>
+              <a:rPr lang="en-US" sz="1900" dirty="0" err="1"/>
+              <a:t>будь-якого</a:t>
+            </a:r>
+            <a:r>
+              <a:rPr lang="en-US" sz="1900" dirty="0"/>
+              <a:t> </a:t>
+            </a:r>
+            <a:r>
+              <a:rPr lang="en-US" sz="1900" dirty="0" err="1"/>
+              <a:t>сучасного</a:t>
+            </a:r>
+            <a:r>
+              <a:rPr lang="en-US" sz="1900" dirty="0"/>
+              <a:t> </a:t>
+            </a:r>
+            <a:r>
+              <a:rPr lang="en-US" sz="1900" dirty="0" err="1"/>
+              <a:t>сайту</a:t>
+            </a:r>
+            <a:r>
+              <a:rPr lang="en-US" sz="1900" dirty="0"/>
+              <a:t> з </a:t>
+            </a:r>
+            <a:r>
+              <a:rPr lang="en-US" sz="1900" dirty="0" err="1"/>
+              <a:t>пошуку</a:t>
+            </a:r>
+            <a:r>
+              <a:rPr lang="en-US" sz="1900" dirty="0"/>
+              <a:t> </a:t>
+            </a:r>
+            <a:r>
+              <a:rPr lang="en-US" sz="1900" dirty="0" err="1"/>
+              <a:t>роботи</a:t>
+            </a:r>
+            <a:r>
+              <a:rPr lang="en-US" sz="1900" dirty="0"/>
+              <a:t>.</a:t>
+            </a:r>
+          </a:p>
+        </p:txBody>
+      </p:sp>
+    </p:spTree>
+    <p:extLst>
+      <p:ext uri="{BB962C8B-B14F-4D97-AF65-F5344CB8AC3E}">
+        <p14:creationId xmlns:p14="http://schemas.microsoft.com/office/powerpoint/2010/main" val="3698630103"/>
+      </p:ext>
+    </p:extLst>
+  </p:cSld>
+  <p:clrMapOvr>
+    <a:masterClrMapping/>
+  </p:clrMapOvr>
+</p:sld>
+</file>
+
+<file path=ppt/slides/slide11.xml><?xml version="1.0" encoding="utf-8"?>
+<p:sld xmlns:a="http://schemas.openxmlformats.org/drawingml/2006/main" xmlns:r="http://schemas.openxmlformats.org/officeDocument/2006/relationships" xmlns:p="http://schemas.openxmlformats.org/presentationml/2006/main">
+  <p:cSld>
+    <p:bg>
+      <p:bgPr>
+        <a:solidFill>
+          <a:schemeClr val="bg1"/>
+        </a:solidFill>
+        <a:effectLst/>
+      </p:bgPr>
+    </p:bg>
+    <p:spTree>
+      <p:nvGrpSpPr>
+        <p:cNvPr id="1" name=""/>
+        <p:cNvGrpSpPr/>
+        <p:nvPr/>
+      </p:nvGrpSpPr>
+      <p:grpSpPr>
+        <a:xfrm>
+          <a:off x="0" y="0"/>
+          <a:ext cx="0" cy="0"/>
+          <a:chOff x="0" y="0"/>
+          <a:chExt cx="0" cy="0"/>
+        </a:xfrm>
+      </p:grpSpPr>
+      <p:sp useBgFill="1">
+        <p:nvSpPr>
+          <p:cNvPr id="8" name="Rectangle 7">
+            <a:extLst>
+              <a:ext uri="{FF2B5EF4-FFF2-40B4-BE49-F238E27FC236}">
+                <a16:creationId xmlns:a16="http://schemas.microsoft.com/office/drawing/2014/main" id="{081EA652-8C6A-4E69-BEB9-170809474553}"/>
+              </a:ext>
+              <a:ext uri="{C183D7F6-B498-43B3-948B-1728B52AA6E4}">
+                <adec:decorative xmlns="" xmlns:adec="http://schemas.microsoft.com/office/drawing/2017/decorative" val="1"/>
+              </a:ext>
+            </a:extLst>
+          </p:cNvPr>
+          <p:cNvSpPr>
+            <a:spLocks noGrp="1" noRot="1" noChangeAspect="1" noMove="1" noResize="1" noEditPoints="1" noAdjustHandles="1" noChangeArrowheads="1" noChangeShapeType="1" noTextEdit="1"/>
+          </p:cNvSpPr>
+          <p:nvPr>
+            <p:extLst>
+              <p:ext uri="{386F3935-93C4-4BCD-93E2-E3B085C9AB24}">
+                <p16:designElem xmlns:p16="http://schemas.microsoft.com/office/powerpoint/2015/main" val="1"/>
+              </p:ext>
+            </p:extLst>
+          </p:nvPr>
+        </p:nvSpPr>
+        <p:spPr>
+          <a:xfrm>
+            <a:off x="0" y="0"/>
+            <a:ext cx="12192000" cy="6858000"/>
+          </a:xfrm>
+          <a:prstGeom prst="rect">
+            <a:avLst/>
+          </a:prstGeom>
+          <a:ln>
+            <a:noFill/>
+          </a:ln>
+        </p:spPr>
+        <p:style>
+          <a:lnRef idx="2">
+            <a:schemeClr val="accent1">
+              <a:shade val="50000"/>
+            </a:schemeClr>
+          </a:lnRef>
+          <a:fillRef idx="1">
+            <a:schemeClr val="accent1"/>
+          </a:fillRef>
+          <a:effectRef idx="0">
+            <a:schemeClr val="accent1"/>
+          </a:effectRef>
+          <a:fontRef idx="minor">
+            <a:schemeClr val="lt1"/>
+          </a:fontRef>
+        </p:style>
+        <p:txBody>
+          <a:bodyPr rtlCol="0" anchor="ctr"/>
+          <a:lstStyle/>
+          <a:p>
+            <a:pPr algn="ctr"/>
+            <a:endParaRPr lang="en-US"/>
+          </a:p>
+        </p:txBody>
+      </p:sp>
+      <p:sp>
+        <p:nvSpPr>
+          <p:cNvPr id="10" name="Right Triangle 9">
+            <a:extLst>
+              <a:ext uri="{FF2B5EF4-FFF2-40B4-BE49-F238E27FC236}">
+                <a16:creationId xmlns:a16="http://schemas.microsoft.com/office/drawing/2014/main" id="{5298780A-33B9-4EA2-8F67-DE68AD62841B}"/>
+              </a:ext>
+              <a:ext uri="{C183D7F6-B498-43B3-948B-1728B52AA6E4}">
+                <adec:decorative xmlns="" xmlns:adec="http://schemas.microsoft.com/office/drawing/2017/decorative" val="1"/>
+              </a:ext>
+            </a:extLst>
+          </p:cNvPr>
+          <p:cNvSpPr>
+            <a:spLocks noGrp="1" noRot="1" noChangeAspect="1" noMove="1" noResize="1" noEditPoints="1" noAdjustHandles="1" noChangeArrowheads="1" noChangeShapeType="1" noTextEdit="1"/>
+          </p:cNvSpPr>
+          <p:nvPr>
+            <p:extLst>
+              <p:ext uri="{386F3935-93C4-4BCD-93E2-E3B085C9AB24}">
+                <p16:designElem xmlns:p16="http://schemas.microsoft.com/office/powerpoint/2015/main" val="1"/>
+              </p:ext>
+            </p:extLst>
+          </p:nvPr>
+        </p:nvSpPr>
+        <p:spPr>
+          <a:xfrm flipH="1">
+            <a:off x="8576720" y="3335867"/>
+            <a:ext cx="3291840" cy="3200400"/>
+          </a:xfrm>
+          <a:prstGeom prst="rtTriangle">
+            <a:avLst/>
+          </a:prstGeom>
+          <a:solidFill>
+            <a:schemeClr val="accent4"/>
+          </a:solidFill>
+          <a:ln>
+            <a:noFill/>
+          </a:ln>
+        </p:spPr>
+        <p:style>
+          <a:lnRef idx="2">
+            <a:schemeClr val="accent1">
+              <a:shade val="50000"/>
+            </a:schemeClr>
+          </a:lnRef>
+          <a:fillRef idx="1">
+            <a:schemeClr val="accent1"/>
+          </a:fillRef>
+          <a:effectRef idx="0">
+            <a:schemeClr val="accent1"/>
+          </a:effectRef>
+          <a:fontRef idx="minor">
+            <a:schemeClr val="lt1"/>
+          </a:fontRef>
+        </p:style>
+        <p:txBody>
+          <a:bodyPr rtlCol="0" anchor="ctr"/>
+          <a:lstStyle/>
+          <a:p>
+            <a:pPr algn="ctr"/>
+            <a:endParaRPr lang="en-US" dirty="0"/>
+          </a:p>
+        </p:txBody>
+      </p:sp>
+      <p:sp>
+        <p:nvSpPr>
+          <p:cNvPr id="12" name="Rectangle 11">
+            <a:extLst>
+              <a:ext uri="{FF2B5EF4-FFF2-40B4-BE49-F238E27FC236}">
+                <a16:creationId xmlns:a16="http://schemas.microsoft.com/office/drawing/2014/main" id="{7F488E8B-4E1E-4402-8935-D4E6C02615C7}"/>
+              </a:ext>
+              <a:ext uri="{C183D7F6-B498-43B3-948B-1728B52AA6E4}">
+                <adec:decorative xmlns="" xmlns:adec="http://schemas.microsoft.com/office/drawing/2017/decorative" val="1"/>
+              </a:ext>
+            </a:extLst>
+          </p:cNvPr>
+          <p:cNvSpPr>
+            <a:spLocks noGrp="1" noRot="1" noChangeAspect="1" noMove="1" noResize="1" noEditPoints="1" noAdjustHandles="1" noChangeArrowheads="1" noChangeShapeType="1" noTextEdit="1"/>
+          </p:cNvSpPr>
+          <p:nvPr>
+            <p:extLst>
+              <p:ext uri="{386F3935-93C4-4BCD-93E2-E3B085C9AB24}">
+                <p16:designElem xmlns:p16="http://schemas.microsoft.com/office/powerpoint/2015/main" val="1"/>
+              </p:ext>
+            </p:extLst>
+          </p:nvPr>
+        </p:nvSpPr>
+        <p:spPr>
+          <a:xfrm>
+            <a:off x="641774" y="623275"/>
+            <a:ext cx="10905053" cy="5607882"/>
+          </a:xfrm>
+          <a:prstGeom prst="rect">
+            <a:avLst/>
+          </a:prstGeom>
+          <a:noFill/>
+          <a:ln w="19050">
+            <a:solidFill>
+              <a:schemeClr val="tx1">
+                <a:lumMod val="75000"/>
+                <a:lumOff val="25000"/>
+              </a:schemeClr>
+            </a:solidFill>
+          </a:ln>
+        </p:spPr>
+        <p:style>
+          <a:lnRef idx="2">
+            <a:schemeClr val="accent1">
+              <a:shade val="50000"/>
+            </a:schemeClr>
+          </a:lnRef>
+          <a:fillRef idx="1">
+            <a:schemeClr val="accent1"/>
+          </a:fillRef>
+          <a:effectRef idx="0">
+            <a:schemeClr val="accent1"/>
+          </a:effectRef>
+          <a:fontRef idx="minor">
+            <a:schemeClr val="lt1"/>
+          </a:fontRef>
+        </p:style>
+        <p:txBody>
+          <a:bodyPr rtlCol="0" anchor="ctr"/>
+          <a:lstStyle/>
+          <a:p>
+            <a:pPr algn="ctr"/>
+            <a:endParaRPr lang="en-US"/>
+          </a:p>
+        </p:txBody>
+      </p:sp>
+      <p:sp>
+        <p:nvSpPr>
+          <p:cNvPr id="2" name="Заголовок 1">
+            <a:extLst>
+              <a:ext uri="{FF2B5EF4-FFF2-40B4-BE49-F238E27FC236}">
+                <a16:creationId xmlns:a16="http://schemas.microsoft.com/office/drawing/2014/main" id="{4A1923D7-4E35-9CA3-556A-2D890FB5AAA3}"/>
+              </a:ext>
+            </a:extLst>
+          </p:cNvPr>
+          <p:cNvSpPr>
+            <a:spLocks noGrp="1"/>
+          </p:cNvSpPr>
+          <p:nvPr>
+            <p:ph type="title"/>
+          </p:nvPr>
+        </p:nvSpPr>
+        <p:spPr>
+          <a:xfrm>
+            <a:off x="1285240" y="1050595"/>
+            <a:ext cx="8074815" cy="1618489"/>
+          </a:xfrm>
+        </p:spPr>
+        <p:txBody>
+          <a:bodyPr anchor="ctr">
+            <a:normAutofit fontScale="90000"/>
+          </a:bodyPr>
+          <a:lstStyle/>
+          <a:p>
+            <a:r>
+              <a:rPr lang="uk-UA" sz="6700"/>
+              <a:t>Мова програмування</a:t>
+            </a:r>
+          </a:p>
+        </p:txBody>
+      </p:sp>
+      <p:sp>
+        <p:nvSpPr>
+          <p:cNvPr id="3" name="Місце для вмісту 2">
+            <a:extLst>
+              <a:ext uri="{FF2B5EF4-FFF2-40B4-BE49-F238E27FC236}">
+                <a16:creationId xmlns:a16="http://schemas.microsoft.com/office/drawing/2014/main" id="{4B9E0984-428A-7407-8618-36C65EE2F8BB}"/>
+              </a:ext>
+            </a:extLst>
+          </p:cNvPr>
+          <p:cNvSpPr>
+            <a:spLocks noGrp="1"/>
+          </p:cNvSpPr>
+          <p:nvPr>
+            <p:ph idx="1"/>
+          </p:nvPr>
+        </p:nvSpPr>
+        <p:spPr>
+          <a:xfrm>
+            <a:off x="1285239" y="2970829"/>
+            <a:ext cx="8074815" cy="2800395"/>
+          </a:xfrm>
+        </p:spPr>
+        <p:txBody>
+          <a:bodyPr anchor="t">
+            <a:normAutofit fontScale="92500" lnSpcReduction="10000"/>
+          </a:bodyPr>
+          <a:lstStyle/>
+          <a:p>
+            <a:r>
+              <a:rPr lang="uk-UA" sz="2400" dirty="0"/>
+              <a:t>Обрано: </a:t>
+            </a:r>
+            <a:r>
+              <a:rPr lang="en-US" sz="2400" dirty="0"/>
+              <a:t>html, java script, </a:t>
+            </a:r>
+            <a:r>
+              <a:rPr lang="en-US" sz="2400" dirty="0" err="1"/>
+              <a:t>css</a:t>
+            </a:r>
+            <a:endParaRPr lang="uk-UA" sz="2400" dirty="0"/>
+          </a:p>
+          <a:p>
+            <a:r>
+              <a:rPr lang="ru-RU" sz="2400" dirty="0"/>
+              <a:t> </a:t>
+            </a:r>
+            <a:r>
+              <a:rPr lang="ru-RU" sz="2400" dirty="0" err="1"/>
+              <a:t>Чому</a:t>
+            </a:r>
+            <a:r>
+              <a:rPr lang="ru-RU" sz="2400" dirty="0"/>
+              <a:t>:</a:t>
+            </a:r>
+          </a:p>
+          <a:p>
+            <a:pPr marL="0" indent="0">
+              <a:buNone/>
+            </a:pPr>
+            <a:r>
+              <a:rPr lang="ru-RU" sz="2400" dirty="0"/>
+              <a:t>- </a:t>
+            </a:r>
+            <a:r>
+              <a:rPr lang="ru-RU" sz="2400" dirty="0" err="1" smtClean="0"/>
+              <a:t>Бажання</a:t>
+            </a:r>
+            <a:r>
+              <a:rPr lang="ru-RU" sz="2400" dirty="0" smtClean="0"/>
+              <a:t> </a:t>
+            </a:r>
+            <a:r>
+              <a:rPr lang="ru-RU" sz="2400" dirty="0" err="1" smtClean="0"/>
+              <a:t>команди</a:t>
+            </a:r>
+            <a:r>
+              <a:rPr lang="ru-RU" sz="2400" dirty="0" smtClean="0"/>
+              <a:t> </a:t>
+            </a:r>
+            <a:r>
+              <a:rPr lang="ru-RU" sz="2400" dirty="0" err="1" smtClean="0"/>
+              <a:t>створити</a:t>
+            </a:r>
+            <a:r>
+              <a:rPr lang="ru-RU" sz="2400" dirty="0" smtClean="0"/>
+              <a:t> </a:t>
+            </a:r>
+            <a:r>
+              <a:rPr lang="ru-RU" sz="2400" dirty="0" err="1" smtClean="0"/>
+              <a:t>саме</a:t>
+            </a:r>
+            <a:r>
+              <a:rPr lang="ru-RU" sz="2400" dirty="0" smtClean="0"/>
+              <a:t> сайт, для </a:t>
+            </a:r>
+            <a:r>
+              <a:rPr lang="ru-RU" sz="2400" dirty="0" err="1" smtClean="0"/>
+              <a:t>чого</a:t>
+            </a:r>
+            <a:r>
+              <a:rPr lang="ru-RU" sz="2400" dirty="0" smtClean="0"/>
+              <a:t> оптимальною є </a:t>
+            </a:r>
+            <a:r>
+              <a:rPr lang="ru-RU" sz="2400" dirty="0" err="1" smtClean="0"/>
+              <a:t>саме</a:t>
+            </a:r>
+            <a:r>
+              <a:rPr lang="ru-RU" sz="2400" dirty="0" smtClean="0"/>
+              <a:t> </a:t>
+            </a:r>
+            <a:r>
+              <a:rPr lang="ru-RU" sz="2400" dirty="0" err="1" smtClean="0"/>
+              <a:t>ця</a:t>
+            </a:r>
+            <a:r>
+              <a:rPr lang="ru-RU" sz="2400" dirty="0" smtClean="0"/>
+              <a:t> </a:t>
+            </a:r>
+            <a:r>
+              <a:rPr lang="ru-RU" sz="2400" dirty="0" err="1" smtClean="0"/>
+              <a:t>зв</a:t>
+            </a:r>
+            <a:r>
+              <a:rPr lang="en-US" sz="2400" dirty="0" smtClean="0"/>
+              <a:t>’</a:t>
+            </a:r>
+            <a:r>
+              <a:rPr lang="uk-UA" sz="2400" dirty="0" err="1" smtClean="0"/>
+              <a:t>язка</a:t>
+            </a:r>
+            <a:r>
+              <a:rPr lang="uk-UA" sz="2400" dirty="0" smtClean="0"/>
+              <a:t> з мов програмування.</a:t>
+            </a:r>
+            <a:r>
+              <a:rPr lang="ru-RU" sz="2400" dirty="0" smtClean="0"/>
+              <a:t> </a:t>
+            </a:r>
+            <a:endParaRPr lang="ru-RU" sz="2400" dirty="0"/>
+          </a:p>
+          <a:p>
+            <a:pPr marL="0" indent="0">
+              <a:buNone/>
+            </a:pPr>
+            <a:r>
+              <a:rPr lang="ru-RU" sz="2400" dirty="0"/>
+              <a:t>- </a:t>
+            </a:r>
+            <a:r>
+              <a:rPr lang="ru-RU" sz="2400" dirty="0" err="1"/>
+              <a:t>Зручна</a:t>
+            </a:r>
+            <a:r>
+              <a:rPr lang="ru-RU" sz="2400" dirty="0"/>
+              <a:t> </a:t>
+            </a:r>
+            <a:r>
+              <a:rPr lang="ru-RU" sz="2400" dirty="0" err="1"/>
+              <a:t>фронтенд-бекенд</a:t>
+            </a:r>
+            <a:r>
+              <a:rPr lang="ru-RU" sz="2400" dirty="0"/>
+              <a:t> </a:t>
+            </a:r>
+            <a:r>
+              <a:rPr lang="ru-RU" sz="2400" dirty="0" err="1"/>
+              <a:t>інтеграція</a:t>
+            </a:r>
+            <a:endParaRPr lang="ru-RU" sz="2400" dirty="0"/>
+          </a:p>
+          <a:p>
+            <a:pPr marL="0" indent="0">
+              <a:buNone/>
+            </a:pPr>
+            <a:r>
+              <a:rPr lang="ru-RU" sz="2400" dirty="0"/>
+              <a:t>- </a:t>
+            </a:r>
+            <a:r>
+              <a:rPr lang="ru-RU" sz="2400" dirty="0" err="1" smtClean="0"/>
+              <a:t>Швидкість</a:t>
+            </a:r>
+            <a:r>
+              <a:rPr lang="ru-RU" sz="2400" dirty="0" smtClean="0"/>
+              <a:t> і </a:t>
+            </a:r>
+            <a:r>
+              <a:rPr lang="ru-RU" sz="2400" dirty="0" err="1" smtClean="0"/>
+              <a:t>легкість</a:t>
+            </a:r>
+            <a:r>
+              <a:rPr lang="ru-RU" sz="2400" dirty="0" smtClean="0"/>
+              <a:t> </a:t>
+            </a:r>
+            <a:r>
+              <a:rPr lang="ru-RU" sz="2400" dirty="0" err="1" smtClean="0"/>
+              <a:t>програмування</a:t>
+            </a:r>
+            <a:r>
+              <a:rPr lang="ru-RU" sz="2400" dirty="0" smtClean="0"/>
+              <a:t> </a:t>
+            </a:r>
+            <a:r>
+              <a:rPr lang="ru-RU" sz="2400" dirty="0" err="1" smtClean="0"/>
+              <a:t>саме</a:t>
+            </a:r>
+            <a:r>
+              <a:rPr lang="ru-RU" sz="2400" dirty="0" smtClean="0"/>
+              <a:t> на </a:t>
+            </a:r>
+            <a:r>
+              <a:rPr lang="ru-RU" sz="2400" dirty="0" err="1" smtClean="0"/>
+              <a:t>цих</a:t>
+            </a:r>
+            <a:r>
+              <a:rPr lang="ru-RU" sz="2400" dirty="0" smtClean="0"/>
+              <a:t> </a:t>
+            </a:r>
+            <a:r>
+              <a:rPr lang="ru-RU" sz="2400" dirty="0" err="1" smtClean="0"/>
+              <a:t>мовах</a:t>
+            </a:r>
+            <a:endParaRPr lang="uk-UA" sz="2400" dirty="0"/>
+          </a:p>
+        </p:txBody>
+      </p:sp>
+    </p:spTree>
+    <p:extLst>
+      <p:ext uri="{BB962C8B-B14F-4D97-AF65-F5344CB8AC3E}">
+        <p14:creationId xmlns:p14="http://schemas.microsoft.com/office/powerpoint/2010/main" val="385141640"/>
+      </p:ext>
+    </p:extLst>
+  </p:cSld>
+  <p:clrMapOvr>
+    <a:masterClrMapping/>
+  </p:clrMapOvr>
+</p:sld>
+</file>
+
+<file path=ppt/slides/slide12.xml><?xml version="1.0" encoding="utf-8"?>
+<p:sld xmlns:a="http://schemas.openxmlformats.org/drawingml/2006/main" xmlns:r="http://schemas.openxmlformats.org/officeDocument/2006/relationships" xmlns:p="http://schemas.openxmlformats.org/presentationml/2006/main">
+  <p:cSld>
+    <p:bg>
+      <p:bgPr>
+        <a:solidFill>
+          <a:schemeClr val="bg1"/>
+        </a:solidFill>
+        <a:effectLst/>
+      </p:bgPr>
+    </p:bg>
+    <p:spTree>
+      <p:nvGrpSpPr>
+        <p:cNvPr id="1" name=""/>
+        <p:cNvGrpSpPr/>
+        <p:nvPr/>
+      </p:nvGrpSpPr>
+      <p:grpSpPr>
+        <a:xfrm>
+          <a:off x="0" y="0"/>
+          <a:ext cx="0" cy="0"/>
+          <a:chOff x="0" y="0"/>
+          <a:chExt cx="0" cy="0"/>
+        </a:xfrm>
+      </p:grpSpPr>
+      <p:sp useBgFill="1">
+        <p:nvSpPr>
+          <p:cNvPr id="8" name="Rectangle 7">
+            <a:extLst>
+              <a:ext uri="{FF2B5EF4-FFF2-40B4-BE49-F238E27FC236}">
+                <a16:creationId xmlns:a16="http://schemas.microsoft.com/office/drawing/2014/main" id="{081EA652-8C6A-4E69-BEB9-170809474553}"/>
+              </a:ext>
+              <a:ext uri="{C183D7F6-B498-43B3-948B-1728B52AA6E4}">
+                <adec:decorative xmlns="" xmlns:adec="http://schemas.microsoft.com/office/drawing/2017/decorative" val="1"/>
+              </a:ext>
+            </a:extLst>
+          </p:cNvPr>
+          <p:cNvSpPr>
+            <a:spLocks noGrp="1" noRot="1" noChangeAspect="1" noMove="1" noResize="1" noEditPoints="1" noAdjustHandles="1" noChangeArrowheads="1" noChangeShapeType="1" noTextEdit="1"/>
+          </p:cNvSpPr>
+          <p:nvPr>
+            <p:extLst>
+              <p:ext uri="{386F3935-93C4-4BCD-93E2-E3B085C9AB24}">
+                <p16:designElem xmlns:p16="http://schemas.microsoft.com/office/powerpoint/2015/main" val="1"/>
+              </p:ext>
+            </p:extLst>
+          </p:nvPr>
+        </p:nvSpPr>
+        <p:spPr>
+          <a:xfrm>
+            <a:off x="0" y="0"/>
+            <a:ext cx="12192000" cy="6858000"/>
+          </a:xfrm>
+          <a:prstGeom prst="rect">
+            <a:avLst/>
+          </a:prstGeom>
+          <a:ln>
+            <a:noFill/>
+          </a:ln>
+        </p:spPr>
+        <p:style>
+          <a:lnRef idx="2">
+            <a:schemeClr val="accent1">
+              <a:shade val="50000"/>
+            </a:schemeClr>
+          </a:lnRef>
+          <a:fillRef idx="1">
+            <a:schemeClr val="accent1"/>
+          </a:fillRef>
+          <a:effectRef idx="0">
+            <a:schemeClr val="accent1"/>
+          </a:effectRef>
+          <a:fontRef idx="minor">
+            <a:schemeClr val="lt1"/>
+          </a:fontRef>
+        </p:style>
+        <p:txBody>
+          <a:bodyPr rtlCol="0" anchor="ctr"/>
+          <a:lstStyle/>
+          <a:p>
+            <a:pPr algn="ctr"/>
+            <a:endParaRPr lang="en-US"/>
+          </a:p>
+        </p:txBody>
+      </p:sp>
+      <p:sp>
+        <p:nvSpPr>
+          <p:cNvPr id="10" name="Right Triangle 9">
+            <a:extLst>
+              <a:ext uri="{FF2B5EF4-FFF2-40B4-BE49-F238E27FC236}">
+                <a16:creationId xmlns:a16="http://schemas.microsoft.com/office/drawing/2014/main" id="{5298780A-33B9-4EA2-8F67-DE68AD62841B}"/>
+              </a:ext>
+              <a:ext uri="{C183D7F6-B498-43B3-948B-1728B52AA6E4}">
+                <adec:decorative xmlns="" xmlns:adec="http://schemas.microsoft.com/office/drawing/2017/decorative" val="1"/>
+              </a:ext>
+            </a:extLst>
+          </p:cNvPr>
+          <p:cNvSpPr>
+            <a:spLocks noGrp="1" noRot="1" noChangeAspect="1" noMove="1" noResize="1" noEditPoints="1" noAdjustHandles="1" noChangeArrowheads="1" noChangeShapeType="1" noTextEdit="1"/>
+          </p:cNvSpPr>
+          <p:nvPr>
+            <p:extLst>
+              <p:ext uri="{386F3935-93C4-4BCD-93E2-E3B085C9AB24}">
+                <p16:designElem xmlns:p16="http://schemas.microsoft.com/office/powerpoint/2015/main" val="1"/>
+              </p:ext>
+            </p:extLst>
+          </p:nvPr>
+        </p:nvSpPr>
+        <p:spPr>
+          <a:xfrm flipH="1">
+            <a:off x="8576720" y="3335867"/>
+            <a:ext cx="3291840" cy="3200400"/>
+          </a:xfrm>
+          <a:prstGeom prst="rtTriangle">
+            <a:avLst/>
+          </a:prstGeom>
+          <a:solidFill>
+            <a:schemeClr val="accent4"/>
+          </a:solidFill>
+          <a:ln>
+            <a:noFill/>
+          </a:ln>
+        </p:spPr>
+        <p:style>
+          <a:lnRef idx="2">
+            <a:schemeClr val="accent1">
+              <a:shade val="50000"/>
+            </a:schemeClr>
+          </a:lnRef>
+          <a:fillRef idx="1">
+            <a:schemeClr val="accent1"/>
+          </a:fillRef>
+          <a:effectRef idx="0">
+            <a:schemeClr val="accent1"/>
+          </a:effectRef>
+          <a:fontRef idx="minor">
+            <a:schemeClr val="lt1"/>
+          </a:fontRef>
+        </p:style>
+        <p:txBody>
+          <a:bodyPr rtlCol="0" anchor="ctr"/>
+          <a:lstStyle/>
+          <a:p>
+            <a:pPr algn="ctr"/>
+            <a:endParaRPr lang="en-US" dirty="0"/>
+          </a:p>
+        </p:txBody>
+      </p:sp>
+      <p:sp>
+        <p:nvSpPr>
+          <p:cNvPr id="12" name="Rectangle 11">
+            <a:extLst>
+              <a:ext uri="{FF2B5EF4-FFF2-40B4-BE49-F238E27FC236}">
+                <a16:creationId xmlns:a16="http://schemas.microsoft.com/office/drawing/2014/main" id="{7F488E8B-4E1E-4402-8935-D4E6C02615C7}"/>
+              </a:ext>
+              <a:ext uri="{C183D7F6-B498-43B3-948B-1728B52AA6E4}">
+                <adec:decorative xmlns="" xmlns:adec="http://schemas.microsoft.com/office/drawing/2017/decorative" val="1"/>
+              </a:ext>
+            </a:extLst>
+          </p:cNvPr>
+          <p:cNvSpPr>
+            <a:spLocks noGrp="1" noRot="1" noChangeAspect="1" noMove="1" noResize="1" noEditPoints="1" noAdjustHandles="1" noChangeArrowheads="1" noChangeShapeType="1" noTextEdit="1"/>
+          </p:cNvSpPr>
+          <p:nvPr>
+            <p:extLst>
+              <p:ext uri="{386F3935-93C4-4BCD-93E2-E3B085C9AB24}">
+                <p16:designElem xmlns:p16="http://schemas.microsoft.com/office/powerpoint/2015/main" val="1"/>
+              </p:ext>
+            </p:extLst>
+          </p:nvPr>
+        </p:nvSpPr>
+        <p:spPr>
+          <a:xfrm>
+            <a:off x="641774" y="623275"/>
+            <a:ext cx="10905053" cy="5607882"/>
+          </a:xfrm>
+          <a:prstGeom prst="rect">
+            <a:avLst/>
+          </a:prstGeom>
+          <a:noFill/>
+          <a:ln w="19050">
+            <a:solidFill>
+              <a:schemeClr val="tx1">
+                <a:lumMod val="75000"/>
+                <a:lumOff val="25000"/>
+              </a:schemeClr>
+            </a:solidFill>
+          </a:ln>
+        </p:spPr>
+        <p:style>
+          <a:lnRef idx="2">
+            <a:schemeClr val="accent1">
+              <a:shade val="50000"/>
+            </a:schemeClr>
+          </a:lnRef>
+          <a:fillRef idx="1">
+            <a:schemeClr val="accent1"/>
+          </a:fillRef>
+          <a:effectRef idx="0">
+            <a:schemeClr val="accent1"/>
+          </a:effectRef>
+          <a:fontRef idx="minor">
+            <a:schemeClr val="lt1"/>
+          </a:fontRef>
+        </p:style>
+        <p:txBody>
+          <a:bodyPr rtlCol="0" anchor="ctr"/>
+          <a:lstStyle/>
+          <a:p>
+            <a:pPr algn="ctr"/>
+            <a:endParaRPr lang="en-US"/>
+          </a:p>
+        </p:txBody>
+      </p:sp>
+      <p:sp>
+        <p:nvSpPr>
+          <p:cNvPr id="2" name="Заголовок 1">
+            <a:extLst>
+              <a:ext uri="{FF2B5EF4-FFF2-40B4-BE49-F238E27FC236}">
+                <a16:creationId xmlns:a16="http://schemas.microsoft.com/office/drawing/2014/main" id="{417075C2-34D7-381B-482E-4627E6772417}"/>
+              </a:ext>
+            </a:extLst>
+          </p:cNvPr>
+          <p:cNvSpPr>
+            <a:spLocks noGrp="1"/>
+          </p:cNvSpPr>
+          <p:nvPr>
+            <p:ph type="title"/>
+          </p:nvPr>
+        </p:nvSpPr>
+        <p:spPr>
+          <a:xfrm>
+            <a:off x="1285240" y="1050595"/>
+            <a:ext cx="8074815" cy="1618489"/>
+          </a:xfrm>
+        </p:spPr>
+        <p:txBody>
+          <a:bodyPr anchor="ctr">
+            <a:normAutofit/>
+          </a:bodyPr>
+          <a:lstStyle/>
+          <a:p>
+            <a:r>
+              <a:rPr lang="uk-UA" sz="7200"/>
+              <a:t>Розподіл ролей</a:t>
+            </a:r>
+          </a:p>
+        </p:txBody>
+      </p:sp>
+      <p:sp>
+        <p:nvSpPr>
+          <p:cNvPr id="3" name="Місце для вмісту 2">
+            <a:extLst>
+              <a:ext uri="{FF2B5EF4-FFF2-40B4-BE49-F238E27FC236}">
+                <a16:creationId xmlns:a16="http://schemas.microsoft.com/office/drawing/2014/main" id="{6D0EF00D-2559-7452-1900-D79EF75559E1}"/>
+              </a:ext>
+            </a:extLst>
+          </p:cNvPr>
+          <p:cNvSpPr>
+            <a:spLocks noGrp="1"/>
+          </p:cNvSpPr>
+          <p:nvPr>
+            <p:ph idx="1"/>
+          </p:nvPr>
+        </p:nvSpPr>
+        <p:spPr>
+          <a:xfrm>
+            <a:off x="1285240" y="2969469"/>
+            <a:ext cx="8861937" cy="2854282"/>
+          </a:xfrm>
+        </p:spPr>
+        <p:txBody>
+          <a:bodyPr anchor="t">
+            <a:normAutofit/>
+          </a:bodyPr>
+          <a:lstStyle/>
+          <a:p>
+            <a:r>
+              <a:rPr lang="en-US" sz="2400" dirty="0"/>
+              <a:t>Backend: </a:t>
+            </a:r>
+            <a:r>
+              <a:rPr lang="uk-UA" sz="2400" dirty="0"/>
+              <a:t>Гаврилюк Олександр </a:t>
+            </a:r>
+            <a:r>
+              <a:rPr lang="uk-UA" sz="2400" dirty="0" smtClean="0"/>
+              <a:t>Олегович КН-24002б </a:t>
+            </a:r>
+            <a:endParaRPr lang="uk-UA" sz="2400" dirty="0"/>
+          </a:p>
+          <a:p>
+            <a:r>
+              <a:rPr lang="en-US" sz="2400" dirty="0"/>
+              <a:t>Frontend: </a:t>
+            </a:r>
+            <a:r>
+              <a:rPr lang="uk-UA" sz="2400" dirty="0" err="1"/>
+              <a:t>Теслюк</a:t>
+            </a:r>
+            <a:r>
+              <a:rPr lang="uk-UA" sz="2400" dirty="0"/>
+              <a:t> Богдан </a:t>
+            </a:r>
+            <a:r>
+              <a:rPr lang="uk-UA" sz="2400" dirty="0" smtClean="0"/>
+              <a:t>Вікторович КН-24002б</a:t>
+            </a:r>
+            <a:endParaRPr lang="uk-UA" sz="2400" dirty="0"/>
+          </a:p>
+          <a:p>
+            <a:r>
+              <a:rPr lang="en-US" sz="2400" dirty="0"/>
+              <a:t>DevOps/CI: </a:t>
+            </a:r>
+            <a:r>
+              <a:rPr lang="uk-UA" sz="2400" dirty="0"/>
+              <a:t>Київський Єгор </a:t>
+            </a:r>
+            <a:r>
+              <a:rPr lang="uk-UA" sz="2400" dirty="0" smtClean="0"/>
+              <a:t>Юрійович КН-24002б</a:t>
+            </a:r>
+            <a:endParaRPr lang="uk-UA" sz="2400" dirty="0"/>
+          </a:p>
+        </p:txBody>
+      </p:sp>
+    </p:spTree>
+    <p:extLst>
+      <p:ext uri="{BB962C8B-B14F-4D97-AF65-F5344CB8AC3E}">
+        <p14:creationId xmlns:p14="http://schemas.microsoft.com/office/powerpoint/2010/main" val="4140273771"/>
+      </p:ext>
+    </p:extLst>
+  </p:cSld>
+  <p:clrMapOvr>
+    <a:masterClrMapping/>
+  </p:clrMapOvr>
+</p:sld>
+</file>
+
+<file path=ppt/slides/slide13.xml><?xml version="1.0" encoding="utf-8"?>
+<p:sld xmlns:a="http://schemas.openxmlformats.org/drawingml/2006/main" xmlns:r="http://schemas.openxmlformats.org/officeDocument/2006/relationships" xmlns:p="http://schemas.openxmlformats.org/presentationml/2006/main">
+  <p:cSld>
+    <p:bg>
+      <p:bgPr>
+        <a:solidFill>
+          <a:schemeClr val="bg1"/>
+        </a:solidFill>
+        <a:effectLst/>
+      </p:bgPr>
+    </p:bg>
+    <p:spTree>
+      <p:nvGrpSpPr>
+        <p:cNvPr id="1" name=""/>
+        <p:cNvGrpSpPr/>
+        <p:nvPr/>
+      </p:nvGrpSpPr>
+      <p:grpSpPr>
+        <a:xfrm>
+          <a:off x="0" y="0"/>
+          <a:ext cx="0" cy="0"/>
+          <a:chOff x="0" y="0"/>
+          <a:chExt cx="0" cy="0"/>
+        </a:xfrm>
+      </p:grpSpPr>
+      <p:sp>
+        <p:nvSpPr>
+          <p:cNvPr id="2" name="Заголовок 1">
+            <a:extLst>
+              <a:ext uri="{FF2B5EF4-FFF2-40B4-BE49-F238E27FC236}">
+                <a16:creationId xmlns:a16="http://schemas.microsoft.com/office/drawing/2014/main" id="{417075C2-34D7-381B-482E-4627E6772417}"/>
+              </a:ext>
+            </a:extLst>
+          </p:cNvPr>
+          <p:cNvSpPr>
+            <a:spLocks noGrp="1"/>
+          </p:cNvSpPr>
+          <p:nvPr>
+            <p:ph type="title"/>
+          </p:nvPr>
+        </p:nvSpPr>
+        <p:spPr/>
+        <p:txBody>
+          <a:bodyPr anchor="ctr">
+            <a:normAutofit/>
+          </a:bodyPr>
+          <a:lstStyle/>
+          <a:p>
+            <a:r>
+              <a:rPr lang="en-US" sz="2800" dirty="0" smtClean="0"/>
+              <a:t>Insight - pulse</a:t>
+            </a:r>
+            <a:endParaRPr lang="uk-UA" sz="2800" dirty="0"/>
+          </a:p>
+        </p:txBody>
+      </p:sp>
+      <p:sp>
+        <p:nvSpPr>
+          <p:cNvPr id="9" name="Текст 8"/>
+          <p:cNvSpPr>
+            <a:spLocks noGrp="1"/>
+          </p:cNvSpPr>
+          <p:nvPr>
+            <p:ph type="body" sz="half" idx="2"/>
+          </p:nvPr>
+        </p:nvSpPr>
+        <p:spPr>
+          <a:xfrm>
+            <a:off x="515938" y="1542257"/>
+            <a:ext cx="3932237" cy="3811588"/>
+          </a:xfrm>
+        </p:spPr>
+        <p:txBody>
+          <a:bodyPr/>
+          <a:lstStyle/>
+          <a:p>
+            <a:r>
+              <a:rPr lang="uk-UA" dirty="0" smtClean="0"/>
+              <a:t>Більшість питань, що виникали в команді та різні пропозиції ми обсуджували в нашому телеграм чаті або чаті в нашому каналі </a:t>
+            </a:r>
+            <a:r>
+              <a:rPr lang="uk-UA" dirty="0" err="1" smtClean="0"/>
+              <a:t>діскорд</a:t>
+            </a:r>
+            <a:endParaRPr lang="uk-UA" dirty="0"/>
+          </a:p>
+        </p:txBody>
+      </p:sp>
+      <p:pic>
+        <p:nvPicPr>
+          <p:cNvPr id="14" name="Рисунок 13"/>
+          <p:cNvPicPr>
+            <a:picLocks noChangeAspect="1"/>
+          </p:cNvPicPr>
+          <p:nvPr/>
+        </p:nvPicPr>
+        <p:blipFill>
+          <a:blip r:embed="rId2"/>
+          <a:stretch>
+            <a:fillRect/>
+          </a:stretch>
+        </p:blipFill>
+        <p:spPr>
+          <a:xfrm>
+            <a:off x="4772026" y="1257301"/>
+            <a:ext cx="6939664" cy="3581400"/>
+          </a:xfrm>
+          <a:prstGeom prst="rect">
+            <a:avLst/>
+          </a:prstGeom>
+        </p:spPr>
+      </p:pic>
+    </p:spTree>
+    <p:extLst>
+      <p:ext uri="{BB962C8B-B14F-4D97-AF65-F5344CB8AC3E}">
+        <p14:creationId xmlns:p14="http://schemas.microsoft.com/office/powerpoint/2010/main" val="943119878"/>
+      </p:ext>
+    </p:extLst>
+  </p:cSld>
+  <p:clrMapOvr>
+    <a:masterClrMapping/>
+  </p:clrMapOvr>
+</p:sld>
+</file>
+
+<file path=ppt/slides/slide14.xml><?xml version="1.0" encoding="utf-8"?>
+<p:sld xmlns:a="http://schemas.openxmlformats.org/drawingml/2006/main" xmlns:r="http://schemas.openxmlformats.org/officeDocument/2006/relationships" xmlns:p="http://schemas.openxmlformats.org/presentationml/2006/main">
+  <p:cSld>
+    <p:bg>
+      <p:bgPr>
+        <a:solidFill>
+          <a:schemeClr val="bg1"/>
+        </a:solidFill>
+        <a:effectLst/>
+      </p:bgPr>
+    </p:bg>
+    <p:spTree>
+      <p:nvGrpSpPr>
+        <p:cNvPr id="1" name=""/>
+        <p:cNvGrpSpPr/>
+        <p:nvPr/>
+      </p:nvGrpSpPr>
+      <p:grpSpPr>
+        <a:xfrm>
+          <a:off x="0" y="0"/>
+          <a:ext cx="0" cy="0"/>
+          <a:chOff x="0" y="0"/>
+          <a:chExt cx="0" cy="0"/>
+        </a:xfrm>
+      </p:grpSpPr>
+      <p:sp>
+        <p:nvSpPr>
+          <p:cNvPr id="2" name="Заголовок 1">
+            <a:extLst>
+              <a:ext uri="{FF2B5EF4-FFF2-40B4-BE49-F238E27FC236}">
+                <a16:creationId xmlns:a16="http://schemas.microsoft.com/office/drawing/2014/main" id="{417075C2-34D7-381B-482E-4627E6772417}"/>
+              </a:ext>
+            </a:extLst>
+          </p:cNvPr>
+          <p:cNvSpPr>
+            <a:spLocks noGrp="1"/>
+          </p:cNvSpPr>
+          <p:nvPr>
+            <p:ph type="title"/>
+          </p:nvPr>
+        </p:nvSpPr>
+        <p:spPr/>
+        <p:txBody>
+          <a:bodyPr anchor="ctr">
+            <a:normAutofit/>
+          </a:bodyPr>
+          <a:lstStyle/>
+          <a:p>
+            <a:r>
+              <a:rPr lang="en-US" sz="2800" dirty="0" smtClean="0"/>
+              <a:t>Insight –Contributors</a:t>
+            </a:r>
+            <a:endParaRPr lang="uk-UA" sz="2800" dirty="0"/>
+          </a:p>
+        </p:txBody>
+      </p:sp>
+      <p:sp>
+        <p:nvSpPr>
+          <p:cNvPr id="9" name="Текст 8"/>
+          <p:cNvSpPr>
+            <a:spLocks noGrp="1"/>
+          </p:cNvSpPr>
+          <p:nvPr>
+            <p:ph type="body" sz="half" idx="2"/>
+          </p:nvPr>
+        </p:nvSpPr>
+        <p:spPr>
+          <a:xfrm>
+            <a:off x="515938" y="1542257"/>
+            <a:ext cx="3932237" cy="3811588"/>
+          </a:xfrm>
+        </p:spPr>
+        <p:txBody>
+          <a:bodyPr/>
+          <a:lstStyle/>
+          <a:p>
+            <a:r>
+              <a:rPr lang="uk-UA" dirty="0" smtClean="0"/>
+              <a:t>Це список учасників нашої команди в якому показано, скільки хто зробив </a:t>
+            </a:r>
+            <a:r>
+              <a:rPr lang="uk-UA" dirty="0" err="1" smtClean="0"/>
+              <a:t>комітів</a:t>
+            </a:r>
+            <a:r>
+              <a:rPr lang="uk-UA" dirty="0" smtClean="0"/>
+              <a:t> та скільки рядків коду було добавлено</a:t>
+            </a:r>
+            <a:r>
+              <a:rPr lang="en-US" dirty="0" smtClean="0"/>
+              <a:t>/</a:t>
+            </a:r>
+            <a:r>
+              <a:rPr lang="uk-UA" dirty="0" smtClean="0"/>
+              <a:t>замінено кожним з учасників команди</a:t>
+            </a:r>
+            <a:endParaRPr lang="uk-UA" dirty="0"/>
+          </a:p>
+        </p:txBody>
+      </p:sp>
+      <p:pic>
+        <p:nvPicPr>
+          <p:cNvPr id="3" name="Рисунок 2"/>
+          <p:cNvPicPr>
+            <a:picLocks noChangeAspect="1"/>
+          </p:cNvPicPr>
+          <p:nvPr/>
+        </p:nvPicPr>
+        <p:blipFill>
+          <a:blip r:embed="rId2"/>
+          <a:stretch>
+            <a:fillRect/>
+          </a:stretch>
+        </p:blipFill>
+        <p:spPr>
+          <a:xfrm>
+            <a:off x="4354340" y="643312"/>
+            <a:ext cx="7535723" cy="5475122"/>
+          </a:xfrm>
+          <a:prstGeom prst="rect">
+            <a:avLst/>
+          </a:prstGeom>
+        </p:spPr>
+      </p:pic>
+    </p:spTree>
+    <p:extLst>
+      <p:ext uri="{BB962C8B-B14F-4D97-AF65-F5344CB8AC3E}">
+        <p14:creationId xmlns:p14="http://schemas.microsoft.com/office/powerpoint/2010/main" val="309798378"/>
       </p:ext>
     </p:extLst>
   </p:cSld>
@@ -3719,13 +6361,13 @@
       </p:grpSpPr>
       <p:sp useBgFill="1">
         <p:nvSpPr>
-          <p:cNvPr id="10" name="Rectangle 9">
-            <a:extLst>
-              <a:ext uri="{FF2B5EF4-FFF2-40B4-BE49-F238E27FC236}">
-                <a16:creationId xmlns:a16="http://schemas.microsoft.com/office/drawing/2014/main" id="{9D25F302-27C5-414F-97F8-6EA0A6C028BA}"/>
+          <p:cNvPr id="8" name="Rectangle 7">
+            <a:extLst>
+              <a:ext uri="{FF2B5EF4-FFF2-40B4-BE49-F238E27FC236}">
+                <a16:creationId xmlns:a16="http://schemas.microsoft.com/office/drawing/2014/main" id="{081EA652-8C6A-4E69-BEB9-170809474553}"/>
               </a:ext>
               <a:ext uri="{C183D7F6-B498-43B3-948B-1728B52AA6E4}">
-                <adec:decorative xmlns:adec="http://schemas.microsoft.com/office/drawing/2017/decorative" val="1"/>
+                <adec:decorative xmlns="" xmlns:adec="http://schemas.microsoft.com/office/drawing/2017/decorative" val="1"/>
               </a:ext>
             </a:extLst>
           </p:cNvPr>
@@ -3779,13 +6421,13 @@
       </p:sp>
       <p:sp>
         <p:nvSpPr>
-          <p:cNvPr id="12" name="Right Triangle 11">
-            <a:extLst>
-              <a:ext uri="{FF2B5EF4-FFF2-40B4-BE49-F238E27FC236}">
-                <a16:creationId xmlns:a16="http://schemas.microsoft.com/office/drawing/2014/main" id="{830A36F8-48C2-4842-A87B-8CE8DF4E7FD2}"/>
+          <p:cNvPr id="10" name="Right Triangle 9">
+            <a:extLst>
+              <a:ext uri="{FF2B5EF4-FFF2-40B4-BE49-F238E27FC236}">
+                <a16:creationId xmlns:a16="http://schemas.microsoft.com/office/drawing/2014/main" id="{5298780A-33B9-4EA2-8F67-DE68AD62841B}"/>
               </a:ext>
               <a:ext uri="{C183D7F6-B498-43B3-948B-1728B52AA6E4}">
-                <adec:decorative xmlns:adec="http://schemas.microsoft.com/office/drawing/2017/decorative" val="1"/>
+                <adec:decorative xmlns="" xmlns:adec="http://schemas.microsoft.com/office/drawing/2017/decorative" val="1"/>
               </a:ext>
             </a:extLst>
           </p:cNvPr>
@@ -3842,13 +6484,13 @@
       </p:sp>
       <p:sp>
         <p:nvSpPr>
-          <p:cNvPr id="14" name="Rectangle 13">
-            <a:extLst>
-              <a:ext uri="{FF2B5EF4-FFF2-40B4-BE49-F238E27FC236}">
-                <a16:creationId xmlns:a16="http://schemas.microsoft.com/office/drawing/2014/main" id="{8F451A30-466B-4996-9BA5-CD6ABCC6D558}"/>
+          <p:cNvPr id="12" name="Rectangle 11">
+            <a:extLst>
+              <a:ext uri="{FF2B5EF4-FFF2-40B4-BE49-F238E27FC236}">
+                <a16:creationId xmlns:a16="http://schemas.microsoft.com/office/drawing/2014/main" id="{7F488E8B-4E1E-4402-8935-D4E6C02615C7}"/>
               </a:ext>
               <a:ext uri="{C183D7F6-B498-43B3-948B-1728B52AA6E4}">
-                <adec:decorative xmlns:adec="http://schemas.microsoft.com/office/drawing/2017/decorative" val="1"/>
+                <adec:decorative xmlns="" xmlns:adec="http://schemas.microsoft.com/office/drawing/2017/decorative" val="1"/>
               </a:ext>
             </a:extLst>
           </p:cNvPr>
@@ -3911,7 +6553,7 @@
           <p:cNvPr id="2" name="Заголовок 1">
             <a:extLst>
               <a:ext uri="{FF2B5EF4-FFF2-40B4-BE49-F238E27FC236}">
-                <a16:creationId xmlns:a16="http://schemas.microsoft.com/office/drawing/2014/main" id="{C9A74BC9-1272-A8E9-5918-34612138E054}"/>
+                <a16:creationId xmlns:a16="http://schemas.microsoft.com/office/drawing/2014/main" id="{A2D9ADAA-4722-CC27-5221-6BC525F828E8}"/>
               </a:ext>
             </a:extLst>
           </p:cNvPr>
@@ -3919,165 +6561,206 @@
             <a:spLocks noGrp="1"/>
           </p:cNvSpPr>
           <p:nvPr>
-            <p:ph type="title"/>
+            <p:ph type="ctrTitle"/>
           </p:nvPr>
         </p:nvSpPr>
         <p:spPr>
           <a:xfrm>
-            <a:off x="923332" y="361354"/>
-            <a:ext cx="9984615" cy="1597228"/>
+            <a:off x="1400650" y="803928"/>
+            <a:ext cx="9083878" cy="1618489"/>
           </a:xfrm>
         </p:spPr>
         <p:txBody>
-          <a:bodyPr>
+          <a:bodyPr vert="horz" lIns="91440" tIns="45720" rIns="91440" bIns="45720" rtlCol="0" anchor="ctr">
             <a:normAutofit/>
           </a:bodyPr>
           <a:lstStyle/>
           <a:p>
-            <a:r>
-              <a:rPr lang="uk-UA" dirty="0"/>
-              <a:t>Обраний функціонал</a:t>
-            </a:r>
-          </a:p>
-        </p:txBody>
-      </p:sp>
-      <p:pic>
-        <p:nvPicPr>
-          <p:cNvPr id="5" name="Рисунок 4">
-            <a:extLst>
-              <a:ext uri="{FF2B5EF4-FFF2-40B4-BE49-F238E27FC236}">
-                <a16:creationId xmlns:a16="http://schemas.microsoft.com/office/drawing/2014/main" id="{6FCA6D41-7D89-16AD-C513-2A41A270F093}"/>
-              </a:ext>
-            </a:extLst>
-          </p:cNvPr>
-          <p:cNvPicPr>
-            <a:picLocks noChangeAspect="1"/>
-          </p:cNvPicPr>
-          <p:nvPr/>
-        </p:nvPicPr>
-        <p:blipFill>
-          <a:blip r:embed="rId2"/>
-          <a:stretch>
-            <a:fillRect/>
-          </a:stretch>
-        </p:blipFill>
+            <a:pPr algn="l"/>
+            <a:r>
+              <a:rPr lang="uk-UA" sz="5000" kern="1200" dirty="0" smtClean="0">
+                <a:solidFill>
+                  <a:schemeClr val="tx1"/>
+                </a:solidFill>
+                <a:latin typeface="+mj-lt"/>
+                <a:ea typeface="+mj-ea"/>
+                <a:cs typeface="+mj-cs"/>
+              </a:rPr>
+              <a:t>Учасники нашої команди</a:t>
+            </a:r>
+            <a:endParaRPr lang="en-US" sz="5000" kern="1200" dirty="0">
+              <a:solidFill>
+                <a:schemeClr val="tx1"/>
+              </a:solidFill>
+              <a:latin typeface="+mj-lt"/>
+              <a:ea typeface="+mj-ea"/>
+              <a:cs typeface="+mj-cs"/>
+            </a:endParaRPr>
+          </a:p>
+        </p:txBody>
+      </p:sp>
+      <p:sp>
+        <p:nvSpPr>
+          <p:cNvPr id="3" name="Підзаголовок 2">
+            <a:extLst>
+              <a:ext uri="{FF2B5EF4-FFF2-40B4-BE49-F238E27FC236}">
+                <a16:creationId xmlns:a16="http://schemas.microsoft.com/office/drawing/2014/main" id="{E8F7EB4D-0DC4-4175-9BDF-7263032AC062}"/>
+              </a:ext>
+            </a:extLst>
+          </p:cNvPr>
+          <p:cNvSpPr>
+            <a:spLocks noGrp="1"/>
+          </p:cNvSpPr>
+          <p:nvPr>
+            <p:ph type="subTitle" idx="1"/>
+          </p:nvPr>
+        </p:nvSpPr>
         <p:spPr>
           <a:xfrm>
-            <a:off x="830538" y="2552700"/>
-            <a:ext cx="6718937" cy="3594631"/>
-          </a:xfrm>
-          <a:prstGeom prst="rect">
-            <a:avLst/>
-          </a:prstGeom>
-        </p:spPr>
-      </p:pic>
-      <p:sp>
-        <p:nvSpPr>
-          <p:cNvPr id="3" name="Місце для вмісту 2">
-            <a:extLst>
-              <a:ext uri="{FF2B5EF4-FFF2-40B4-BE49-F238E27FC236}">
-                <a16:creationId xmlns:a16="http://schemas.microsoft.com/office/drawing/2014/main" id="{A515688D-BFA3-6993-15D4-F273D001A78B}"/>
-              </a:ext>
-            </a:extLst>
-          </p:cNvPr>
-          <p:cNvSpPr>
-            <a:spLocks noGrp="1"/>
-          </p:cNvSpPr>
-          <p:nvPr>
-            <p:ph idx="1"/>
-          </p:nvPr>
-        </p:nvSpPr>
-        <p:spPr>
-          <a:xfrm>
-            <a:off x="960438" y="1104775"/>
-            <a:ext cx="4238257" cy="2728198"/>
+            <a:off x="833490" y="2744286"/>
+            <a:ext cx="10218198" cy="3165001"/>
           </a:xfrm>
         </p:spPr>
         <p:txBody>
-          <a:bodyPr anchor="t">
+          <a:bodyPr vert="horz" lIns="91440" tIns="45720" rIns="91440" bIns="45720" rtlCol="0" anchor="t">
             <a:normAutofit/>
           </a:bodyPr>
           <a:lstStyle/>
           <a:p>
-            <a:pPr marL="0" indent="0">
-              <a:buNone/>
-            </a:pPr>
-            <a:endParaRPr lang="ru-RU" sz="2000" dirty="0"/>
-          </a:p>
-          <a:p>
-            <a:r>
-              <a:rPr lang="ru-RU" sz="2000" dirty="0" err="1"/>
-              <a:t>Перелік</a:t>
-            </a:r>
-            <a:r>
-              <a:rPr lang="ru-RU" sz="2000" dirty="0"/>
+            <a:pPr algn="l"/>
+            <a:r>
+              <a:rPr lang="en-US" dirty="0"/>
+              <a:t/>
+            </a:r>
+            <a:br>
+              <a:rPr lang="en-US" dirty="0"/>
+            </a:br>
+            <a:r>
+              <a:rPr lang="en-US" dirty="0" err="1"/>
+              <a:t>Київський</a:t>
+            </a:r>
+            <a:r>
+              <a:rPr lang="en-US" dirty="0"/>
               <a:t> </a:t>
             </a:r>
             <a:r>
-              <a:rPr lang="ru-RU" sz="2000" dirty="0" err="1"/>
-              <a:t>ключових</a:t>
-            </a:r>
-            <a:r>
-              <a:rPr lang="ru-RU" sz="2000" dirty="0"/>
+              <a:rPr lang="en-US" dirty="0" err="1"/>
+              <a:t>Єгор</a:t>
+            </a:r>
+            <a:r>
+              <a:rPr lang="en-US" dirty="0"/>
               <a:t> </a:t>
             </a:r>
             <a:r>
-              <a:rPr lang="ru-RU" sz="2000" dirty="0" err="1"/>
-              <a:t>фіч</a:t>
-            </a:r>
-            <a:r>
-              <a:rPr lang="ru-RU" sz="2000" dirty="0"/>
-              <a:t>:</a:t>
-            </a:r>
-          </a:p>
-          <a:p>
-            <a:pPr lvl="1"/>
-            <a:r>
-              <a:rPr lang="ru-RU" sz="2000" dirty="0" err="1"/>
-              <a:t>Авторизація</a:t>
-            </a:r>
-            <a:r>
-              <a:rPr lang="ru-RU" sz="2000" dirty="0"/>
-              <a:t> / </a:t>
-            </a:r>
-            <a:r>
-              <a:rPr lang="ru-RU" sz="2000" dirty="0" err="1"/>
-              <a:t>реєстрація</a:t>
-            </a:r>
-            <a:endParaRPr lang="ru-RU" sz="2000" dirty="0"/>
-          </a:p>
-          <a:p>
-            <a:pPr marL="457200" lvl="1" indent="0">
-              <a:buNone/>
-            </a:pPr>
-            <a:endParaRPr lang="ru-RU" sz="2000" dirty="0"/>
-          </a:p>
-          <a:p>
-            <a:pPr lvl="1"/>
-            <a:endParaRPr lang="ru-RU" sz="2000" dirty="0"/>
-          </a:p>
-          <a:p>
-            <a:pPr lvl="1"/>
-            <a:endParaRPr lang="ru-RU" sz="2000" dirty="0"/>
-          </a:p>
-          <a:p>
-            <a:pPr lvl="1"/>
-            <a:endParaRPr lang="ru-RU" sz="2000" dirty="0"/>
-          </a:p>
-          <a:p>
-            <a:pPr lvl="1"/>
-            <a:endParaRPr lang="ru-RU" sz="2000" dirty="0"/>
-          </a:p>
-          <a:p>
-            <a:pPr lvl="1"/>
-            <a:endParaRPr lang="ru-RU" sz="2000" dirty="0"/>
+              <a:rPr lang="en-US" dirty="0" err="1"/>
+              <a:t>Юрійович</a:t>
+            </a:r>
+            <a:r>
+              <a:rPr lang="en-US" dirty="0"/>
+              <a:t> </a:t>
+            </a:r>
+            <a:r>
+              <a:rPr lang="uk-UA" dirty="0" smtClean="0"/>
+              <a:t>		</a:t>
+            </a:r>
+            <a:r>
+              <a:rPr lang="en-US" dirty="0" smtClean="0"/>
+              <a:t>- </a:t>
+            </a:r>
+            <a:r>
+              <a:rPr lang="en-US" dirty="0"/>
+              <a:t>GitHub: WhyTile</a:t>
+            </a:r>
+            <a:br>
+              <a:rPr lang="en-US" dirty="0"/>
+            </a:br>
+            <a:r>
+              <a:rPr lang="en-US" dirty="0" err="1"/>
+              <a:t>Гаврилюк</a:t>
+            </a:r>
+            <a:r>
+              <a:rPr lang="en-US" dirty="0"/>
+              <a:t> </a:t>
+            </a:r>
+            <a:r>
+              <a:rPr lang="en-US" dirty="0" err="1"/>
+              <a:t>Олександр</a:t>
+            </a:r>
+            <a:r>
+              <a:rPr lang="en-US" dirty="0"/>
+              <a:t> </a:t>
+            </a:r>
+            <a:r>
+              <a:rPr lang="en-US" dirty="0" err="1"/>
+              <a:t>Олегович</a:t>
+            </a:r>
+            <a:r>
+              <a:rPr lang="en-US" dirty="0"/>
+              <a:t> </a:t>
+            </a:r>
+            <a:r>
+              <a:rPr lang="uk-UA" dirty="0" smtClean="0"/>
+              <a:t>	</a:t>
+            </a:r>
+            <a:r>
+              <a:rPr lang="en-US" dirty="0" smtClean="0"/>
+              <a:t>– </a:t>
+            </a:r>
+            <a:r>
+              <a:rPr lang="en-US" dirty="0"/>
+              <a:t>GitHub: DES-S-S</a:t>
+            </a:r>
+            <a:br>
+              <a:rPr lang="en-US" dirty="0"/>
+            </a:br>
+            <a:r>
+              <a:rPr lang="en-US" dirty="0" err="1"/>
+              <a:t>Теслюк</a:t>
+            </a:r>
+            <a:r>
+              <a:rPr lang="en-US" dirty="0"/>
+              <a:t> </a:t>
+            </a:r>
+            <a:r>
+              <a:rPr lang="en-US" dirty="0" err="1"/>
+              <a:t>Богдан</a:t>
+            </a:r>
+            <a:r>
+              <a:rPr lang="en-US" dirty="0"/>
+              <a:t> </a:t>
+            </a:r>
+            <a:r>
+              <a:rPr lang="en-US" dirty="0" err="1"/>
+              <a:t>Вікторович</a:t>
+            </a:r>
+            <a:r>
+              <a:rPr lang="en-US" dirty="0"/>
+              <a:t> </a:t>
+            </a:r>
+            <a:r>
+              <a:rPr lang="uk-UA" dirty="0" smtClean="0"/>
+              <a:t>		</a:t>
+            </a:r>
+            <a:r>
+              <a:rPr lang="en-US" dirty="0" smtClean="0"/>
+              <a:t>– </a:t>
+            </a:r>
+            <a:r>
+              <a:rPr lang="en-US" dirty="0"/>
+              <a:t>GitHub: </a:t>
+            </a:r>
+            <a:r>
+              <a:rPr lang="en-US" dirty="0" err="1"/>
+              <a:t>TesliukBohdan</a:t>
+            </a:r>
+            <a:endParaRPr lang="en-US" dirty="0"/>
           </a:p>
         </p:txBody>
       </p:sp>
     </p:spTree>
     <p:extLst>
       <p:ext uri="{BB962C8B-B14F-4D97-AF65-F5344CB8AC3E}">
-        <p14:creationId xmlns:p14="http://schemas.microsoft.com/office/powerpoint/2010/main" val="2608116049"/>
+        <p14:creationId xmlns:p14="http://schemas.microsoft.com/office/powerpoint/2010/main" val="3752320886"/>
       </p:ext>
     </p:extLst>
   </p:cSld>
@@ -4117,10 +6800,10 @@
           <p:cNvPr id="10" name="Rectangle 9">
             <a:extLst>
               <a:ext uri="{FF2B5EF4-FFF2-40B4-BE49-F238E27FC236}">
-                <a16:creationId xmlns:a16="http://schemas.microsoft.com/office/drawing/2014/main" id="{19D32F93-50AC-4C46-A5DB-291C60DDB7BD}"/>
+                <a16:creationId xmlns:a16="http://schemas.microsoft.com/office/drawing/2014/main" id="{9D25F302-27C5-414F-97F8-6EA0A6C028BA}"/>
               </a:ext>
               <a:ext uri="{C183D7F6-B498-43B3-948B-1728B52AA6E4}">
-                <adec:decorative xmlns:adec="http://schemas.microsoft.com/office/drawing/2017/decorative" val="1"/>
+                <adec:decorative xmlns="" xmlns:adec="http://schemas.microsoft.com/office/drawing/2017/decorative" val="1"/>
               </a:ext>
             </a:extLst>
           </p:cNvPr>
@@ -4177,10 +6860,10 @@
           <p:cNvPr id="12" name="Right Triangle 11">
             <a:extLst>
               <a:ext uri="{FF2B5EF4-FFF2-40B4-BE49-F238E27FC236}">
-                <a16:creationId xmlns:a16="http://schemas.microsoft.com/office/drawing/2014/main" id="{827DC2C4-B485-428A-BF4A-472D2967F47F}"/>
+                <a16:creationId xmlns:a16="http://schemas.microsoft.com/office/drawing/2014/main" id="{830A36F8-48C2-4842-A87B-8CE8DF4E7FD2}"/>
               </a:ext>
               <a:ext uri="{C183D7F6-B498-43B3-948B-1728B52AA6E4}">
-                <adec:decorative xmlns:adec="http://schemas.microsoft.com/office/drawing/2017/decorative" val="1"/>
+                <adec:decorative xmlns="" xmlns:adec="http://schemas.microsoft.com/office/drawing/2017/decorative" val="1"/>
               </a:ext>
             </a:extLst>
           </p:cNvPr>
@@ -4240,10 +6923,10 @@
           <p:cNvPr id="14" name="Rectangle 13">
             <a:extLst>
               <a:ext uri="{FF2B5EF4-FFF2-40B4-BE49-F238E27FC236}">
-                <a16:creationId xmlns:a16="http://schemas.microsoft.com/office/drawing/2014/main" id="{EE04B5EB-F158-4507-90DD-BD23620C7CC9}"/>
+                <a16:creationId xmlns:a16="http://schemas.microsoft.com/office/drawing/2014/main" id="{8F451A30-466B-4996-9BA5-CD6ABCC6D558}"/>
               </a:ext>
               <a:ext uri="{C183D7F6-B498-43B3-948B-1728B52AA6E4}">
-                <adec:decorative xmlns:adec="http://schemas.microsoft.com/office/drawing/2017/decorative" val="1"/>
+                <adec:decorative xmlns="" xmlns:adec="http://schemas.microsoft.com/office/drawing/2017/decorative" val="1"/>
               </a:ext>
             </a:extLst>
           </p:cNvPr>
@@ -4306,7 +6989,7 @@
           <p:cNvPr id="2" name="Заголовок 1">
             <a:extLst>
               <a:ext uri="{FF2B5EF4-FFF2-40B4-BE49-F238E27FC236}">
-                <a16:creationId xmlns:a16="http://schemas.microsoft.com/office/drawing/2014/main" id="{4D4F2EDC-9503-BDEB-D5CE-9E34FC06B686}"/>
+                <a16:creationId xmlns:a16="http://schemas.microsoft.com/office/drawing/2014/main" id="{C9A74BC9-1272-A8E9-5918-34612138E054}"/>
               </a:ext>
             </a:extLst>
           </p:cNvPr>
@@ -4319,107 +7002,20 @@
         </p:nvSpPr>
         <p:spPr>
           <a:xfrm>
-            <a:off x="641774" y="623275"/>
-            <a:ext cx="8369299" cy="2173251"/>
+            <a:off x="923332" y="361354"/>
+            <a:ext cx="9984615" cy="1597228"/>
           </a:xfrm>
         </p:spPr>
         <p:txBody>
-          <a:bodyPr vert="horz" lIns="91440" tIns="45720" rIns="91440" bIns="45720" rtlCol="0" anchor="b">
+          <a:bodyPr>
             <a:normAutofit/>
           </a:bodyPr>
           <a:lstStyle/>
           <a:p>
-            <a:pPr marL="342900" lvl="1" indent="-342900" algn="r" rtl="0">
-              <a:lnSpc>
-                <a:spcPct val="90000"/>
-              </a:lnSpc>
-              <a:spcBef>
-                <a:spcPct val="0"/>
-              </a:spcBef>
-            </a:pPr>
-            <a:r>
-              <a:rPr lang="en-US" sz="4500" kern="1200" dirty="0" err="1">
-                <a:solidFill>
-                  <a:schemeClr val="tx1"/>
-                </a:solidFill>
-                <a:latin typeface="+mj-lt"/>
-                <a:ea typeface="+mj-ea"/>
-                <a:cs typeface="+mj-cs"/>
-              </a:rPr>
-              <a:t>Особистий</a:t>
-            </a:r>
-            <a:r>
-              <a:rPr lang="en-US" sz="4500" kern="1200" dirty="0">
-                <a:solidFill>
-                  <a:schemeClr val="tx1"/>
-                </a:solidFill>
-                <a:latin typeface="+mj-lt"/>
-                <a:ea typeface="+mj-ea"/>
-                <a:cs typeface="+mj-cs"/>
-              </a:rPr>
-              <a:t> </a:t>
-            </a:r>
-            <a:r>
-              <a:rPr lang="en-US" sz="4500" kern="1200" dirty="0" err="1">
-                <a:solidFill>
-                  <a:schemeClr val="tx1"/>
-                </a:solidFill>
-                <a:latin typeface="+mj-lt"/>
-                <a:ea typeface="+mj-ea"/>
-                <a:cs typeface="+mj-cs"/>
-              </a:rPr>
-              <a:t>кабінет</a:t>
-            </a:r>
-            <a:r>
-              <a:rPr lang="en-US" sz="4500" kern="1200" dirty="0">
-                <a:solidFill>
-                  <a:schemeClr val="tx1"/>
-                </a:solidFill>
-                <a:latin typeface="+mj-lt"/>
-                <a:ea typeface="+mj-ea"/>
-                <a:cs typeface="+mj-cs"/>
-              </a:rPr>
-              <a:t> </a:t>
-            </a:r>
-            <a:r>
-              <a:rPr lang="en-US" sz="4500" kern="1200" dirty="0" err="1">
-                <a:solidFill>
-                  <a:schemeClr val="tx1"/>
-                </a:solidFill>
-                <a:latin typeface="+mj-lt"/>
-                <a:ea typeface="+mj-ea"/>
-                <a:cs typeface="+mj-cs"/>
-              </a:rPr>
-              <a:t>користувача</a:t>
-            </a:r>
-            <a:br>
-              <a:rPr lang="en-US" sz="4500" kern="1200" dirty="0">
-                <a:solidFill>
-                  <a:schemeClr val="tx1"/>
-                </a:solidFill>
-                <a:latin typeface="+mj-lt"/>
-                <a:ea typeface="+mj-ea"/>
-                <a:cs typeface="+mj-cs"/>
-              </a:rPr>
-            </a:br>
-            <a:br>
-              <a:rPr lang="en-US" sz="4500" kern="1200" dirty="0">
-                <a:solidFill>
-                  <a:schemeClr val="tx1"/>
-                </a:solidFill>
-                <a:latin typeface="+mj-lt"/>
-                <a:ea typeface="+mj-ea"/>
-                <a:cs typeface="+mj-cs"/>
-              </a:rPr>
-            </a:br>
-            <a:endParaRPr lang="en-US" sz="4500" kern="1200" dirty="0">
-              <a:solidFill>
-                <a:schemeClr val="tx1"/>
-              </a:solidFill>
-              <a:latin typeface="+mj-lt"/>
-              <a:ea typeface="+mj-ea"/>
-              <a:cs typeface="+mj-cs"/>
-            </a:endParaRPr>
+            <a:r>
+              <a:rPr lang="uk-UA" dirty="0"/>
+              <a:t>Обраний функціонал</a:t>
+            </a:r>
           </a:p>
         </p:txBody>
       </p:sp>
@@ -4428,7 +7024,7 @@
           <p:cNvPr id="5" name="Рисунок 4">
             <a:extLst>
               <a:ext uri="{FF2B5EF4-FFF2-40B4-BE49-F238E27FC236}">
-                <a16:creationId xmlns:a16="http://schemas.microsoft.com/office/drawing/2014/main" id="{20887A51-ABBD-AE9A-EB45-67B474FCC0B7}"/>
+                <a16:creationId xmlns:a16="http://schemas.microsoft.com/office/drawing/2014/main" id="{6FCA6D41-7D89-16AD-C513-2A41A270F093}"/>
               </a:ext>
             </a:extLst>
           </p:cNvPr>
@@ -4445,18 +7041,231 @@
         </p:blipFill>
         <p:spPr>
           <a:xfrm>
-            <a:off x="800132" y="2123299"/>
-            <a:ext cx="7379521" cy="3929594"/>
+            <a:off x="3521782" y="1428556"/>
+            <a:ext cx="7667724" cy="4102232"/>
           </a:xfrm>
           <a:prstGeom prst="rect">
             <a:avLst/>
           </a:prstGeom>
         </p:spPr>
       </p:pic>
+      <p:sp>
+        <p:nvSpPr>
+          <p:cNvPr id="3" name="Місце для вмісту 2">
+            <a:extLst>
+              <a:ext uri="{FF2B5EF4-FFF2-40B4-BE49-F238E27FC236}">
+                <a16:creationId xmlns:a16="http://schemas.microsoft.com/office/drawing/2014/main" id="{A515688D-BFA3-6993-15D4-F273D001A78B}"/>
+              </a:ext>
+            </a:extLst>
+          </p:cNvPr>
+          <p:cNvSpPr>
+            <a:spLocks noGrp="1"/>
+          </p:cNvSpPr>
+          <p:nvPr>
+            <p:ph idx="1"/>
+          </p:nvPr>
+        </p:nvSpPr>
+        <p:spPr>
+          <a:xfrm>
+            <a:off x="641773" y="1428556"/>
+            <a:ext cx="2880009" cy="2901481"/>
+          </a:xfrm>
+        </p:spPr>
+        <p:txBody>
+          <a:bodyPr anchor="t">
+            <a:normAutofit fontScale="85000" lnSpcReduction="10000"/>
+          </a:bodyPr>
+          <a:lstStyle/>
+          <a:p>
+            <a:pPr marL="0" indent="0">
+              <a:buNone/>
+            </a:pPr>
+            <a:endParaRPr lang="ru-RU" sz="1800" dirty="0"/>
+          </a:p>
+          <a:p>
+            <a:pPr marL="0" indent="0">
+              <a:buNone/>
+            </a:pPr>
+            <a:r>
+              <a:rPr lang="ru-RU" sz="1800" dirty="0" err="1"/>
+              <a:t>Перелік</a:t>
+            </a:r>
+            <a:r>
+              <a:rPr lang="ru-RU" sz="1800" dirty="0"/>
+              <a:t> </a:t>
+            </a:r>
+            <a:r>
+              <a:rPr lang="ru-RU" sz="1800" dirty="0" err="1"/>
+              <a:t>ключових</a:t>
+            </a:r>
+            <a:r>
+              <a:rPr lang="ru-RU" sz="1800" dirty="0"/>
+              <a:t> </a:t>
+            </a:r>
+            <a:r>
+              <a:rPr lang="ru-RU" sz="1800" dirty="0" err="1"/>
+              <a:t>фіч</a:t>
+            </a:r>
+            <a:r>
+              <a:rPr lang="ru-RU" sz="1800" dirty="0" smtClean="0"/>
+              <a:t>:</a:t>
+            </a:r>
+          </a:p>
+          <a:p>
+            <a:pPr marL="457200" lvl="1" indent="0">
+              <a:buNone/>
+            </a:pPr>
+            <a:r>
+              <a:rPr lang="ru-RU" sz="1800" dirty="0" err="1" smtClean="0"/>
+              <a:t>Світла</a:t>
+            </a:r>
+            <a:r>
+              <a:rPr lang="en-US" sz="1800" dirty="0" smtClean="0"/>
+              <a:t>/</a:t>
+            </a:r>
+            <a:r>
+              <a:rPr lang="uk-UA" sz="1800" dirty="0" smtClean="0"/>
+              <a:t>темна тема</a:t>
+            </a:r>
+            <a:endParaRPr lang="ru-RU" sz="1800" dirty="0" smtClean="0"/>
+          </a:p>
+          <a:p>
+            <a:pPr marL="457200" lvl="1" indent="0">
+              <a:buNone/>
+            </a:pPr>
+            <a:r>
+              <a:rPr lang="ru-RU" sz="1800" dirty="0" err="1" smtClean="0"/>
+              <a:t>Авторизація</a:t>
+            </a:r>
+            <a:r>
+              <a:rPr lang="ru-RU" sz="1800" dirty="0" smtClean="0"/>
+              <a:t>  </a:t>
+            </a:r>
+            <a:r>
+              <a:rPr lang="ru-RU" sz="1800" dirty="0" err="1" smtClean="0"/>
+              <a:t>реєстрація</a:t>
+            </a:r>
+            <a:endParaRPr lang="ru-RU" sz="1800" dirty="0" smtClean="0"/>
+          </a:p>
+          <a:p>
+            <a:pPr marL="457200" lvl="1" indent="0">
+              <a:buNone/>
+            </a:pPr>
+            <a:r>
+              <a:rPr lang="ru-RU" sz="1800" dirty="0" smtClean="0"/>
+              <a:t>Перегляд списку </a:t>
+            </a:r>
+            <a:r>
+              <a:rPr lang="ru-RU" sz="1800" dirty="0" err="1" smtClean="0"/>
+              <a:t>пристуніх</a:t>
+            </a:r>
+            <a:r>
+              <a:rPr lang="ru-RU" sz="1800" dirty="0" smtClean="0"/>
+              <a:t> </a:t>
+            </a:r>
+            <a:r>
+              <a:rPr lang="ru-RU" sz="1800" dirty="0" err="1" smtClean="0"/>
+              <a:t>вакансій</a:t>
+            </a:r>
+            <a:endParaRPr lang="ru-RU" sz="1800" dirty="0" smtClean="0"/>
+          </a:p>
+          <a:p>
+            <a:pPr marL="457200" lvl="1" indent="0">
+              <a:buNone/>
+            </a:pPr>
+            <a:r>
+              <a:rPr lang="ru-RU" sz="1800" dirty="0" err="1" smtClean="0"/>
+              <a:t>Можливість</a:t>
+            </a:r>
+            <a:r>
+              <a:rPr lang="ru-RU" sz="1800" dirty="0" smtClean="0"/>
+              <a:t> </a:t>
+            </a:r>
+            <a:r>
+              <a:rPr lang="ru-RU" sz="1800" dirty="0" err="1" smtClean="0"/>
+              <a:t>додавання</a:t>
+            </a:r>
+            <a:r>
+              <a:rPr lang="en-US" sz="1800" dirty="0" smtClean="0"/>
+              <a:t>/</a:t>
+            </a:r>
+            <a:r>
+              <a:rPr lang="uk-UA" sz="1800" dirty="0" smtClean="0"/>
+              <a:t>видалення ваших </a:t>
+            </a:r>
+            <a:r>
+              <a:rPr lang="uk-UA" sz="1800" dirty="0" err="1" smtClean="0"/>
+              <a:t>ваксій</a:t>
+            </a:r>
+            <a:r>
+              <a:rPr lang="uk-UA" sz="1800" dirty="0" smtClean="0"/>
+              <a:t>(вони </a:t>
+            </a:r>
+            <a:r>
+              <a:rPr lang="uk-UA" sz="1800" dirty="0" err="1" smtClean="0"/>
+              <a:t>прив</a:t>
+            </a:r>
+            <a:r>
+              <a:rPr lang="en-US" sz="1800" dirty="0" smtClean="0"/>
+              <a:t>’</a:t>
+            </a:r>
+            <a:r>
+              <a:rPr lang="uk-UA" sz="1800" dirty="0" err="1" smtClean="0"/>
+              <a:t>язані</a:t>
+            </a:r>
+            <a:r>
+              <a:rPr lang="uk-UA" sz="1800" dirty="0" smtClean="0"/>
+              <a:t> до </a:t>
+            </a:r>
+            <a:r>
+              <a:rPr lang="uk-UA" sz="1800" dirty="0" err="1" smtClean="0"/>
+              <a:t>акаунту</a:t>
+            </a:r>
+            <a:r>
+              <a:rPr lang="uk-UA" sz="1800" dirty="0" smtClean="0"/>
+              <a:t>)</a:t>
+            </a:r>
+          </a:p>
+          <a:p>
+            <a:pPr lvl="1"/>
+            <a:endParaRPr lang="ru-RU" sz="2000" dirty="0" smtClean="0"/>
+          </a:p>
+          <a:p>
+            <a:pPr lvl="1"/>
+            <a:endParaRPr lang="ru-RU" sz="2000" dirty="0"/>
+          </a:p>
+          <a:p>
+            <a:pPr marL="457200" lvl="1" indent="0">
+              <a:buNone/>
+            </a:pPr>
+            <a:endParaRPr lang="ru-RU" sz="2000" dirty="0"/>
+          </a:p>
+          <a:p>
+            <a:pPr lvl="1"/>
+            <a:endParaRPr lang="ru-RU" sz="2000" dirty="0"/>
+          </a:p>
+          <a:p>
+            <a:pPr lvl="1"/>
+            <a:endParaRPr lang="ru-RU" sz="2000" dirty="0"/>
+          </a:p>
+          <a:p>
+            <a:pPr lvl="1"/>
+            <a:endParaRPr lang="ru-RU" sz="2000" dirty="0"/>
+          </a:p>
+          <a:p>
+            <a:pPr lvl="1"/>
+            <a:endParaRPr lang="ru-RU" sz="2000" dirty="0"/>
+          </a:p>
+          <a:p>
+            <a:pPr lvl="1"/>
+            <a:endParaRPr lang="ru-RU" sz="2000" dirty="0"/>
+          </a:p>
+        </p:txBody>
+      </p:sp>
     </p:spTree>
     <p:extLst>
       <p:ext uri="{BB962C8B-B14F-4D97-AF65-F5344CB8AC3E}">
-        <p14:creationId xmlns:p14="http://schemas.microsoft.com/office/powerpoint/2010/main" val="35274158"/>
+        <p14:creationId xmlns:p14="http://schemas.microsoft.com/office/powerpoint/2010/main" val="2608116049"/>
       </p:ext>
     </p:extLst>
   </p:cSld>
@@ -4496,10 +7305,10 @@
           <p:cNvPr id="10" name="Rectangle 9">
             <a:extLst>
               <a:ext uri="{FF2B5EF4-FFF2-40B4-BE49-F238E27FC236}">
-                <a16:creationId xmlns:a16="http://schemas.microsoft.com/office/drawing/2014/main" id="{19D32F93-50AC-4C46-A5DB-291C60DDB7BD}"/>
+                <a16:creationId xmlns:a16="http://schemas.microsoft.com/office/drawing/2014/main" id="{9D25F302-27C5-414F-97F8-6EA0A6C028BA}"/>
               </a:ext>
               <a:ext uri="{C183D7F6-B498-43B3-948B-1728B52AA6E4}">
-                <adec:decorative xmlns:adec="http://schemas.microsoft.com/office/drawing/2017/decorative" val="1"/>
+                <adec:decorative xmlns="" xmlns:adec="http://schemas.microsoft.com/office/drawing/2017/decorative" val="1"/>
               </a:ext>
             </a:extLst>
           </p:cNvPr>
@@ -4556,10 +7365,10 @@
           <p:cNvPr id="12" name="Right Triangle 11">
             <a:extLst>
               <a:ext uri="{FF2B5EF4-FFF2-40B4-BE49-F238E27FC236}">
-                <a16:creationId xmlns:a16="http://schemas.microsoft.com/office/drawing/2014/main" id="{827DC2C4-B485-428A-BF4A-472D2967F47F}"/>
+                <a16:creationId xmlns:a16="http://schemas.microsoft.com/office/drawing/2014/main" id="{830A36F8-48C2-4842-A87B-8CE8DF4E7FD2}"/>
               </a:ext>
               <a:ext uri="{C183D7F6-B498-43B3-948B-1728B52AA6E4}">
-                <adec:decorative xmlns:adec="http://schemas.microsoft.com/office/drawing/2017/decorative" val="1"/>
+                <adec:decorative xmlns="" xmlns:adec="http://schemas.microsoft.com/office/drawing/2017/decorative" val="1"/>
               </a:ext>
             </a:extLst>
           </p:cNvPr>
@@ -4619,10 +7428,10 @@
           <p:cNvPr id="14" name="Rectangle 13">
             <a:extLst>
               <a:ext uri="{FF2B5EF4-FFF2-40B4-BE49-F238E27FC236}">
-                <a16:creationId xmlns:a16="http://schemas.microsoft.com/office/drawing/2014/main" id="{EE04B5EB-F158-4507-90DD-BD23620C7CC9}"/>
+                <a16:creationId xmlns:a16="http://schemas.microsoft.com/office/drawing/2014/main" id="{8F451A30-466B-4996-9BA5-CD6ABCC6D558}"/>
               </a:ext>
               <a:ext uri="{C183D7F6-B498-43B3-948B-1728B52AA6E4}">
-                <adec:decorative xmlns:adec="http://schemas.microsoft.com/office/drawing/2017/decorative" val="1"/>
+                <adec:decorative xmlns="" xmlns:adec="http://schemas.microsoft.com/office/drawing/2017/decorative" val="1"/>
               </a:ext>
             </a:extLst>
           </p:cNvPr>
@@ -4685,7 +7494,7 @@
           <p:cNvPr id="2" name="Заголовок 1">
             <a:extLst>
               <a:ext uri="{FF2B5EF4-FFF2-40B4-BE49-F238E27FC236}">
-                <a16:creationId xmlns:a16="http://schemas.microsoft.com/office/drawing/2014/main" id="{CBB06943-A883-964A-ED86-C6835A1F7DCF}"/>
+                <a16:creationId xmlns:a16="http://schemas.microsoft.com/office/drawing/2014/main" id="{C9A74BC9-1272-A8E9-5918-34612138E054}"/>
               </a:ext>
             </a:extLst>
           </p:cNvPr>
@@ -4698,80 +7507,21 @@
         </p:nvSpPr>
         <p:spPr>
           <a:xfrm>
-            <a:off x="860425" y="713536"/>
-            <a:ext cx="7188200" cy="739210"/>
+            <a:off x="923332" y="361354"/>
+            <a:ext cx="9984615" cy="1597228"/>
           </a:xfrm>
         </p:spPr>
         <p:txBody>
-          <a:bodyPr vert="horz" lIns="91440" tIns="45720" rIns="91440" bIns="45720" rtlCol="0" anchor="b">
+          <a:bodyPr>
             <a:normAutofit/>
           </a:bodyPr>
           <a:lstStyle/>
           <a:p>
-            <a:pPr marL="342900" indent="-342900" algn="r"/>
-            <a:r>
-              <a:rPr lang="en-US" sz="4500" kern="1200" dirty="0" err="1">
-                <a:solidFill>
-                  <a:schemeClr val="tx1"/>
-                </a:solidFill>
-                <a:latin typeface="+mj-lt"/>
-                <a:ea typeface="+mj-ea"/>
-                <a:cs typeface="+mj-cs"/>
-              </a:rPr>
-              <a:t>Загальний</a:t>
-            </a:r>
-            <a:r>
-              <a:rPr lang="en-US" sz="4500" kern="1200" dirty="0">
-                <a:solidFill>
-                  <a:schemeClr val="tx1"/>
-                </a:solidFill>
-                <a:latin typeface="+mj-lt"/>
-                <a:ea typeface="+mj-ea"/>
-                <a:cs typeface="+mj-cs"/>
-              </a:rPr>
-              <a:t> </a:t>
-            </a:r>
-            <a:r>
-              <a:rPr lang="en-US" sz="4500" kern="1200" dirty="0" err="1">
-                <a:solidFill>
-                  <a:schemeClr val="tx1"/>
-                </a:solidFill>
-                <a:latin typeface="+mj-lt"/>
-                <a:ea typeface="+mj-ea"/>
-                <a:cs typeface="+mj-cs"/>
-              </a:rPr>
-              <a:t>список</a:t>
-            </a:r>
-            <a:r>
-              <a:rPr lang="en-US" sz="4500" kern="1200" dirty="0">
-                <a:solidFill>
-                  <a:schemeClr val="tx1"/>
-                </a:solidFill>
-                <a:latin typeface="+mj-lt"/>
-                <a:ea typeface="+mj-ea"/>
-                <a:cs typeface="+mj-cs"/>
-              </a:rPr>
-              <a:t> </a:t>
-            </a:r>
-            <a:r>
-              <a:rPr lang="en-US" sz="4500" kern="1200" dirty="0" err="1">
-                <a:solidFill>
-                  <a:schemeClr val="tx1"/>
-                </a:solidFill>
-                <a:latin typeface="+mj-lt"/>
-                <a:ea typeface="+mj-ea"/>
-                <a:cs typeface="+mj-cs"/>
-              </a:rPr>
-              <a:t>вакансій</a:t>
-            </a:r>
-            <a:endParaRPr lang="en-US" sz="4500" kern="1200" dirty="0">
-              <a:solidFill>
-                <a:schemeClr val="tx1"/>
-              </a:solidFill>
-              <a:latin typeface="+mj-lt"/>
-              <a:ea typeface="+mj-ea"/>
-              <a:cs typeface="+mj-cs"/>
-            </a:endParaRPr>
+            <a:r>
+              <a:rPr lang="uk-UA" dirty="0" smtClean="0"/>
+              <a:t>Приклад реєстрації на сайті</a:t>
+            </a:r>
+            <a:endParaRPr lang="uk-UA" dirty="0"/>
           </a:p>
         </p:txBody>
       </p:sp>
@@ -4780,7 +7530,7 @@
           <p:cNvPr id="5" name="Рисунок 4">
             <a:extLst>
               <a:ext uri="{FF2B5EF4-FFF2-40B4-BE49-F238E27FC236}">
-                <a16:creationId xmlns:a16="http://schemas.microsoft.com/office/drawing/2014/main" id="{F9D90B5D-5CFD-1087-3D3B-D82E6A77A715}"/>
+                <a16:creationId xmlns:a16="http://schemas.microsoft.com/office/drawing/2014/main" id="{6FCA6D41-7D89-16AD-C513-2A41A270F093}"/>
               </a:ext>
             </a:extLst>
           </p:cNvPr>
@@ -4797,8 +7547,101 @@
         </p:blipFill>
         <p:spPr>
           <a:xfrm>
-            <a:off x="1084536" y="1452746"/>
-            <a:ext cx="8288063" cy="4454832"/>
+            <a:off x="664388" y="1457582"/>
+            <a:ext cx="5381305" cy="3599690"/>
+          </a:xfrm>
+          <a:prstGeom prst="rect">
+            <a:avLst/>
+          </a:prstGeom>
+        </p:spPr>
+      </p:pic>
+      <p:sp>
+        <p:nvSpPr>
+          <p:cNvPr id="3" name="Місце для вмісту 2">
+            <a:extLst>
+              <a:ext uri="{FF2B5EF4-FFF2-40B4-BE49-F238E27FC236}">
+                <a16:creationId xmlns:a16="http://schemas.microsoft.com/office/drawing/2014/main" id="{A515688D-BFA3-6993-15D4-F273D001A78B}"/>
+              </a:ext>
+            </a:extLst>
+          </p:cNvPr>
+          <p:cNvSpPr>
+            <a:spLocks noGrp="1"/>
+          </p:cNvSpPr>
+          <p:nvPr>
+            <p:ph idx="1"/>
+          </p:nvPr>
+        </p:nvSpPr>
+        <p:spPr>
+          <a:xfrm>
+            <a:off x="9749501" y="4109074"/>
+            <a:ext cx="2880009" cy="2901481"/>
+          </a:xfrm>
+        </p:spPr>
+        <p:txBody>
+          <a:bodyPr anchor="t">
+            <a:normAutofit/>
+          </a:bodyPr>
+          <a:lstStyle/>
+          <a:p>
+            <a:pPr marL="0" indent="0">
+              <a:buNone/>
+            </a:pPr>
+            <a:endParaRPr lang="ru-RU" sz="1800" dirty="0"/>
+          </a:p>
+          <a:p>
+            <a:pPr lvl="1"/>
+            <a:endParaRPr lang="ru-RU" sz="2000" dirty="0" smtClean="0"/>
+          </a:p>
+          <a:p>
+            <a:pPr lvl="1"/>
+            <a:endParaRPr lang="ru-RU" sz="2000" dirty="0"/>
+          </a:p>
+          <a:p>
+            <a:pPr marL="457200" lvl="1" indent="0">
+              <a:buNone/>
+            </a:pPr>
+            <a:endParaRPr lang="ru-RU" sz="2000" dirty="0"/>
+          </a:p>
+          <a:p>
+            <a:pPr lvl="1"/>
+            <a:endParaRPr lang="ru-RU" sz="2000" dirty="0"/>
+          </a:p>
+          <a:p>
+            <a:pPr lvl="1"/>
+            <a:endParaRPr lang="ru-RU" sz="2000" dirty="0"/>
+          </a:p>
+          <a:p>
+            <a:pPr lvl="1"/>
+            <a:endParaRPr lang="ru-RU" sz="2000" dirty="0"/>
+          </a:p>
+          <a:p>
+            <a:pPr lvl="1"/>
+            <a:endParaRPr lang="ru-RU" sz="2000" dirty="0"/>
+          </a:p>
+          <a:p>
+            <a:pPr lvl="1"/>
+            <a:endParaRPr lang="ru-RU" sz="2000" dirty="0"/>
+          </a:p>
+        </p:txBody>
+      </p:sp>
+      <p:pic>
+        <p:nvPicPr>
+          <p:cNvPr id="4" name="Рисунок 3"/>
+          <p:cNvPicPr>
+            <a:picLocks noChangeAspect="1"/>
+          </p:cNvPicPr>
+          <p:nvPr/>
+        </p:nvPicPr>
+        <p:blipFill>
+          <a:blip r:embed="rId3"/>
+          <a:stretch>
+            <a:fillRect/>
+          </a:stretch>
+        </p:blipFill>
+        <p:spPr>
+          <a:xfrm>
+            <a:off x="6178858" y="1457582"/>
+            <a:ext cx="5367969" cy="3663873"/>
           </a:xfrm>
           <a:prstGeom prst="rect">
             <a:avLst/>
@@ -4808,7 +7651,7 @@
     </p:spTree>
     <p:extLst>
       <p:ext uri="{BB962C8B-B14F-4D97-AF65-F5344CB8AC3E}">
-        <p14:creationId xmlns:p14="http://schemas.microsoft.com/office/powerpoint/2010/main" val="2578214800"/>
+        <p14:creationId xmlns:p14="http://schemas.microsoft.com/office/powerpoint/2010/main" val="3353221791"/>
       </p:ext>
     </p:extLst>
   </p:cSld>
@@ -4851,7 +7694,7 @@
                 <a16:creationId xmlns:a16="http://schemas.microsoft.com/office/drawing/2014/main" id="{19D32F93-50AC-4C46-A5DB-291C60DDB7BD}"/>
               </a:ext>
               <a:ext uri="{C183D7F6-B498-43B3-948B-1728B52AA6E4}">
-                <adec:decorative xmlns:adec="http://schemas.microsoft.com/office/drawing/2017/decorative" val="1"/>
+                <adec:decorative xmlns="" xmlns:adec="http://schemas.microsoft.com/office/drawing/2017/decorative" val="1"/>
               </a:ext>
             </a:extLst>
           </p:cNvPr>
@@ -4911,7 +7754,7 @@
                 <a16:creationId xmlns:a16="http://schemas.microsoft.com/office/drawing/2014/main" id="{827DC2C4-B485-428A-BF4A-472D2967F47F}"/>
               </a:ext>
               <a:ext uri="{C183D7F6-B498-43B3-948B-1728B52AA6E4}">
-                <adec:decorative xmlns:adec="http://schemas.microsoft.com/office/drawing/2017/decorative" val="1"/>
+                <adec:decorative xmlns="" xmlns:adec="http://schemas.microsoft.com/office/drawing/2017/decorative" val="1"/>
               </a:ext>
             </a:extLst>
           </p:cNvPr>
@@ -4974,7 +7817,7 @@
                 <a16:creationId xmlns:a16="http://schemas.microsoft.com/office/drawing/2014/main" id="{EE04B5EB-F158-4507-90DD-BD23620C7CC9}"/>
               </a:ext>
               <a:ext uri="{C183D7F6-B498-43B3-948B-1728B52AA6E4}">
-                <adec:decorative xmlns:adec="http://schemas.microsoft.com/office/drawing/2017/decorative" val="1"/>
+                <adec:decorative xmlns="" xmlns:adec="http://schemas.microsoft.com/office/drawing/2017/decorative" val="1"/>
               </a:ext>
             </a:extLst>
           </p:cNvPr>
@@ -5037,7 +7880,7 @@
           <p:cNvPr id="2" name="Заголовок 1">
             <a:extLst>
               <a:ext uri="{FF2B5EF4-FFF2-40B4-BE49-F238E27FC236}">
-                <a16:creationId xmlns:a16="http://schemas.microsoft.com/office/drawing/2014/main" id="{D6D290D9-E1C8-44A8-D106-6D45A1D7C4B1}"/>
+                <a16:creationId xmlns:a16="http://schemas.microsoft.com/office/drawing/2014/main" id="{4D4F2EDC-9503-BDEB-D5CE-9E34FC06B686}"/>
               </a:ext>
             </a:extLst>
           </p:cNvPr>
@@ -5050,17 +7893,24 @@
         </p:nvSpPr>
         <p:spPr>
           <a:xfrm>
-            <a:off x="641774" y="741399"/>
-            <a:ext cx="6645274" cy="611151"/>
+            <a:off x="641774" y="623275"/>
+            <a:ext cx="10339904" cy="2173251"/>
           </a:xfrm>
         </p:spPr>
         <p:txBody>
           <a:bodyPr vert="horz" lIns="91440" tIns="45720" rIns="91440" bIns="45720" rtlCol="0" anchor="b">
-            <a:normAutofit fontScale="90000"/>
+            <a:normAutofit/>
           </a:bodyPr>
           <a:lstStyle/>
           <a:p>
-            <a:pPr marL="342900" indent="-342900" algn="r"/>
+            <a:pPr marL="342900" lvl="1" indent="-342900" algn="r" rtl="0">
+              <a:lnSpc>
+                <a:spcPct val="90000"/>
+              </a:lnSpc>
+              <a:spcBef>
+                <a:spcPct val="0"/>
+              </a:spcBef>
+            </a:pPr>
             <a:r>
               <a:rPr lang="en-US" sz="4500" kern="1200" dirty="0" err="1">
                 <a:solidFill>
@@ -5070,7 +7920,7 @@
                 <a:ea typeface="+mj-ea"/>
                 <a:cs typeface="+mj-cs"/>
               </a:rPr>
-              <a:t>Додавання</a:t>
+              <a:t>Особистий</a:t>
             </a:r>
             <a:r>
               <a:rPr lang="en-US" sz="4500" kern="1200" dirty="0">
@@ -5092,7 +7942,7 @@
                 <a:ea typeface="+mj-ea"/>
                 <a:cs typeface="+mj-cs"/>
               </a:rPr>
-              <a:t>своєї</a:t>
+              <a:t>кабінет</a:t>
             </a:r>
             <a:r>
               <a:rPr lang="en-US" sz="4500" kern="1200" dirty="0">
@@ -5114,8 +7964,50 @@
                 <a:ea typeface="+mj-ea"/>
                 <a:cs typeface="+mj-cs"/>
               </a:rPr>
-              <a:t>вакансії</a:t>
-            </a:r>
+              <a:t>користувача</a:t>
+            </a:r>
+            <a:r>
+              <a:rPr lang="en-US" sz="4500" kern="1200" dirty="0">
+                <a:solidFill>
+                  <a:schemeClr val="tx1"/>
+                </a:solidFill>
+                <a:latin typeface="+mj-lt"/>
+                <a:ea typeface="+mj-ea"/>
+                <a:cs typeface="+mj-cs"/>
+              </a:rPr>
+              <a:t/>
+            </a:r>
+            <a:br>
+              <a:rPr lang="en-US" sz="4500" kern="1200" dirty="0">
+                <a:solidFill>
+                  <a:schemeClr val="tx1"/>
+                </a:solidFill>
+                <a:latin typeface="+mj-lt"/>
+                <a:ea typeface="+mj-ea"/>
+                <a:cs typeface="+mj-cs"/>
+              </a:rPr>
+            </a:br>
+            <a:r>
+              <a:rPr lang="en-US" sz="4500" kern="1200" dirty="0">
+                <a:solidFill>
+                  <a:schemeClr val="tx1"/>
+                </a:solidFill>
+                <a:latin typeface="+mj-lt"/>
+                <a:ea typeface="+mj-ea"/>
+                <a:cs typeface="+mj-cs"/>
+              </a:rPr>
+              <a:t/>
+            </a:r>
+            <a:br>
+              <a:rPr lang="en-US" sz="4500" kern="1200" dirty="0">
+                <a:solidFill>
+                  <a:schemeClr val="tx1"/>
+                </a:solidFill>
+                <a:latin typeface="+mj-lt"/>
+                <a:ea typeface="+mj-ea"/>
+                <a:cs typeface="+mj-cs"/>
+              </a:rPr>
+            </a:br>
             <a:endParaRPr lang="en-US" sz="4500" kern="1200" dirty="0">
               <a:solidFill>
                 <a:schemeClr val="tx1"/>
@@ -5132,7 +8024,7 @@
           <p:cNvPr id="5" name="Рисунок 4">
             <a:extLst>
               <a:ext uri="{FF2B5EF4-FFF2-40B4-BE49-F238E27FC236}">
-                <a16:creationId xmlns:a16="http://schemas.microsoft.com/office/drawing/2014/main" id="{299BC315-D5A9-7B45-316A-38522251887E}"/>
+                <a16:creationId xmlns:a16="http://schemas.microsoft.com/office/drawing/2014/main" id="{20887A51-ABBD-AE9A-EB45-67B474FCC0B7}"/>
               </a:ext>
             </a:extLst>
           </p:cNvPr>
@@ -5149,8 +8041,8 @@
         </p:blipFill>
         <p:spPr>
           <a:xfrm>
-            <a:off x="837536" y="1449952"/>
-            <a:ext cx="8763663" cy="4666649"/>
+            <a:off x="968806" y="1448190"/>
+            <a:ext cx="8796629" cy="4684203"/>
           </a:xfrm>
           <a:prstGeom prst="rect">
             <a:avLst/>
@@ -5160,7 +8052,7 @@
     </p:spTree>
     <p:extLst>
       <p:ext uri="{BB962C8B-B14F-4D97-AF65-F5344CB8AC3E}">
-        <p14:creationId xmlns:p14="http://schemas.microsoft.com/office/powerpoint/2010/main" val="2480266929"/>
+        <p14:creationId xmlns:p14="http://schemas.microsoft.com/office/powerpoint/2010/main" val="35274158"/>
       </p:ext>
     </p:extLst>
   </p:cSld>
@@ -5200,10 +8092,10 @@
           <p:cNvPr id="10" name="Rectangle 9">
             <a:extLst>
               <a:ext uri="{FF2B5EF4-FFF2-40B4-BE49-F238E27FC236}">
-                <a16:creationId xmlns:a16="http://schemas.microsoft.com/office/drawing/2014/main" id="{081EA652-8C6A-4E69-BEB9-170809474553}"/>
+                <a16:creationId xmlns:a16="http://schemas.microsoft.com/office/drawing/2014/main" id="{19D32F93-50AC-4C46-A5DB-291C60DDB7BD}"/>
               </a:ext>
               <a:ext uri="{C183D7F6-B498-43B3-948B-1728B52AA6E4}">
-                <adec:decorative xmlns:adec="http://schemas.microsoft.com/office/drawing/2017/decorative" val="1"/>
+                <adec:decorative xmlns="" xmlns:adec="http://schemas.microsoft.com/office/drawing/2017/decorative" val="1"/>
               </a:ext>
             </a:extLst>
           </p:cNvPr>
@@ -5260,10 +8152,10 @@
           <p:cNvPr id="12" name="Right Triangle 11">
             <a:extLst>
               <a:ext uri="{FF2B5EF4-FFF2-40B4-BE49-F238E27FC236}">
-                <a16:creationId xmlns:a16="http://schemas.microsoft.com/office/drawing/2014/main" id="{5298780A-33B9-4EA2-8F67-DE68AD62841B}"/>
+                <a16:creationId xmlns:a16="http://schemas.microsoft.com/office/drawing/2014/main" id="{827DC2C4-B485-428A-BF4A-472D2967F47F}"/>
               </a:ext>
               <a:ext uri="{C183D7F6-B498-43B3-948B-1728B52AA6E4}">
-                <adec:decorative xmlns:adec="http://schemas.microsoft.com/office/drawing/2017/decorative" val="1"/>
+                <adec:decorative xmlns="" xmlns:adec="http://schemas.microsoft.com/office/drawing/2017/decorative" val="1"/>
               </a:ext>
             </a:extLst>
           </p:cNvPr>
@@ -5323,10 +8215,10 @@
           <p:cNvPr id="14" name="Rectangle 13">
             <a:extLst>
               <a:ext uri="{FF2B5EF4-FFF2-40B4-BE49-F238E27FC236}">
-                <a16:creationId xmlns:a16="http://schemas.microsoft.com/office/drawing/2014/main" id="{7F488E8B-4E1E-4402-8935-D4E6C02615C7}"/>
+                <a16:creationId xmlns:a16="http://schemas.microsoft.com/office/drawing/2014/main" id="{EE04B5EB-F158-4507-90DD-BD23620C7CC9}"/>
               </a:ext>
               <a:ext uri="{C183D7F6-B498-43B3-948B-1728B52AA6E4}">
-                <adec:decorative xmlns:adec="http://schemas.microsoft.com/office/drawing/2017/decorative" val="1"/>
+                <adec:decorative xmlns="" xmlns:adec="http://schemas.microsoft.com/office/drawing/2017/decorative" val="1"/>
               </a:ext>
             </a:extLst>
           </p:cNvPr>
@@ -5389,7 +8281,7 @@
           <p:cNvPr id="2" name="Заголовок 1">
             <a:extLst>
               <a:ext uri="{FF2B5EF4-FFF2-40B4-BE49-F238E27FC236}">
-                <a16:creationId xmlns:a16="http://schemas.microsoft.com/office/drawing/2014/main" id="{2EC89083-19DA-56A2-AC31-8DBCDA755784}"/>
+                <a16:creationId xmlns:a16="http://schemas.microsoft.com/office/drawing/2014/main" id="{CBB06943-A883-964A-ED86-C6835A1F7DCF}"/>
               </a:ext>
             </a:extLst>
           </p:cNvPr>
@@ -5402,19 +8294,19 @@
         </p:nvSpPr>
         <p:spPr>
           <a:xfrm>
-            <a:off x="1285240" y="1050595"/>
-            <a:ext cx="8074815" cy="1618489"/>
+            <a:off x="860425" y="713536"/>
+            <a:ext cx="9721758" cy="739210"/>
           </a:xfrm>
         </p:spPr>
         <p:txBody>
-          <a:bodyPr vert="horz" lIns="91440" tIns="45720" rIns="91440" bIns="45720" rtlCol="0" anchor="ctr">
+          <a:bodyPr vert="horz" lIns="91440" tIns="45720" rIns="91440" bIns="45720" rtlCol="0" anchor="b">
             <a:normAutofit/>
           </a:bodyPr>
           <a:lstStyle/>
           <a:p>
-            <a:pPr marL="342900" indent="-342900"/>
-            <a:r>
-              <a:rPr lang="en-US" sz="5000" kern="1200">
+            <a:pPr marL="342900" indent="-342900" algn="r"/>
+            <a:r>
+              <a:rPr lang="en-US" sz="4500" kern="1200" dirty="0" err="1">
                 <a:solidFill>
                   <a:schemeClr val="tx1"/>
                 </a:solidFill>
@@ -5422,59 +8314,97 @@
                 <a:ea typeface="+mj-ea"/>
                 <a:cs typeface="+mj-cs"/>
               </a:rPr>
-              <a:t>Чому саме цей функціонал?</a:t>
-            </a:r>
-          </a:p>
-        </p:txBody>
-      </p:sp>
-      <p:sp>
-        <p:nvSpPr>
-          <p:cNvPr id="5" name="TextBox 4">
-            <a:extLst>
-              <a:ext uri="{FF2B5EF4-FFF2-40B4-BE49-F238E27FC236}">
-                <a16:creationId xmlns:a16="http://schemas.microsoft.com/office/drawing/2014/main" id="{B868FBAC-1D11-4B43-A255-1692ACD89804}"/>
-              </a:ext>
-            </a:extLst>
-          </p:cNvPr>
-          <p:cNvSpPr txBox="1"/>
+              <a:t>Загальний</a:t>
+            </a:r>
+            <a:r>
+              <a:rPr lang="en-US" sz="4500" kern="1200" dirty="0">
+                <a:solidFill>
+                  <a:schemeClr val="tx1"/>
+                </a:solidFill>
+                <a:latin typeface="+mj-lt"/>
+                <a:ea typeface="+mj-ea"/>
+                <a:cs typeface="+mj-cs"/>
+              </a:rPr>
+              <a:t> </a:t>
+            </a:r>
+            <a:r>
+              <a:rPr lang="en-US" sz="4500" kern="1200" dirty="0" err="1">
+                <a:solidFill>
+                  <a:schemeClr val="tx1"/>
+                </a:solidFill>
+                <a:latin typeface="+mj-lt"/>
+                <a:ea typeface="+mj-ea"/>
+                <a:cs typeface="+mj-cs"/>
+              </a:rPr>
+              <a:t>список</a:t>
+            </a:r>
+            <a:r>
+              <a:rPr lang="en-US" sz="4500" kern="1200" dirty="0">
+                <a:solidFill>
+                  <a:schemeClr val="tx1"/>
+                </a:solidFill>
+                <a:latin typeface="+mj-lt"/>
+                <a:ea typeface="+mj-ea"/>
+                <a:cs typeface="+mj-cs"/>
+              </a:rPr>
+              <a:t> </a:t>
+            </a:r>
+            <a:r>
+              <a:rPr lang="en-US" sz="4500" kern="1200" dirty="0" err="1">
+                <a:solidFill>
+                  <a:schemeClr val="tx1"/>
+                </a:solidFill>
+                <a:latin typeface="+mj-lt"/>
+                <a:ea typeface="+mj-ea"/>
+                <a:cs typeface="+mj-cs"/>
+              </a:rPr>
+              <a:t>вакансій</a:t>
+            </a:r>
+            <a:endParaRPr lang="en-US" sz="4500" kern="1200" dirty="0">
+              <a:solidFill>
+                <a:schemeClr val="tx1"/>
+              </a:solidFill>
+              <a:latin typeface="+mj-lt"/>
+              <a:ea typeface="+mj-ea"/>
+              <a:cs typeface="+mj-cs"/>
+            </a:endParaRPr>
+          </a:p>
+        </p:txBody>
+      </p:sp>
+      <p:pic>
+        <p:nvPicPr>
+          <p:cNvPr id="5" name="Рисунок 4">
+            <a:extLst>
+              <a:ext uri="{FF2B5EF4-FFF2-40B4-BE49-F238E27FC236}">
+                <a16:creationId xmlns:a16="http://schemas.microsoft.com/office/drawing/2014/main" id="{F9D90B5D-5CFD-1087-3D3B-D82E6A77A715}"/>
+              </a:ext>
+            </a:extLst>
+          </p:cNvPr>
+          <p:cNvPicPr>
+            <a:picLocks noChangeAspect="1"/>
+          </p:cNvPicPr>
           <p:nvPr/>
-        </p:nvSpPr>
+        </p:nvPicPr>
+        <p:blipFill>
+          <a:blip r:embed="rId2"/>
+          <a:stretch>
+            <a:fillRect/>
+          </a:stretch>
+        </p:blipFill>
         <p:spPr>
           <a:xfrm>
-            <a:off x="1285240" y="2969469"/>
-            <a:ext cx="8074815" cy="2800395"/>
+            <a:off x="978004" y="1441559"/>
+            <a:ext cx="8743045" cy="4699385"/>
           </a:xfrm>
           <a:prstGeom prst="rect">
             <a:avLst/>
           </a:prstGeom>
         </p:spPr>
-        <p:txBody>
-          <a:bodyPr vert="horz" lIns="91440" tIns="45720" rIns="91440" bIns="45720" rtlCol="0" anchor="t">
-            <a:normAutofit/>
-          </a:bodyPr>
-          <a:lstStyle/>
-          <a:p>
-            <a:pPr indent="-228600">
-              <a:lnSpc>
-                <a:spcPct val="90000"/>
-              </a:lnSpc>
-              <a:spcAft>
-                <a:spcPts val="600"/>
-              </a:spcAft>
-              <a:buFont typeface="Arial" panose="020B0604020202020204" pitchFamily="34" charset="0"/>
-              <a:buChar char="•"/>
-            </a:pPr>
-            <a:r>
-              <a:rPr lang="en-US" sz="1900"/>
-              <a:t>Обраний функціонал реалізує найважливіші потреби як для шукачів роботи, так і для роботодавців. Кабінет користувача дозволяє зберігати особисту інформацію та редагувати профіль - це забезпечує зручність і персоналізацію. Загальна сторінка вакансій дає можливість швидко знайти потрібну роботу за різними критеріями що економить час користувачів і робить сайт ефективним. Створення власної вакансії дає змогу роботодавцям публікувати пропозиції про роботу без посередників, оперативно реагувати на ринок праці та знаходити кандидатів, які підходять саме їм. Такий набір функцій є базовим і необхідним для будь-якого сучасного сайту з пошуку роботи.</a:t>
-            </a:r>
-          </a:p>
-        </p:txBody>
-      </p:sp>
+      </p:pic>
     </p:spTree>
     <p:extLst>
       <p:ext uri="{BB962C8B-B14F-4D97-AF65-F5344CB8AC3E}">
-        <p14:creationId xmlns:p14="http://schemas.microsoft.com/office/powerpoint/2010/main" val="3698630103"/>
+        <p14:creationId xmlns:p14="http://schemas.microsoft.com/office/powerpoint/2010/main" val="2578214800"/>
       </p:ext>
     </p:extLst>
   </p:cSld>
@@ -5511,13 +8441,13 @@
       </p:grpSpPr>
       <p:sp useBgFill="1">
         <p:nvSpPr>
-          <p:cNvPr id="8" name="Rectangle 7">
-            <a:extLst>
-              <a:ext uri="{FF2B5EF4-FFF2-40B4-BE49-F238E27FC236}">
-                <a16:creationId xmlns:a16="http://schemas.microsoft.com/office/drawing/2014/main" id="{081EA652-8C6A-4E69-BEB9-170809474553}"/>
+          <p:cNvPr id="10" name="Rectangle 9">
+            <a:extLst>
+              <a:ext uri="{FF2B5EF4-FFF2-40B4-BE49-F238E27FC236}">
+                <a16:creationId xmlns:a16="http://schemas.microsoft.com/office/drawing/2014/main" id="{19D32F93-50AC-4C46-A5DB-291C60DDB7BD}"/>
               </a:ext>
               <a:ext uri="{C183D7F6-B498-43B3-948B-1728B52AA6E4}">
-                <adec:decorative xmlns:adec="http://schemas.microsoft.com/office/drawing/2017/decorative" val="1"/>
+                <adec:decorative xmlns="" xmlns:adec="http://schemas.microsoft.com/office/drawing/2017/decorative" val="1"/>
               </a:ext>
             </a:extLst>
           </p:cNvPr>
@@ -5571,13 +8501,13 @@
       </p:sp>
       <p:sp>
         <p:nvSpPr>
-          <p:cNvPr id="10" name="Right Triangle 9">
-            <a:extLst>
-              <a:ext uri="{FF2B5EF4-FFF2-40B4-BE49-F238E27FC236}">
-                <a16:creationId xmlns:a16="http://schemas.microsoft.com/office/drawing/2014/main" id="{5298780A-33B9-4EA2-8F67-DE68AD62841B}"/>
+          <p:cNvPr id="12" name="Right Triangle 11">
+            <a:extLst>
+              <a:ext uri="{FF2B5EF4-FFF2-40B4-BE49-F238E27FC236}">
+                <a16:creationId xmlns:a16="http://schemas.microsoft.com/office/drawing/2014/main" id="{827DC2C4-B485-428A-BF4A-472D2967F47F}"/>
               </a:ext>
               <a:ext uri="{C183D7F6-B498-43B3-948B-1728B52AA6E4}">
-                <adec:decorative xmlns:adec="http://schemas.microsoft.com/office/drawing/2017/decorative" val="1"/>
+                <adec:decorative xmlns="" xmlns:adec="http://schemas.microsoft.com/office/drawing/2017/decorative" val="1"/>
               </a:ext>
             </a:extLst>
           </p:cNvPr>
@@ -5634,13 +8564,13 @@
       </p:sp>
       <p:sp>
         <p:nvSpPr>
-          <p:cNvPr id="12" name="Rectangle 11">
-            <a:extLst>
-              <a:ext uri="{FF2B5EF4-FFF2-40B4-BE49-F238E27FC236}">
-                <a16:creationId xmlns:a16="http://schemas.microsoft.com/office/drawing/2014/main" id="{7F488E8B-4E1E-4402-8935-D4E6C02615C7}"/>
+          <p:cNvPr id="14" name="Rectangle 13">
+            <a:extLst>
+              <a:ext uri="{FF2B5EF4-FFF2-40B4-BE49-F238E27FC236}">
+                <a16:creationId xmlns:a16="http://schemas.microsoft.com/office/drawing/2014/main" id="{EE04B5EB-F158-4507-90DD-BD23620C7CC9}"/>
               </a:ext>
               <a:ext uri="{C183D7F6-B498-43B3-948B-1728B52AA6E4}">
-                <adec:decorative xmlns:adec="http://schemas.microsoft.com/office/drawing/2017/decorative" val="1"/>
+                <adec:decorative xmlns="" xmlns:adec="http://schemas.microsoft.com/office/drawing/2017/decorative" val="1"/>
               </a:ext>
             </a:extLst>
           </p:cNvPr>
@@ -5703,7 +8633,7 @@
           <p:cNvPr id="2" name="Заголовок 1">
             <a:extLst>
               <a:ext uri="{FF2B5EF4-FFF2-40B4-BE49-F238E27FC236}">
-                <a16:creationId xmlns:a16="http://schemas.microsoft.com/office/drawing/2014/main" id="{4A1923D7-4E35-9CA3-556A-2D890FB5AAA3}"/>
+                <a16:creationId xmlns:a16="http://schemas.microsoft.com/office/drawing/2014/main" id="{D6D290D9-E1C8-44A8-D106-6D45A1D7C4B1}"/>
               </a:ext>
             </a:extLst>
           </p:cNvPr>
@@ -5716,103 +8646,117 @@
         </p:nvSpPr>
         <p:spPr>
           <a:xfrm>
-            <a:off x="1285240" y="1050595"/>
-            <a:ext cx="8074815" cy="1618489"/>
+            <a:off x="1369742" y="735327"/>
+            <a:ext cx="8582125" cy="611151"/>
           </a:xfrm>
         </p:spPr>
         <p:txBody>
-          <a:bodyPr anchor="ctr">
-            <a:normAutofit/>
+          <a:bodyPr vert="horz" lIns="91440" tIns="45720" rIns="91440" bIns="45720" rtlCol="0" anchor="b">
+            <a:normAutofit fontScale="90000"/>
           </a:bodyPr>
           <a:lstStyle/>
           <a:p>
-            <a:r>
-              <a:rPr lang="uk-UA" sz="6700"/>
-              <a:t>Мова програмування</a:t>
-            </a:r>
-          </a:p>
-        </p:txBody>
-      </p:sp>
-      <p:sp>
-        <p:nvSpPr>
-          <p:cNvPr id="3" name="Місце для вмісту 2">
-            <a:extLst>
-              <a:ext uri="{FF2B5EF4-FFF2-40B4-BE49-F238E27FC236}">
-                <a16:creationId xmlns:a16="http://schemas.microsoft.com/office/drawing/2014/main" id="{4B9E0984-428A-7407-8618-36C65EE2F8BB}"/>
-              </a:ext>
-            </a:extLst>
-          </p:cNvPr>
-          <p:cNvSpPr>
-            <a:spLocks noGrp="1"/>
-          </p:cNvSpPr>
-          <p:nvPr>
-            <p:ph idx="1"/>
-          </p:nvPr>
-        </p:nvSpPr>
+            <a:pPr marL="342900" indent="-342900" algn="r"/>
+            <a:r>
+              <a:rPr lang="en-US" sz="4500" kern="1200" dirty="0" err="1">
+                <a:solidFill>
+                  <a:schemeClr val="tx1"/>
+                </a:solidFill>
+                <a:latin typeface="+mj-lt"/>
+                <a:ea typeface="+mj-ea"/>
+                <a:cs typeface="+mj-cs"/>
+              </a:rPr>
+              <a:t>Додавання</a:t>
+            </a:r>
+            <a:r>
+              <a:rPr lang="en-US" sz="4500" kern="1200" dirty="0">
+                <a:solidFill>
+                  <a:schemeClr val="tx1"/>
+                </a:solidFill>
+                <a:latin typeface="+mj-lt"/>
+                <a:ea typeface="+mj-ea"/>
+                <a:cs typeface="+mj-cs"/>
+              </a:rPr>
+              <a:t> </a:t>
+            </a:r>
+            <a:r>
+              <a:rPr lang="en-US" sz="4500" kern="1200" dirty="0" err="1">
+                <a:solidFill>
+                  <a:schemeClr val="tx1"/>
+                </a:solidFill>
+                <a:latin typeface="+mj-lt"/>
+                <a:ea typeface="+mj-ea"/>
+                <a:cs typeface="+mj-cs"/>
+              </a:rPr>
+              <a:t>своєї</a:t>
+            </a:r>
+            <a:r>
+              <a:rPr lang="en-US" sz="4500" kern="1200" dirty="0">
+                <a:solidFill>
+                  <a:schemeClr val="tx1"/>
+                </a:solidFill>
+                <a:latin typeface="+mj-lt"/>
+                <a:ea typeface="+mj-ea"/>
+                <a:cs typeface="+mj-cs"/>
+              </a:rPr>
+              <a:t> </a:t>
+            </a:r>
+            <a:r>
+              <a:rPr lang="en-US" sz="4500" kern="1200" dirty="0" err="1">
+                <a:solidFill>
+                  <a:schemeClr val="tx1"/>
+                </a:solidFill>
+                <a:latin typeface="+mj-lt"/>
+                <a:ea typeface="+mj-ea"/>
+                <a:cs typeface="+mj-cs"/>
+              </a:rPr>
+              <a:t>вакансії</a:t>
+            </a:r>
+            <a:endParaRPr lang="en-US" sz="4500" kern="1200" dirty="0">
+              <a:solidFill>
+                <a:schemeClr val="tx1"/>
+              </a:solidFill>
+              <a:latin typeface="+mj-lt"/>
+              <a:ea typeface="+mj-ea"/>
+              <a:cs typeface="+mj-cs"/>
+            </a:endParaRPr>
+          </a:p>
+        </p:txBody>
+      </p:sp>
+      <p:pic>
+        <p:nvPicPr>
+          <p:cNvPr id="5" name="Рисунок 4">
+            <a:extLst>
+              <a:ext uri="{FF2B5EF4-FFF2-40B4-BE49-F238E27FC236}">
+                <a16:creationId xmlns:a16="http://schemas.microsoft.com/office/drawing/2014/main" id="{299BC315-D5A9-7B45-316A-38522251887E}"/>
+              </a:ext>
+            </a:extLst>
+          </p:cNvPr>
+          <p:cNvPicPr>
+            <a:picLocks noChangeAspect="1"/>
+          </p:cNvPicPr>
+          <p:nvPr/>
+        </p:nvPicPr>
+        <p:blipFill>
+          <a:blip r:embed="rId2"/>
+          <a:stretch>
+            <a:fillRect/>
+          </a:stretch>
+        </p:blipFill>
         <p:spPr>
           <a:xfrm>
-            <a:off x="1285240" y="2969469"/>
-            <a:ext cx="8074815" cy="2800395"/>
+            <a:off x="970701" y="1458529"/>
+            <a:ext cx="8763663" cy="4666649"/>
           </a:xfrm>
+          <a:prstGeom prst="rect">
+            <a:avLst/>
+          </a:prstGeom>
         </p:spPr>
-        <p:txBody>
-          <a:bodyPr anchor="t">
-            <a:normAutofit/>
-          </a:bodyPr>
-          <a:lstStyle/>
-          <a:p>
-            <a:r>
-              <a:rPr lang="uk-UA" sz="2400"/>
-              <a:t>Обрано: </a:t>
-            </a:r>
-            <a:r>
-              <a:rPr lang="en-US" sz="2400"/>
-              <a:t>html, java script, css</a:t>
-            </a:r>
-            <a:endParaRPr lang="uk-UA" sz="2400"/>
-          </a:p>
-          <a:p>
-            <a:r>
-              <a:rPr lang="ru-RU" sz="2400"/>
-              <a:t> Чому:</a:t>
-            </a:r>
-          </a:p>
-          <a:p>
-            <a:pPr marL="0" indent="0">
-              <a:buNone/>
-            </a:pPr>
-            <a:r>
-              <a:rPr lang="ru-RU" sz="2400"/>
-              <a:t>- Велика екосистема пакетів</a:t>
-            </a:r>
-          </a:p>
-          <a:p>
-            <a:pPr marL="0" indent="0">
-              <a:buNone/>
-            </a:pPr>
-            <a:r>
-              <a:rPr lang="ru-RU" sz="2400"/>
-              <a:t>- Зручна фронтенд-бекенд інтеграція</a:t>
-            </a:r>
-          </a:p>
-          <a:p>
-            <a:pPr marL="0" indent="0">
-              <a:buNone/>
-            </a:pPr>
-            <a:r>
-              <a:rPr lang="ru-RU" sz="2400"/>
-              <a:t>- Швидкість прототипування</a:t>
-            </a:r>
-          </a:p>
-          <a:p>
-            <a:endParaRPr lang="uk-UA" sz="2400"/>
-          </a:p>
-        </p:txBody>
-      </p:sp>
+      </p:pic>
     </p:spTree>
     <p:extLst>
       <p:ext uri="{BB962C8B-B14F-4D97-AF65-F5344CB8AC3E}">
-        <p14:creationId xmlns:p14="http://schemas.microsoft.com/office/powerpoint/2010/main" val="385141640"/>
+        <p14:creationId xmlns:p14="http://schemas.microsoft.com/office/powerpoint/2010/main" val="2480266929"/>
       </p:ext>
     </p:extLst>
   </p:cSld>
@@ -5849,13 +8793,13 @@
       </p:grpSpPr>
       <p:sp useBgFill="1">
         <p:nvSpPr>
-          <p:cNvPr id="8" name="Rectangle 7">
-            <a:extLst>
-              <a:ext uri="{FF2B5EF4-FFF2-40B4-BE49-F238E27FC236}">
-                <a16:creationId xmlns:a16="http://schemas.microsoft.com/office/drawing/2014/main" id="{081EA652-8C6A-4E69-BEB9-170809474553}"/>
+          <p:cNvPr id="10" name="Rectangle 9">
+            <a:extLst>
+              <a:ext uri="{FF2B5EF4-FFF2-40B4-BE49-F238E27FC236}">
+                <a16:creationId xmlns:a16="http://schemas.microsoft.com/office/drawing/2014/main" id="{19D32F93-50AC-4C46-A5DB-291C60DDB7BD}"/>
               </a:ext>
               <a:ext uri="{C183D7F6-B498-43B3-948B-1728B52AA6E4}">
-                <adec:decorative xmlns:adec="http://schemas.microsoft.com/office/drawing/2017/decorative" val="1"/>
+                <adec:decorative xmlns="" xmlns:adec="http://schemas.microsoft.com/office/drawing/2017/decorative" val="1"/>
               </a:ext>
             </a:extLst>
           </p:cNvPr>
@@ -5909,13 +8853,13 @@
       </p:sp>
       <p:sp>
         <p:nvSpPr>
-          <p:cNvPr id="10" name="Right Triangle 9">
-            <a:extLst>
-              <a:ext uri="{FF2B5EF4-FFF2-40B4-BE49-F238E27FC236}">
-                <a16:creationId xmlns:a16="http://schemas.microsoft.com/office/drawing/2014/main" id="{5298780A-33B9-4EA2-8F67-DE68AD62841B}"/>
+          <p:cNvPr id="12" name="Right Triangle 11">
+            <a:extLst>
+              <a:ext uri="{FF2B5EF4-FFF2-40B4-BE49-F238E27FC236}">
+                <a16:creationId xmlns:a16="http://schemas.microsoft.com/office/drawing/2014/main" id="{827DC2C4-B485-428A-BF4A-472D2967F47F}"/>
               </a:ext>
               <a:ext uri="{C183D7F6-B498-43B3-948B-1728B52AA6E4}">
-                <adec:decorative xmlns:adec="http://schemas.microsoft.com/office/drawing/2017/decorative" val="1"/>
+                <adec:decorative xmlns="" xmlns:adec="http://schemas.microsoft.com/office/drawing/2017/decorative" val="1"/>
               </a:ext>
             </a:extLst>
           </p:cNvPr>
@@ -5972,13 +8916,13 @@
       </p:sp>
       <p:sp>
         <p:nvSpPr>
-          <p:cNvPr id="12" name="Rectangle 11">
-            <a:extLst>
-              <a:ext uri="{FF2B5EF4-FFF2-40B4-BE49-F238E27FC236}">
-                <a16:creationId xmlns:a16="http://schemas.microsoft.com/office/drawing/2014/main" id="{7F488E8B-4E1E-4402-8935-D4E6C02615C7}"/>
+          <p:cNvPr id="14" name="Rectangle 13">
+            <a:extLst>
+              <a:ext uri="{FF2B5EF4-FFF2-40B4-BE49-F238E27FC236}">
+                <a16:creationId xmlns:a16="http://schemas.microsoft.com/office/drawing/2014/main" id="{EE04B5EB-F158-4507-90DD-BD23620C7CC9}"/>
               </a:ext>
               <a:ext uri="{C183D7F6-B498-43B3-948B-1728B52AA6E4}">
-                <adec:decorative xmlns:adec="http://schemas.microsoft.com/office/drawing/2017/decorative" val="1"/>
+                <adec:decorative xmlns="" xmlns:adec="http://schemas.microsoft.com/office/drawing/2017/decorative" val="1"/>
               </a:ext>
             </a:extLst>
           </p:cNvPr>
@@ -6041,7 +8985,7 @@
           <p:cNvPr id="2" name="Заголовок 1">
             <a:extLst>
               <a:ext uri="{FF2B5EF4-FFF2-40B4-BE49-F238E27FC236}">
-                <a16:creationId xmlns:a16="http://schemas.microsoft.com/office/drawing/2014/main" id="{417075C2-34D7-381B-482E-4627E6772417}"/>
+                <a16:creationId xmlns:a16="http://schemas.microsoft.com/office/drawing/2014/main" id="{D6D290D9-E1C8-44A8-D106-6D45A1D7C4B1}"/>
               </a:ext>
             </a:extLst>
           </p:cNvPr>
@@ -6054,90 +8998,67 @@
         </p:nvSpPr>
         <p:spPr>
           <a:xfrm>
-            <a:off x="1285240" y="1050595"/>
-            <a:ext cx="8074815" cy="1618489"/>
+            <a:off x="-199159" y="822643"/>
+            <a:ext cx="10126840" cy="611151"/>
           </a:xfrm>
         </p:spPr>
         <p:txBody>
-          <a:bodyPr anchor="ctr">
-            <a:normAutofit/>
+          <a:bodyPr vert="horz" lIns="91440" tIns="45720" rIns="91440" bIns="45720" rtlCol="0" anchor="b">
+            <a:normAutofit fontScale="90000"/>
           </a:bodyPr>
           <a:lstStyle/>
           <a:p>
-            <a:r>
-              <a:rPr lang="uk-UA" sz="7200"/>
-              <a:t>Розподіл ролей</a:t>
-            </a:r>
-          </a:p>
-        </p:txBody>
-      </p:sp>
-      <p:sp>
-        <p:nvSpPr>
-          <p:cNvPr id="3" name="Місце для вмісту 2">
-            <a:extLst>
-              <a:ext uri="{FF2B5EF4-FFF2-40B4-BE49-F238E27FC236}">
-                <a16:creationId xmlns:a16="http://schemas.microsoft.com/office/drawing/2014/main" id="{6D0EF00D-2559-7452-1900-D79EF75559E1}"/>
-              </a:ext>
-            </a:extLst>
-          </p:cNvPr>
-          <p:cNvSpPr>
-            <a:spLocks noGrp="1"/>
-          </p:cNvSpPr>
-          <p:nvPr>
-            <p:ph idx="1"/>
-          </p:nvPr>
-        </p:nvSpPr>
+            <a:pPr marL="342900" indent="-342900" algn="r"/>
+            <a:r>
+              <a:rPr lang="uk-UA" sz="4500" dirty="0"/>
+              <a:t/>
+            </a:r>
+            <a:br>
+              <a:rPr lang="uk-UA" sz="4500" dirty="0"/>
+            </a:br>
+            <a:r>
+              <a:rPr lang="uk-UA" sz="4500" dirty="0"/>
+              <a:t>Приклад доданої вакансії</a:t>
+            </a:r>
+            <a:endParaRPr lang="en-US" sz="4500" kern="1200" dirty="0">
+              <a:solidFill>
+                <a:schemeClr val="tx1"/>
+              </a:solidFill>
+              <a:latin typeface="+mj-lt"/>
+              <a:ea typeface="+mj-ea"/>
+              <a:cs typeface="+mj-cs"/>
+            </a:endParaRPr>
+          </a:p>
+        </p:txBody>
+      </p:sp>
+      <p:pic>
+        <p:nvPicPr>
+          <p:cNvPr id="6" name="Рисунок 5"/>
+          <p:cNvPicPr>
+            <a:picLocks noChangeAspect="1"/>
+          </p:cNvPicPr>
+          <p:nvPr/>
+        </p:nvPicPr>
+        <p:blipFill>
+          <a:blip r:embed="rId2"/>
+          <a:stretch>
+            <a:fillRect/>
+          </a:stretch>
+        </p:blipFill>
         <p:spPr>
           <a:xfrm>
-            <a:off x="1285240" y="2969469"/>
-            <a:ext cx="8074815" cy="2800395"/>
+            <a:off x="956439" y="1695306"/>
+            <a:ext cx="8971241" cy="4401888"/>
           </a:xfrm>
+          <a:prstGeom prst="rect">
+            <a:avLst/>
+          </a:prstGeom>
         </p:spPr>
-        <p:txBody>
-          <a:bodyPr anchor="t">
-            <a:normAutofit/>
-          </a:bodyPr>
-          <a:lstStyle/>
-          <a:p>
-            <a:r>
-              <a:rPr lang="en-US" sz="2400" dirty="0"/>
-              <a:t>Backend: </a:t>
-            </a:r>
-            <a:r>
-              <a:rPr lang="uk-UA" sz="2400" dirty="0"/>
-              <a:t>Гаврилюк Олександр Олегович </a:t>
-            </a:r>
-          </a:p>
-          <a:p>
-            <a:r>
-              <a:rPr lang="en-US" sz="2400" dirty="0"/>
-              <a:t>Frontend: </a:t>
-            </a:r>
-            <a:r>
-              <a:rPr lang="uk-UA" sz="2400"/>
-              <a:t>Теслюк</a:t>
-            </a:r>
-            <a:r>
-              <a:rPr lang="uk-UA" sz="2400" dirty="0"/>
-              <a:t> Богдан Вікторович</a:t>
-            </a:r>
-          </a:p>
-          <a:p>
-            <a:r>
-              <a:rPr lang="en-US" sz="2400" dirty="0"/>
-              <a:t>DevOps/CI: </a:t>
-            </a:r>
-            <a:r>
-              <a:rPr lang="uk-UA" sz="2400" dirty="0"/>
-              <a:t>Київський Єгор Юрійович</a:t>
-            </a:r>
-          </a:p>
-        </p:txBody>
-      </p:sp>
+      </p:pic>
     </p:spTree>
     <p:extLst>
       <p:ext uri="{BB962C8B-B14F-4D97-AF65-F5344CB8AC3E}">
-        <p14:creationId xmlns:p14="http://schemas.microsoft.com/office/powerpoint/2010/main" val="4140273771"/>
+        <p14:creationId xmlns:p14="http://schemas.microsoft.com/office/powerpoint/2010/main" val="2673625622"/>
       </p:ext>
     </p:extLst>
   </p:cSld>
@@ -6174,13 +9095,13 @@
       </p:grpSpPr>
       <p:sp useBgFill="1">
         <p:nvSpPr>
-          <p:cNvPr id="8" name="Rectangle 7">
-            <a:extLst>
-              <a:ext uri="{FF2B5EF4-FFF2-40B4-BE49-F238E27FC236}">
-                <a16:creationId xmlns:a16="http://schemas.microsoft.com/office/drawing/2014/main" id="{081EA652-8C6A-4E69-BEB9-170809474553}"/>
+          <p:cNvPr id="10" name="Rectangle 9">
+            <a:extLst>
+              <a:ext uri="{FF2B5EF4-FFF2-40B4-BE49-F238E27FC236}">
+                <a16:creationId xmlns:a16="http://schemas.microsoft.com/office/drawing/2014/main" id="{19D32F93-50AC-4C46-A5DB-291C60DDB7BD}"/>
               </a:ext>
               <a:ext uri="{C183D7F6-B498-43B3-948B-1728B52AA6E4}">
-                <adec:decorative xmlns:adec="http://schemas.microsoft.com/office/drawing/2017/decorative" val="1"/>
+                <adec:decorative xmlns="" xmlns:adec="http://schemas.microsoft.com/office/drawing/2017/decorative" val="1"/>
               </a:ext>
             </a:extLst>
           </p:cNvPr>
@@ -6234,13 +9155,13 @@
       </p:sp>
       <p:sp>
         <p:nvSpPr>
-          <p:cNvPr id="10" name="Right Triangle 9">
-            <a:extLst>
-              <a:ext uri="{FF2B5EF4-FFF2-40B4-BE49-F238E27FC236}">
-                <a16:creationId xmlns:a16="http://schemas.microsoft.com/office/drawing/2014/main" id="{5298780A-33B9-4EA2-8F67-DE68AD62841B}"/>
+          <p:cNvPr id="12" name="Right Triangle 11">
+            <a:extLst>
+              <a:ext uri="{FF2B5EF4-FFF2-40B4-BE49-F238E27FC236}">
+                <a16:creationId xmlns:a16="http://schemas.microsoft.com/office/drawing/2014/main" id="{827DC2C4-B485-428A-BF4A-472D2967F47F}"/>
               </a:ext>
               <a:ext uri="{C183D7F6-B498-43B3-948B-1728B52AA6E4}">
-                <adec:decorative xmlns:adec="http://schemas.microsoft.com/office/drawing/2017/decorative" val="1"/>
+                <adec:decorative xmlns="" xmlns:adec="http://schemas.microsoft.com/office/drawing/2017/decorative" val="1"/>
               </a:ext>
             </a:extLst>
           </p:cNvPr>
@@ -6297,13 +9218,13 @@
       </p:sp>
       <p:sp>
         <p:nvSpPr>
-          <p:cNvPr id="12" name="Rectangle 11">
-            <a:extLst>
-              <a:ext uri="{FF2B5EF4-FFF2-40B4-BE49-F238E27FC236}">
-                <a16:creationId xmlns:a16="http://schemas.microsoft.com/office/drawing/2014/main" id="{7F488E8B-4E1E-4402-8935-D4E6C02615C7}"/>
+          <p:cNvPr id="14" name="Rectangle 13">
+            <a:extLst>
+              <a:ext uri="{FF2B5EF4-FFF2-40B4-BE49-F238E27FC236}">
+                <a16:creationId xmlns:a16="http://schemas.microsoft.com/office/drawing/2014/main" id="{EE04B5EB-F158-4507-90DD-BD23620C7CC9}"/>
               </a:ext>
               <a:ext uri="{C183D7F6-B498-43B3-948B-1728B52AA6E4}">
-                <adec:decorative xmlns:adec="http://schemas.microsoft.com/office/drawing/2017/decorative" val="1"/>
+                <adec:decorative xmlns="" xmlns:adec="http://schemas.microsoft.com/office/drawing/2017/decorative" val="1"/>
               </a:ext>
             </a:extLst>
           </p:cNvPr>
@@ -6366,7 +9287,7 @@
           <p:cNvPr id="2" name="Заголовок 1">
             <a:extLst>
               <a:ext uri="{FF2B5EF4-FFF2-40B4-BE49-F238E27FC236}">
-                <a16:creationId xmlns:a16="http://schemas.microsoft.com/office/drawing/2014/main" id="{08B30724-3E41-A0F4-04CD-83E037DE5B81}"/>
+                <a16:creationId xmlns:a16="http://schemas.microsoft.com/office/drawing/2014/main" id="{D6D290D9-E1C8-44A8-D106-6D45A1D7C4B1}"/>
               </a:ext>
             </a:extLst>
           </p:cNvPr>
@@ -6379,97 +9300,119 @@
         </p:nvSpPr>
         <p:spPr>
           <a:xfrm>
-            <a:off x="1285240" y="1050595"/>
-            <a:ext cx="8074815" cy="1618489"/>
+            <a:off x="-199159" y="822643"/>
+            <a:ext cx="10126840" cy="611151"/>
           </a:xfrm>
         </p:spPr>
         <p:txBody>
-          <a:bodyPr anchor="ctr">
-            <a:normAutofit/>
+          <a:bodyPr vert="horz" lIns="91440" tIns="45720" rIns="91440" bIns="45720" rtlCol="0" anchor="b">
+            <a:normAutofit fontScale="90000"/>
           </a:bodyPr>
           <a:lstStyle/>
           <a:p>
-            <a:r>
-              <a:rPr lang="uk-UA" sz="5000"/>
-              <a:t>Дедлайн та подальші кроки</a:t>
-            </a:r>
-          </a:p>
-        </p:txBody>
-      </p:sp>
-      <p:sp>
-        <p:nvSpPr>
-          <p:cNvPr id="3" name="Місце для вмісту 2">
-            <a:extLst>
-              <a:ext uri="{FF2B5EF4-FFF2-40B4-BE49-F238E27FC236}">
-                <a16:creationId xmlns:a16="http://schemas.microsoft.com/office/drawing/2014/main" id="{2C856337-D6BA-4376-1E96-AC0776991977}"/>
-              </a:ext>
-            </a:extLst>
-          </p:cNvPr>
-          <p:cNvSpPr>
-            <a:spLocks noGrp="1"/>
-          </p:cNvSpPr>
-          <p:nvPr>
-            <p:ph idx="1"/>
-          </p:nvPr>
-        </p:nvSpPr>
+            <a:pPr marL="342900" indent="-342900" algn="r"/>
+            <a:r>
+              <a:rPr lang="uk-UA" sz="4500" dirty="0"/>
+              <a:t/>
+            </a:r>
+            <a:br>
+              <a:rPr lang="uk-UA" sz="4500" dirty="0"/>
+            </a:br>
+            <a:r>
+              <a:rPr lang="uk-UA" sz="4500" dirty="0"/>
+              <a:t>Приклад </a:t>
+            </a:r>
+            <a:r>
+              <a:rPr lang="uk-UA" sz="4500" dirty="0" smtClean="0"/>
+              <a:t>видалення вакансії</a:t>
+            </a:r>
+            <a:endParaRPr lang="en-US" sz="4500" kern="1200" dirty="0">
+              <a:solidFill>
+                <a:schemeClr val="tx1"/>
+              </a:solidFill>
+              <a:latin typeface="+mj-lt"/>
+              <a:ea typeface="+mj-ea"/>
+              <a:cs typeface="+mj-cs"/>
+            </a:endParaRPr>
+          </a:p>
+        </p:txBody>
+      </p:sp>
+      <p:pic>
+        <p:nvPicPr>
+          <p:cNvPr id="3" name="Рисунок 2"/>
+          <p:cNvPicPr>
+            <a:picLocks noChangeAspect="1"/>
+          </p:cNvPicPr>
+          <p:nvPr/>
+        </p:nvPicPr>
+        <p:blipFill>
+          <a:blip r:embed="rId2"/>
+          <a:stretch>
+            <a:fillRect/>
+          </a:stretch>
+        </p:blipFill>
         <p:spPr>
           <a:xfrm>
-            <a:off x="1285240" y="2969469"/>
-            <a:ext cx="8074815" cy="2800395"/>
+            <a:off x="979561" y="1433794"/>
+            <a:ext cx="4429914" cy="3257070"/>
           </a:xfrm>
+          <a:prstGeom prst="rect">
+            <a:avLst/>
+          </a:prstGeom>
         </p:spPr>
-        <p:txBody>
-          <a:bodyPr anchor="t">
-            <a:normAutofit/>
-          </a:bodyPr>
-          <a:lstStyle/>
-          <a:p>
-            <a:r>
-              <a:rPr lang="ru-RU" sz="2400"/>
-              <a:t>Завантажити</a:t>
-            </a:r>
-            <a:r>
-              <a:rPr lang="ru-RU" sz="2400" dirty="0"/>
-              <a:t> до: 17.07, 18:00</a:t>
-            </a:r>
-          </a:p>
-          <a:p>
-            <a:r>
-              <a:rPr lang="ru-RU" sz="2400"/>
-              <a:t>Оцінювання</a:t>
-            </a:r>
-            <a:r>
-              <a:rPr lang="ru-RU" sz="2400" dirty="0"/>
-              <a:t>: 18.07</a:t>
-            </a:r>
-          </a:p>
-          <a:p>
-            <a:r>
-              <a:rPr lang="ru-RU" sz="2400"/>
-              <a:t>Обговорення</a:t>
-            </a:r>
-            <a:r>
-              <a:rPr lang="ru-RU" sz="2400" dirty="0"/>
-              <a:t> </a:t>
-            </a:r>
-            <a:r>
-              <a:rPr lang="ru-RU" sz="2400"/>
-              <a:t>результатів</a:t>
-            </a:r>
-            <a:r>
-              <a:rPr lang="ru-RU" sz="2400" dirty="0"/>
-              <a:t>: 19.07 (перша пара)</a:t>
-            </a:r>
-          </a:p>
-          <a:p>
-            <a:endParaRPr lang="uk-UA" sz="2400"/>
-          </a:p>
-        </p:txBody>
-      </p:sp>
+      </p:pic>
+      <p:pic>
+        <p:nvPicPr>
+          <p:cNvPr id="4" name="Рисунок 3"/>
+          <p:cNvPicPr>
+            <a:picLocks noChangeAspect="1"/>
+          </p:cNvPicPr>
+          <p:nvPr/>
+        </p:nvPicPr>
+        <p:blipFill>
+          <a:blip r:embed="rId3"/>
+          <a:stretch>
+            <a:fillRect/>
+          </a:stretch>
+        </p:blipFill>
+        <p:spPr>
+          <a:xfrm>
+            <a:off x="5930142" y="1433794"/>
+            <a:ext cx="2637769" cy="782439"/>
+          </a:xfrm>
+          <a:prstGeom prst="rect">
+            <a:avLst/>
+          </a:prstGeom>
+        </p:spPr>
+      </p:pic>
+      <p:pic>
+        <p:nvPicPr>
+          <p:cNvPr id="5" name="Рисунок 4"/>
+          <p:cNvPicPr>
+            <a:picLocks noChangeAspect="1"/>
+          </p:cNvPicPr>
+          <p:nvPr/>
+        </p:nvPicPr>
+        <p:blipFill>
+          <a:blip r:embed="rId4"/>
+          <a:stretch>
+            <a:fillRect/>
+          </a:stretch>
+        </p:blipFill>
+        <p:spPr>
+          <a:xfrm>
+            <a:off x="5705320" y="2353449"/>
+            <a:ext cx="5457245" cy="1479026"/>
+          </a:xfrm>
+          <a:prstGeom prst="rect">
+            <a:avLst/>
+          </a:prstGeom>
+        </p:spPr>
+      </p:pic>
     </p:spTree>
     <p:extLst>
       <p:ext uri="{BB962C8B-B14F-4D97-AF65-F5344CB8AC3E}">
-        <p14:creationId xmlns:p14="http://schemas.microsoft.com/office/powerpoint/2010/main" val="655073786"/>
+        <p14:creationId xmlns:p14="http://schemas.microsoft.com/office/powerpoint/2010/main" val="2228467918"/>
       </p:ext>
     </p:extLst>
   </p:cSld>
@@ -6792,4 +9735,265 @@
     </a:ext>
   </a:extLst>
 </a:theme>
+</file>
+
+<file path=ppt/theme/theme2.xml><?xml version="1.0" encoding="utf-8"?>
+<a:theme xmlns:a="http://schemas.openxmlformats.org/drawingml/2006/main" name="Тема Office">
+  <a:themeElements>
+    <a:clrScheme name="Стандартная">
+      <a:dk1>
+        <a:sysClr val="windowText" lastClr="000000"/>
+      </a:dk1>
+      <a:lt1>
+        <a:sysClr val="window" lastClr="FFFFFF"/>
+      </a:lt1>
+      <a:dk2>
+        <a:srgbClr val="44546A"/>
+      </a:dk2>
+      <a:lt2>
+        <a:srgbClr val="E7E6E6"/>
+      </a:lt2>
+      <a:accent1>
+        <a:srgbClr val="5B9BD5"/>
+      </a:accent1>
+      <a:accent2>
+        <a:srgbClr val="ED7D31"/>
+      </a:accent2>
+      <a:accent3>
+        <a:srgbClr val="A5A5A5"/>
+      </a:accent3>
+      <a:accent4>
+        <a:srgbClr val="FFC000"/>
+      </a:accent4>
+      <a:accent5>
+        <a:srgbClr val="4472C4"/>
+      </a:accent5>
+      <a:accent6>
+        <a:srgbClr val="70AD47"/>
+      </a:accent6>
+      <a:hlink>
+        <a:srgbClr val="0563C1"/>
+      </a:hlink>
+      <a:folHlink>
+        <a:srgbClr val="954F72"/>
+      </a:folHlink>
+    </a:clrScheme>
+    <a:fontScheme name="Стандартная">
+      <a:majorFont>
+        <a:latin typeface="Calibri Light" panose="020F0302020204030204"/>
+        <a:ea typeface=""/>
+        <a:cs typeface=""/>
+        <a:font script="Jpan" typeface="游ゴシック Light"/>
+        <a:font script="Hang" typeface="맑은 고딕"/>
+        <a:font script="Hans" typeface="等线 Light"/>
+        <a:font script="Hant" typeface="新細明體"/>
+        <a:font script="Arab" typeface="Times New Roman"/>
+        <a:font script="Hebr" typeface="Times New Roman"/>
+        <a:font script="Thai" typeface="Angsana New"/>
+        <a:font script="Ethi" typeface="Nyala"/>
+        <a:font script="Beng" typeface="Vrinda"/>
+        <a:font script="Gujr" typeface="Shruti"/>
+        <a:font script="Khmr" typeface="MoolBoran"/>
+        <a:font script="Knda" typeface="Tunga"/>
+        <a:font script="Guru" typeface="Raavi"/>
+        <a:font script="Cans" typeface="Euphemia"/>
+        <a:font script="Cher" typeface="Plantagenet Cherokee"/>
+        <a:font script="Yiii" typeface="Microsoft Yi Baiti"/>
+        <a:font script="Tibt" typeface="Microsoft Himalaya"/>
+        <a:font script="Thaa" typeface="MV Boli"/>
+        <a:font script="Deva" typeface="Mangal"/>
+        <a:font script="Telu" typeface="Gautami"/>
+        <a:font script="Taml" typeface="Latha"/>
+        <a:font script="Syrc" typeface="Estrangelo Edessa"/>
+        <a:font script="Orya" typeface="Kalinga"/>
+        <a:font script="Mlym" typeface="Kartika"/>
+        <a:font script="Laoo" typeface="DokChampa"/>
+        <a:font script="Sinh" typeface="Iskoola Pota"/>
+        <a:font script="Mong" typeface="Mongolian Baiti"/>
+        <a:font script="Viet" typeface="Times New Roman"/>
+        <a:font script="Uigh" typeface="Microsoft Uighur"/>
+        <a:font script="Geor" typeface="Sylfaen"/>
+      </a:majorFont>
+      <a:minorFont>
+        <a:latin typeface="Calibri" panose="020F0502020204030204"/>
+        <a:ea typeface=""/>
+        <a:cs typeface=""/>
+        <a:font script="Jpan" typeface="游ゴシック"/>
+        <a:font script="Hang" typeface="맑은 고딕"/>
+        <a:font script="Hans" typeface="等线"/>
+        <a:font script="Hant" typeface="新細明體"/>
+        <a:font script="Arab" typeface="Arial"/>
+        <a:font script="Hebr" typeface="Arial"/>
+        <a:font script="Thai" typeface="Cordia New"/>
+        <a:font script="Ethi" typeface="Nyala"/>
+        <a:font script="Beng" typeface="Vrinda"/>
+        <a:font script="Gujr" typeface="Shruti"/>
+        <a:font script="Khmr" typeface="DaunPenh"/>
+        <a:font script="Knda" typeface="Tunga"/>
+        <a:font script="Guru" typeface="Raavi"/>
+        <a:font script="Cans" typeface="Euphemia"/>
+        <a:font script="Cher" typeface="Plantagenet Cherokee"/>
+        <a:font script="Yiii" typeface="Microsoft Yi Baiti"/>
+        <a:font script="Tibt" typeface="Microsoft Himalaya"/>
+        <a:font script="Thaa" typeface="MV Boli"/>
+        <a:font script="Deva" typeface="Mangal"/>
+        <a:font script="Telu" typeface="Gautami"/>
+        <a:font script="Taml" typeface="Latha"/>
+        <a:font script="Syrc" typeface="Estrangelo Edessa"/>
+        <a:font script="Orya" typeface="Kalinga"/>
+        <a:font script="Mlym" typeface="Kartika"/>
+        <a:font script="Laoo" typeface="DokChampa"/>
+        <a:font script="Sinh" typeface="Iskoola Pota"/>
+        <a:font script="Mong" typeface="Mongolian Baiti"/>
+        <a:font script="Viet" typeface="Arial"/>
+        <a:font script="Uigh" typeface="Microsoft Uighur"/>
+        <a:font script="Geor" typeface="Sylfaen"/>
+      </a:minorFont>
+    </a:fontScheme>
+    <a:fmtScheme name="Стандартная">
+      <a:fillStyleLst>
+        <a:solidFill>
+          <a:schemeClr val="phClr"/>
+        </a:solidFill>
+        <a:gradFill rotWithShape="1">
+          <a:gsLst>
+            <a:gs pos="0">
+              <a:schemeClr val="phClr">
+                <a:lumMod val="110000"/>
+                <a:satMod val="105000"/>
+                <a:tint val="67000"/>
+              </a:schemeClr>
+            </a:gs>
+            <a:gs pos="50000">
+              <a:schemeClr val="phClr">
+                <a:lumMod val="105000"/>
+                <a:satMod val="103000"/>
+                <a:tint val="73000"/>
+              </a:schemeClr>
+            </a:gs>
+            <a:gs pos="100000">
+              <a:schemeClr val="phClr">
+                <a:lumMod val="105000"/>
+                <a:satMod val="109000"/>
+                <a:tint val="81000"/>
+              </a:schemeClr>
+            </a:gs>
+          </a:gsLst>
+          <a:lin ang="5400000" scaled="0"/>
+        </a:gradFill>
+        <a:gradFill rotWithShape="1">
+          <a:gsLst>
+            <a:gs pos="0">
+              <a:schemeClr val="phClr">
+                <a:satMod val="103000"/>
+                <a:lumMod val="102000"/>
+                <a:tint val="94000"/>
+              </a:schemeClr>
+            </a:gs>
+            <a:gs pos="50000">
+              <a:schemeClr val="phClr">
+                <a:satMod val="110000"/>
+                <a:lumMod val="100000"/>
+                <a:shade val="100000"/>
+              </a:schemeClr>
+            </a:gs>
+            <a:gs pos="100000">
+              <a:schemeClr val="phClr">
+                <a:lumMod val="99000"/>
+                <a:satMod val="120000"/>
+                <a:shade val="78000"/>
+              </a:schemeClr>
+            </a:gs>
+          </a:gsLst>
+          <a:lin ang="5400000" scaled="0"/>
+        </a:gradFill>
+      </a:fillStyleLst>
+      <a:lnStyleLst>
+        <a:ln w="6350" cap="flat" cmpd="sng" algn="ctr">
+          <a:solidFill>
+            <a:schemeClr val="phClr"/>
+          </a:solidFill>
+          <a:prstDash val="solid"/>
+          <a:miter lim="800000"/>
+        </a:ln>
+        <a:ln w="12700" cap="flat" cmpd="sng" algn="ctr">
+          <a:solidFill>
+            <a:schemeClr val="phClr"/>
+          </a:solidFill>
+          <a:prstDash val="solid"/>
+          <a:miter lim="800000"/>
+        </a:ln>
+        <a:ln w="19050" cap="flat" cmpd="sng" algn="ctr">
+          <a:solidFill>
+            <a:schemeClr val="phClr"/>
+          </a:solidFill>
+          <a:prstDash val="solid"/>
+          <a:miter lim="800000"/>
+        </a:ln>
+      </a:lnStyleLst>
+      <a:effectStyleLst>
+        <a:effectStyle>
+          <a:effectLst/>
+        </a:effectStyle>
+        <a:effectStyle>
+          <a:effectLst/>
+        </a:effectStyle>
+        <a:effectStyle>
+          <a:effectLst>
+            <a:outerShdw blurRad="57150" dist="19050" dir="5400000" algn="ctr" rotWithShape="0">
+              <a:srgbClr val="000000">
+                <a:alpha val="63000"/>
+              </a:srgbClr>
+            </a:outerShdw>
+          </a:effectLst>
+        </a:effectStyle>
+      </a:effectStyleLst>
+      <a:bgFillStyleLst>
+        <a:solidFill>
+          <a:schemeClr val="phClr"/>
+        </a:solidFill>
+        <a:solidFill>
+          <a:schemeClr val="phClr">
+            <a:tint val="95000"/>
+            <a:satMod val="170000"/>
+          </a:schemeClr>
+        </a:solidFill>
+        <a:gradFill rotWithShape="1">
+          <a:gsLst>
+            <a:gs pos="0">
+              <a:schemeClr val="phClr">
+                <a:tint val="93000"/>
+                <a:satMod val="150000"/>
+                <a:shade val="98000"/>
+                <a:lumMod val="102000"/>
+              </a:schemeClr>
+            </a:gs>
+            <a:gs pos="50000">
+              <a:schemeClr val="phClr">
+                <a:tint val="98000"/>
+                <a:satMod val="130000"/>
+                <a:shade val="90000"/>
+                <a:lumMod val="103000"/>
+              </a:schemeClr>
+            </a:gs>
+            <a:gs pos="100000">
+              <a:schemeClr val="phClr">
+                <a:shade val="63000"/>
+                <a:satMod val="120000"/>
+              </a:schemeClr>
+            </a:gs>
+          </a:gsLst>
+          <a:lin ang="5400000" scaled="0"/>
+        </a:gradFill>
+      </a:bgFillStyleLst>
+    </a:fmtScheme>
+  </a:themeElements>
+  <a:objectDefaults/>
+  <a:extraClrSchemeLst/>
+  <a:extLst>
+    <a:ext uri="{05A4C25C-085E-4340-85A3-A5531E510DB2}">
+      <thm15:themeFamily xmlns:thm15="http://schemas.microsoft.com/office/thememl/2012/main" name="Office Theme" id="{62F939B6-93AF-4DB8-9C6B-D6C7DFDC589F}" vid="{4A3C46E8-61CC-4603-A589-7422A47A8E4A}"/>
+    </a:ext>
+  </a:extLst>
+</a:theme>
 </file>
--- a/Презентація.pptx
+++ b/Презентація.pptx
@@ -3876,7 +3876,7 @@
                 <a16:creationId xmlns:a16="http://schemas.microsoft.com/office/drawing/2014/main" id="{081EA652-8C6A-4E69-BEB9-170809474553}"/>
               </a:ext>
               <a:ext uri="{C183D7F6-B498-43B3-948B-1728B52AA6E4}">
-                <adec:decorative xmlns="" xmlns:adec="http://schemas.microsoft.com/office/drawing/2017/decorative" val="1"/>
+                <adec:decorative xmlns:adec="http://schemas.microsoft.com/office/drawing/2017/decorative" xmlns="" val="1"/>
               </a:ext>
             </a:extLst>
           </p:cNvPr>
@@ -3936,7 +3936,7 @@
                 <a16:creationId xmlns:a16="http://schemas.microsoft.com/office/drawing/2014/main" id="{5298780A-33B9-4EA2-8F67-DE68AD62841B}"/>
               </a:ext>
               <a:ext uri="{C183D7F6-B498-43B3-948B-1728B52AA6E4}">
-                <adec:decorative xmlns="" xmlns:adec="http://schemas.microsoft.com/office/drawing/2017/decorative" val="1"/>
+                <adec:decorative xmlns:adec="http://schemas.microsoft.com/office/drawing/2017/decorative" xmlns="" val="1"/>
               </a:ext>
             </a:extLst>
           </p:cNvPr>
@@ -3999,7 +3999,7 @@
                 <a16:creationId xmlns:a16="http://schemas.microsoft.com/office/drawing/2014/main" id="{7F488E8B-4E1E-4402-8935-D4E6C02615C7}"/>
               </a:ext>
               <a:ext uri="{C183D7F6-B498-43B3-948B-1728B52AA6E4}">
-                <adec:decorative xmlns="" xmlns:adec="http://schemas.microsoft.com/office/drawing/2017/decorative" val="1"/>
+                <adec:decorative xmlns:adec="http://schemas.microsoft.com/office/drawing/2017/decorative" xmlns="" val="1"/>
               </a:ext>
             </a:extLst>
           </p:cNvPr>
@@ -4258,7 +4258,7 @@
                 <a16:creationId xmlns:a16="http://schemas.microsoft.com/office/drawing/2014/main" id="{081EA652-8C6A-4E69-BEB9-170809474553}"/>
               </a:ext>
               <a:ext uri="{C183D7F6-B498-43B3-948B-1728B52AA6E4}">
-                <adec:decorative xmlns="" xmlns:adec="http://schemas.microsoft.com/office/drawing/2017/decorative" val="1"/>
+                <adec:decorative xmlns:adec="http://schemas.microsoft.com/office/drawing/2017/decorative" xmlns="" val="1"/>
               </a:ext>
             </a:extLst>
           </p:cNvPr>
@@ -4318,7 +4318,7 @@
                 <a16:creationId xmlns:a16="http://schemas.microsoft.com/office/drawing/2014/main" id="{5298780A-33B9-4EA2-8F67-DE68AD62841B}"/>
               </a:ext>
               <a:ext uri="{C183D7F6-B498-43B3-948B-1728B52AA6E4}">
-                <adec:decorative xmlns="" xmlns:adec="http://schemas.microsoft.com/office/drawing/2017/decorative" val="1"/>
+                <adec:decorative xmlns:adec="http://schemas.microsoft.com/office/drawing/2017/decorative" xmlns="" val="1"/>
               </a:ext>
             </a:extLst>
           </p:cNvPr>
@@ -4381,7 +4381,7 @@
                 <a16:creationId xmlns:a16="http://schemas.microsoft.com/office/drawing/2014/main" id="{7F488E8B-4E1E-4402-8935-D4E6C02615C7}"/>
               </a:ext>
               <a:ext uri="{C183D7F6-B498-43B3-948B-1728B52AA6E4}">
-                <adec:decorative xmlns="" xmlns:adec="http://schemas.microsoft.com/office/drawing/2017/decorative" val="1"/>
+                <adec:decorative xmlns:adec="http://schemas.microsoft.com/office/drawing/2017/decorative" xmlns="" val="1"/>
               </a:ext>
             </a:extLst>
           </p:cNvPr>
@@ -5275,7 +5275,7 @@
                 <a16:creationId xmlns:a16="http://schemas.microsoft.com/office/drawing/2014/main" id="{081EA652-8C6A-4E69-BEB9-170809474553}"/>
               </a:ext>
               <a:ext uri="{C183D7F6-B498-43B3-948B-1728B52AA6E4}">
-                <adec:decorative xmlns="" xmlns:adec="http://schemas.microsoft.com/office/drawing/2017/decorative" val="1"/>
+                <adec:decorative xmlns:adec="http://schemas.microsoft.com/office/drawing/2017/decorative" xmlns="" val="1"/>
               </a:ext>
             </a:extLst>
           </p:cNvPr>
@@ -5335,7 +5335,7 @@
                 <a16:creationId xmlns:a16="http://schemas.microsoft.com/office/drawing/2014/main" id="{5298780A-33B9-4EA2-8F67-DE68AD62841B}"/>
               </a:ext>
               <a:ext uri="{C183D7F6-B498-43B3-948B-1728B52AA6E4}">
-                <adec:decorative xmlns="" xmlns:adec="http://schemas.microsoft.com/office/drawing/2017/decorative" val="1"/>
+                <adec:decorative xmlns:adec="http://schemas.microsoft.com/office/drawing/2017/decorative" xmlns="" val="1"/>
               </a:ext>
             </a:extLst>
           </p:cNvPr>
@@ -5398,7 +5398,7 @@
                 <a16:creationId xmlns:a16="http://schemas.microsoft.com/office/drawing/2014/main" id="{7F488E8B-4E1E-4402-8935-D4E6C02615C7}"/>
               </a:ext>
               <a:ext uri="{C183D7F6-B498-43B3-948B-1728B52AA6E4}">
-                <adec:decorative xmlns="" xmlns:adec="http://schemas.microsoft.com/office/drawing/2017/decorative" val="1"/>
+                <adec:decorative xmlns:adec="http://schemas.microsoft.com/office/drawing/2017/decorative" xmlns="" val="1"/>
               </a:ext>
             </a:extLst>
           </p:cNvPr>
@@ -5765,7 +5765,7 @@
                 <a16:creationId xmlns:a16="http://schemas.microsoft.com/office/drawing/2014/main" id="{081EA652-8C6A-4E69-BEB9-170809474553}"/>
               </a:ext>
               <a:ext uri="{C183D7F6-B498-43B3-948B-1728B52AA6E4}">
-                <adec:decorative xmlns="" xmlns:adec="http://schemas.microsoft.com/office/drawing/2017/decorative" val="1"/>
+                <adec:decorative xmlns:adec="http://schemas.microsoft.com/office/drawing/2017/decorative" xmlns="" val="1"/>
               </a:ext>
             </a:extLst>
           </p:cNvPr>
@@ -5825,7 +5825,7 @@
                 <a16:creationId xmlns:a16="http://schemas.microsoft.com/office/drawing/2014/main" id="{5298780A-33B9-4EA2-8F67-DE68AD62841B}"/>
               </a:ext>
               <a:ext uri="{C183D7F6-B498-43B3-948B-1728B52AA6E4}">
-                <adec:decorative xmlns="" xmlns:adec="http://schemas.microsoft.com/office/drawing/2017/decorative" val="1"/>
+                <adec:decorative xmlns:adec="http://schemas.microsoft.com/office/drawing/2017/decorative" xmlns="" val="1"/>
               </a:ext>
             </a:extLst>
           </p:cNvPr>
@@ -5888,7 +5888,7 @@
                 <a16:creationId xmlns:a16="http://schemas.microsoft.com/office/drawing/2014/main" id="{7F488E8B-4E1E-4402-8935-D4E6C02615C7}"/>
               </a:ext>
               <a:ext uri="{C183D7F6-B498-43B3-948B-1728B52AA6E4}">
-                <adec:decorative xmlns="" xmlns:adec="http://schemas.microsoft.com/office/drawing/2017/decorative" val="1"/>
+                <adec:decorative xmlns:adec="http://schemas.microsoft.com/office/drawing/2017/decorative" xmlns="" val="1"/>
               </a:ext>
             </a:extLst>
           </p:cNvPr>
@@ -6367,7 +6367,7 @@
                 <a16:creationId xmlns:a16="http://schemas.microsoft.com/office/drawing/2014/main" id="{081EA652-8C6A-4E69-BEB9-170809474553}"/>
               </a:ext>
               <a:ext uri="{C183D7F6-B498-43B3-948B-1728B52AA6E4}">
-                <adec:decorative xmlns="" xmlns:adec="http://schemas.microsoft.com/office/drawing/2017/decorative" val="1"/>
+                <adec:decorative xmlns:adec="http://schemas.microsoft.com/office/drawing/2017/decorative" xmlns="" val="1"/>
               </a:ext>
             </a:extLst>
           </p:cNvPr>
@@ -6427,7 +6427,7 @@
                 <a16:creationId xmlns:a16="http://schemas.microsoft.com/office/drawing/2014/main" id="{5298780A-33B9-4EA2-8F67-DE68AD62841B}"/>
               </a:ext>
               <a:ext uri="{C183D7F6-B498-43B3-948B-1728B52AA6E4}">
-                <adec:decorative xmlns="" xmlns:adec="http://schemas.microsoft.com/office/drawing/2017/decorative" val="1"/>
+                <adec:decorative xmlns:adec="http://schemas.microsoft.com/office/drawing/2017/decorative" xmlns="" val="1"/>
               </a:ext>
             </a:extLst>
           </p:cNvPr>
@@ -6490,7 +6490,7 @@
                 <a16:creationId xmlns:a16="http://schemas.microsoft.com/office/drawing/2014/main" id="{7F488E8B-4E1E-4402-8935-D4E6C02615C7}"/>
               </a:ext>
               <a:ext uri="{C183D7F6-B498-43B3-948B-1728B52AA6E4}">
-                <adec:decorative xmlns="" xmlns:adec="http://schemas.microsoft.com/office/drawing/2017/decorative" val="1"/>
+                <adec:decorative xmlns:adec="http://schemas.microsoft.com/office/drawing/2017/decorative" xmlns="" val="1"/>
               </a:ext>
             </a:extLst>
           </p:cNvPr>
@@ -6750,8 +6750,39 @@
               <a:t>GitHub: </a:t>
             </a:r>
             <a:r>
-              <a:rPr lang="en-US" dirty="0" err="1"/>
+              <a:rPr lang="en-US" dirty="0" err="1" smtClean="0"/>
               <a:t>TesliukBohdan</a:t>
+            </a:r>
+            <a:endParaRPr lang="en-US" dirty="0" smtClean="0"/>
+          </a:p>
+          <a:p>
+            <a:pPr algn="l"/>
+            <a:endParaRPr lang="en-US" dirty="0" smtClean="0"/>
+          </a:p>
+          <a:p>
+            <a:pPr algn="l"/>
+            <a:r>
+              <a:rPr lang="uk-UA" dirty="0" smtClean="0"/>
+              <a:t>Посилання на </a:t>
+            </a:r>
+            <a:r>
+              <a:rPr lang="en-US" dirty="0" err="1" smtClean="0"/>
+              <a:t>github</a:t>
+            </a:r>
+            <a:r>
+              <a:rPr lang="uk-UA" dirty="0" smtClean="0"/>
+              <a:t> команди</a:t>
+            </a:r>
+            <a:r>
+              <a:rPr lang="en-US" dirty="0" smtClean="0"/>
+              <a:t>:</a:t>
+            </a:r>
+          </a:p>
+          <a:p>
+            <a:pPr algn="l"/>
+            <a:r>
+              <a:rPr lang="en-US" dirty="0"/>
+              <a:t>https://github.com/WhyTile/Unik-practice</a:t>
             </a:r>
             <a:endParaRPr lang="en-US" dirty="0"/>
           </a:p>
@@ -6803,7 +6834,7 @@
                 <a16:creationId xmlns:a16="http://schemas.microsoft.com/office/drawing/2014/main" id="{9D25F302-27C5-414F-97F8-6EA0A6C028BA}"/>
               </a:ext>
               <a:ext uri="{C183D7F6-B498-43B3-948B-1728B52AA6E4}">
-                <adec:decorative xmlns="" xmlns:adec="http://schemas.microsoft.com/office/drawing/2017/decorative" val="1"/>
+                <adec:decorative xmlns:adec="http://schemas.microsoft.com/office/drawing/2017/decorative" xmlns="" val="1"/>
               </a:ext>
             </a:extLst>
           </p:cNvPr>
@@ -6863,7 +6894,7 @@
                 <a16:creationId xmlns:a16="http://schemas.microsoft.com/office/drawing/2014/main" id="{830A36F8-48C2-4842-A87B-8CE8DF4E7FD2}"/>
               </a:ext>
               <a:ext uri="{C183D7F6-B498-43B3-948B-1728B52AA6E4}">
-                <adec:decorative xmlns="" xmlns:adec="http://schemas.microsoft.com/office/drawing/2017/decorative" val="1"/>
+                <adec:decorative xmlns:adec="http://schemas.microsoft.com/office/drawing/2017/decorative" xmlns="" val="1"/>
               </a:ext>
             </a:extLst>
           </p:cNvPr>
@@ -6926,7 +6957,7 @@
                 <a16:creationId xmlns:a16="http://schemas.microsoft.com/office/drawing/2014/main" id="{8F451A30-466B-4996-9BA5-CD6ABCC6D558}"/>
               </a:ext>
               <a:ext uri="{C183D7F6-B498-43B3-948B-1728B52AA6E4}">
-                <adec:decorative xmlns="" xmlns:adec="http://schemas.microsoft.com/office/drawing/2017/decorative" val="1"/>
+                <adec:decorative xmlns:adec="http://schemas.microsoft.com/office/drawing/2017/decorative" xmlns="" val="1"/>
               </a:ext>
             </a:extLst>
           </p:cNvPr>
@@ -7308,7 +7339,7 @@
                 <a16:creationId xmlns:a16="http://schemas.microsoft.com/office/drawing/2014/main" id="{9D25F302-27C5-414F-97F8-6EA0A6C028BA}"/>
               </a:ext>
               <a:ext uri="{C183D7F6-B498-43B3-948B-1728B52AA6E4}">
-                <adec:decorative xmlns="" xmlns:adec="http://schemas.microsoft.com/office/drawing/2017/decorative" val="1"/>
+                <adec:decorative xmlns:adec="http://schemas.microsoft.com/office/drawing/2017/decorative" xmlns="" val="1"/>
               </a:ext>
             </a:extLst>
           </p:cNvPr>
@@ -7368,7 +7399,7 @@
                 <a16:creationId xmlns:a16="http://schemas.microsoft.com/office/drawing/2014/main" id="{830A36F8-48C2-4842-A87B-8CE8DF4E7FD2}"/>
               </a:ext>
               <a:ext uri="{C183D7F6-B498-43B3-948B-1728B52AA6E4}">
-                <adec:decorative xmlns="" xmlns:adec="http://schemas.microsoft.com/office/drawing/2017/decorative" val="1"/>
+                <adec:decorative xmlns:adec="http://schemas.microsoft.com/office/drawing/2017/decorative" xmlns="" val="1"/>
               </a:ext>
             </a:extLst>
           </p:cNvPr>
@@ -7431,7 +7462,7 @@
                 <a16:creationId xmlns:a16="http://schemas.microsoft.com/office/drawing/2014/main" id="{8F451A30-466B-4996-9BA5-CD6ABCC6D558}"/>
               </a:ext>
               <a:ext uri="{C183D7F6-B498-43B3-948B-1728B52AA6E4}">
-                <adec:decorative xmlns="" xmlns:adec="http://schemas.microsoft.com/office/drawing/2017/decorative" val="1"/>
+                <adec:decorative xmlns:adec="http://schemas.microsoft.com/office/drawing/2017/decorative" xmlns="" val="1"/>
               </a:ext>
             </a:extLst>
           </p:cNvPr>
@@ -7694,7 +7725,7 @@
                 <a16:creationId xmlns:a16="http://schemas.microsoft.com/office/drawing/2014/main" id="{19D32F93-50AC-4C46-A5DB-291C60DDB7BD}"/>
               </a:ext>
               <a:ext uri="{C183D7F6-B498-43B3-948B-1728B52AA6E4}">
-                <adec:decorative xmlns="" xmlns:adec="http://schemas.microsoft.com/office/drawing/2017/decorative" val="1"/>
+                <adec:decorative xmlns:adec="http://schemas.microsoft.com/office/drawing/2017/decorative" xmlns="" val="1"/>
               </a:ext>
             </a:extLst>
           </p:cNvPr>
@@ -7754,7 +7785,7 @@
                 <a16:creationId xmlns:a16="http://schemas.microsoft.com/office/drawing/2014/main" id="{827DC2C4-B485-428A-BF4A-472D2967F47F}"/>
               </a:ext>
               <a:ext uri="{C183D7F6-B498-43B3-948B-1728B52AA6E4}">
-                <adec:decorative xmlns="" xmlns:adec="http://schemas.microsoft.com/office/drawing/2017/decorative" val="1"/>
+                <adec:decorative xmlns:adec="http://schemas.microsoft.com/office/drawing/2017/decorative" xmlns="" val="1"/>
               </a:ext>
             </a:extLst>
           </p:cNvPr>
@@ -7817,7 +7848,7 @@
                 <a16:creationId xmlns:a16="http://schemas.microsoft.com/office/drawing/2014/main" id="{EE04B5EB-F158-4507-90DD-BD23620C7CC9}"/>
               </a:ext>
               <a:ext uri="{C183D7F6-B498-43B3-948B-1728B52AA6E4}">
-                <adec:decorative xmlns="" xmlns:adec="http://schemas.microsoft.com/office/drawing/2017/decorative" val="1"/>
+                <adec:decorative xmlns:adec="http://schemas.microsoft.com/office/drawing/2017/decorative" xmlns="" val="1"/>
               </a:ext>
             </a:extLst>
           </p:cNvPr>
@@ -8095,7 +8126,7 @@
                 <a16:creationId xmlns:a16="http://schemas.microsoft.com/office/drawing/2014/main" id="{19D32F93-50AC-4C46-A5DB-291C60DDB7BD}"/>
               </a:ext>
               <a:ext uri="{C183D7F6-B498-43B3-948B-1728B52AA6E4}">
-                <adec:decorative xmlns="" xmlns:adec="http://schemas.microsoft.com/office/drawing/2017/decorative" val="1"/>
+                <adec:decorative xmlns:adec="http://schemas.microsoft.com/office/drawing/2017/decorative" xmlns="" val="1"/>
               </a:ext>
             </a:extLst>
           </p:cNvPr>
@@ -8155,7 +8186,7 @@
                 <a16:creationId xmlns:a16="http://schemas.microsoft.com/office/drawing/2014/main" id="{827DC2C4-B485-428A-BF4A-472D2967F47F}"/>
               </a:ext>
               <a:ext uri="{C183D7F6-B498-43B3-948B-1728B52AA6E4}">
-                <adec:decorative xmlns="" xmlns:adec="http://schemas.microsoft.com/office/drawing/2017/decorative" val="1"/>
+                <adec:decorative xmlns:adec="http://schemas.microsoft.com/office/drawing/2017/decorative" xmlns="" val="1"/>
               </a:ext>
             </a:extLst>
           </p:cNvPr>
@@ -8218,7 +8249,7 @@
                 <a16:creationId xmlns:a16="http://schemas.microsoft.com/office/drawing/2014/main" id="{EE04B5EB-F158-4507-90DD-BD23620C7CC9}"/>
               </a:ext>
               <a:ext uri="{C183D7F6-B498-43B3-948B-1728B52AA6E4}">
-                <adec:decorative xmlns="" xmlns:adec="http://schemas.microsoft.com/office/drawing/2017/decorative" val="1"/>
+                <adec:decorative xmlns:adec="http://schemas.microsoft.com/office/drawing/2017/decorative" xmlns="" val="1"/>
               </a:ext>
             </a:extLst>
           </p:cNvPr>
@@ -8447,7 +8478,7 @@
                 <a16:creationId xmlns:a16="http://schemas.microsoft.com/office/drawing/2014/main" id="{19D32F93-50AC-4C46-A5DB-291C60DDB7BD}"/>
               </a:ext>
               <a:ext uri="{C183D7F6-B498-43B3-948B-1728B52AA6E4}">
-                <adec:decorative xmlns="" xmlns:adec="http://schemas.microsoft.com/office/drawing/2017/decorative" val="1"/>
+                <adec:decorative xmlns:adec="http://schemas.microsoft.com/office/drawing/2017/decorative" xmlns="" val="1"/>
               </a:ext>
             </a:extLst>
           </p:cNvPr>
@@ -8507,7 +8538,7 @@
                 <a16:creationId xmlns:a16="http://schemas.microsoft.com/office/drawing/2014/main" id="{827DC2C4-B485-428A-BF4A-472D2967F47F}"/>
               </a:ext>
               <a:ext uri="{C183D7F6-B498-43B3-948B-1728B52AA6E4}">
-                <adec:decorative xmlns="" xmlns:adec="http://schemas.microsoft.com/office/drawing/2017/decorative" val="1"/>
+                <adec:decorative xmlns:adec="http://schemas.microsoft.com/office/drawing/2017/decorative" xmlns="" val="1"/>
               </a:ext>
             </a:extLst>
           </p:cNvPr>
@@ -8570,7 +8601,7 @@
                 <a16:creationId xmlns:a16="http://schemas.microsoft.com/office/drawing/2014/main" id="{EE04B5EB-F158-4507-90DD-BD23620C7CC9}"/>
               </a:ext>
               <a:ext uri="{C183D7F6-B498-43B3-948B-1728B52AA6E4}">
-                <adec:decorative xmlns="" xmlns:adec="http://schemas.microsoft.com/office/drawing/2017/decorative" val="1"/>
+                <adec:decorative xmlns:adec="http://schemas.microsoft.com/office/drawing/2017/decorative" xmlns="" val="1"/>
               </a:ext>
             </a:extLst>
           </p:cNvPr>
@@ -8799,7 +8830,7 @@
                 <a16:creationId xmlns:a16="http://schemas.microsoft.com/office/drawing/2014/main" id="{19D32F93-50AC-4C46-A5DB-291C60DDB7BD}"/>
               </a:ext>
               <a:ext uri="{C183D7F6-B498-43B3-948B-1728B52AA6E4}">
-                <adec:decorative xmlns="" xmlns:adec="http://schemas.microsoft.com/office/drawing/2017/decorative" val="1"/>
+                <adec:decorative xmlns:adec="http://schemas.microsoft.com/office/drawing/2017/decorative" xmlns="" val="1"/>
               </a:ext>
             </a:extLst>
           </p:cNvPr>
@@ -8859,7 +8890,7 @@
                 <a16:creationId xmlns:a16="http://schemas.microsoft.com/office/drawing/2014/main" id="{827DC2C4-B485-428A-BF4A-472D2967F47F}"/>
               </a:ext>
               <a:ext uri="{C183D7F6-B498-43B3-948B-1728B52AA6E4}">
-                <adec:decorative xmlns="" xmlns:adec="http://schemas.microsoft.com/office/drawing/2017/decorative" val="1"/>
+                <adec:decorative xmlns:adec="http://schemas.microsoft.com/office/drawing/2017/decorative" xmlns="" val="1"/>
               </a:ext>
             </a:extLst>
           </p:cNvPr>
@@ -8922,7 +8953,7 @@
                 <a16:creationId xmlns:a16="http://schemas.microsoft.com/office/drawing/2014/main" id="{EE04B5EB-F158-4507-90DD-BD23620C7CC9}"/>
               </a:ext>
               <a:ext uri="{C183D7F6-B498-43B3-948B-1728B52AA6E4}">
-                <adec:decorative xmlns="" xmlns:adec="http://schemas.microsoft.com/office/drawing/2017/decorative" val="1"/>
+                <adec:decorative xmlns:adec="http://schemas.microsoft.com/office/drawing/2017/decorative" xmlns="" val="1"/>
               </a:ext>
             </a:extLst>
           </p:cNvPr>
@@ -9101,7 +9132,7 @@
                 <a16:creationId xmlns:a16="http://schemas.microsoft.com/office/drawing/2014/main" id="{19D32F93-50AC-4C46-A5DB-291C60DDB7BD}"/>
               </a:ext>
               <a:ext uri="{C183D7F6-B498-43B3-948B-1728B52AA6E4}">
-                <adec:decorative xmlns="" xmlns:adec="http://schemas.microsoft.com/office/drawing/2017/decorative" val="1"/>
+                <adec:decorative xmlns:adec="http://schemas.microsoft.com/office/drawing/2017/decorative" xmlns="" val="1"/>
               </a:ext>
             </a:extLst>
           </p:cNvPr>
@@ -9161,7 +9192,7 @@
                 <a16:creationId xmlns:a16="http://schemas.microsoft.com/office/drawing/2014/main" id="{827DC2C4-B485-428A-BF4A-472D2967F47F}"/>
               </a:ext>
               <a:ext uri="{C183D7F6-B498-43B3-948B-1728B52AA6E4}">
-                <adec:decorative xmlns="" xmlns:adec="http://schemas.microsoft.com/office/drawing/2017/decorative" val="1"/>
+                <adec:decorative xmlns:adec="http://schemas.microsoft.com/office/drawing/2017/decorative" xmlns="" val="1"/>
               </a:ext>
             </a:extLst>
           </p:cNvPr>
@@ -9224,7 +9255,7 @@
                 <a16:creationId xmlns:a16="http://schemas.microsoft.com/office/drawing/2014/main" id="{EE04B5EB-F158-4507-90DD-BD23620C7CC9}"/>
               </a:ext>
               <a:ext uri="{C183D7F6-B498-43B3-948B-1728B52AA6E4}">
-                <adec:decorative xmlns="" xmlns:adec="http://schemas.microsoft.com/office/drawing/2017/decorative" val="1"/>
+                <adec:decorative xmlns:adec="http://schemas.microsoft.com/office/drawing/2017/decorative" xmlns="" val="1"/>
               </a:ext>
             </a:extLst>
           </p:cNvPr>
